--- a/docs/assets/files/business-change/High-level roadmap.pptx
+++ b/docs/assets/files/business-change/High-level roadmap.pptx
@@ -2,23 +2,22 @@
 <file path=ppt/presentation.xml><?xml version="1.0" encoding="utf-8"?>
 <p:presentation xmlns:a="http://schemas.openxmlformats.org/drawingml/2006/main" xmlns:r="http://schemas.openxmlformats.org/officeDocument/2006/relationships" xmlns:p="http://schemas.openxmlformats.org/presentationml/2006/main" strictFirstAndLastChars="0" saveSubsetFonts="1" autoCompressPictures="0">
   <p:sldMasterIdLst>
-    <p:sldMasterId id="2147483663" r:id="rId4"/>
-    <p:sldMasterId id="2147483664" r:id="rId5"/>
-    <p:sldMasterId id="2147483665" r:id="rId6"/>
+    <p:sldMasterId id="2147483664" r:id="rId4"/>
+    <p:sldMasterId id="2147483665" r:id="rId5"/>
   </p:sldMasterIdLst>
   <p:notesMasterIdLst>
-    <p:notesMasterId r:id="rId16"/>
+    <p:notesMasterId r:id="rId15"/>
   </p:notesMasterIdLst>
   <p:sldIdLst>
-    <p:sldId id="256" r:id="rId7"/>
-    <p:sldId id="257" r:id="rId8"/>
-    <p:sldId id="258" r:id="rId9"/>
-    <p:sldId id="259" r:id="rId10"/>
-    <p:sldId id="260" r:id="rId11"/>
-    <p:sldId id="261" r:id="rId12"/>
-    <p:sldId id="262" r:id="rId13"/>
-    <p:sldId id="263" r:id="rId14"/>
-    <p:sldId id="264" r:id="rId15"/>
+    <p:sldId id="256" r:id="rId6"/>
+    <p:sldId id="257" r:id="rId7"/>
+    <p:sldId id="258" r:id="rId8"/>
+    <p:sldId id="259" r:id="rId9"/>
+    <p:sldId id="260" r:id="rId10"/>
+    <p:sldId id="261" r:id="rId11"/>
+    <p:sldId id="262" r:id="rId12"/>
+    <p:sldId id="263" r:id="rId13"/>
+    <p:sldId id="264" r:id="rId14"/>
   </p:sldIdLst>
   <p:sldSz cx="9144000" cy="5143500" type="screen16x9"/>
   <p:notesSz cx="6858000" cy="9144000"/>
@@ -273,360 +272,9 @@
 <file path=ppt/revisionInfo.xml><?xml version="1.0" encoding="utf-8"?>
 <p1510:revInfo xmlns:a="http://schemas.openxmlformats.org/drawingml/2006/main" xmlns:r="http://schemas.openxmlformats.org/officeDocument/2006/relationships" xmlns:p1510="http://schemas.microsoft.com/office/powerpoint/2015/10/main">
   <p1510:revLst>
-    <p1510:client id="{A862A16E-C36B-4ED5-2FEE-721903303164}" v="1" dt="2019-05-09T16:22:43.167"/>
-    <p1510:client id="{FD80D8FC-D4B5-ABF3-A318-B4111099DC7E}" v="2" dt="2019-05-13T14:47:45.426"/>
+    <p1510:client id="{0E1B2684-7E34-45EA-5DE4-5CD19FC96BA6}" v="358" dt="2019-05-15T17:14:05.051"/>
   </p1510:revLst>
 </p1510:revInfo>
-</file>
-
-<file path=ppt/changesInfos/changesInfo1.xml><?xml version="1.0" encoding="utf-8"?>
-<pc:chgInfo xmlns:a="http://schemas.openxmlformats.org/drawingml/2006/main" xmlns:r="http://schemas.openxmlformats.org/officeDocument/2006/relationships" xmlns:ac="http://schemas.microsoft.com/office/drawing/2013/main/command" xmlns:pc="http://schemas.microsoft.com/office/powerpoint/2013/main/command">
-  <pc:docChgLst>
-    <pc:chgData name="Sally Kendall" userId="S::sally.kendall_dft.gov.uk#ext#@kainos.com::8003d213-44fa-4a01-aedc-68a1622ded0a" providerId="AD" clId="Web-{98E084DE-FD13-1FF2-C670-C4A8958CA1EE}"/>
-    <pc:docChg chg="modSld">
-      <pc:chgData name="Sally Kendall" userId="S::sally.kendall_dft.gov.uk#ext#@kainos.com::8003d213-44fa-4a01-aedc-68a1622ded0a" providerId="AD" clId="Web-{98E084DE-FD13-1FF2-C670-C4A8958CA1EE}" dt="2019-05-09T14:13:38.297" v="11" actId="20577"/>
-      <pc:docMkLst>
-        <pc:docMk/>
-      </pc:docMkLst>
-      <pc:sldChg chg="modSp">
-        <pc:chgData name="Sally Kendall" userId="S::sally.kendall_dft.gov.uk#ext#@kainos.com::8003d213-44fa-4a01-aedc-68a1622ded0a" providerId="AD" clId="Web-{98E084DE-FD13-1FF2-C670-C4A8958CA1EE}" dt="2019-05-09T14:13:38.297" v="11" actId="20577"/>
-        <pc:sldMkLst>
-          <pc:docMk/>
-          <pc:sldMk cId="0" sldId="257"/>
-        </pc:sldMkLst>
-        <pc:spChg chg="mod">
-          <ac:chgData name="Sally Kendall" userId="S::sally.kendall_dft.gov.uk#ext#@kainos.com::8003d213-44fa-4a01-aedc-68a1622ded0a" providerId="AD" clId="Web-{98E084DE-FD13-1FF2-C670-C4A8958CA1EE}" dt="2019-05-09T14:13:38.297" v="11" actId="20577"/>
-          <ac:spMkLst>
-            <pc:docMk/>
-            <pc:sldMk cId="0" sldId="257"/>
-            <ac:spMk id="94" creationId="{00000000-0000-0000-0000-000000000000}"/>
-          </ac:spMkLst>
-        </pc:spChg>
-      </pc:sldChg>
-    </pc:docChg>
-  </pc:docChgLst>
-  <pc:docChgLst>
-    <pc:chgData name="Sally Kendall" userId="S::sally.kendall_dft.gov.uk#ext#@kainos.com::8003d213-44fa-4a01-aedc-68a1622ded0a" providerId="AD" clId="Web-{FD80D8FC-D4B5-ABF3-A318-B4111099DC7E}"/>
-    <pc:docChg chg="modSld">
-      <pc:chgData name="Sally Kendall" userId="S::sally.kendall_dft.gov.uk#ext#@kainos.com::8003d213-44fa-4a01-aedc-68a1622ded0a" providerId="AD" clId="Web-{FD80D8FC-D4B5-ABF3-A318-B4111099DC7E}" dt="2019-05-13T14:47:45.426" v="3" actId="14100"/>
-      <pc:docMkLst>
-        <pc:docMk/>
-      </pc:docMkLst>
-      <pc:sldChg chg="modSp">
-        <pc:chgData name="Sally Kendall" userId="S::sally.kendall_dft.gov.uk#ext#@kainos.com::8003d213-44fa-4a01-aedc-68a1622ded0a" providerId="AD" clId="Web-{FD80D8FC-D4B5-ABF3-A318-B4111099DC7E}" dt="2019-05-13T14:47:45.426" v="3" actId="14100"/>
-        <pc:sldMkLst>
-          <pc:docMk/>
-          <pc:sldMk cId="0" sldId="260"/>
-        </pc:sldMkLst>
-        <pc:spChg chg="mod">
-          <ac:chgData name="Sally Kendall" userId="S::sally.kendall_dft.gov.uk#ext#@kainos.com::8003d213-44fa-4a01-aedc-68a1622ded0a" providerId="AD" clId="Web-{FD80D8FC-D4B5-ABF3-A318-B4111099DC7E}" dt="2019-05-13T14:47:45.426" v="3" actId="14100"/>
-          <ac:spMkLst>
-            <pc:docMk/>
-            <pc:sldMk cId="0" sldId="260"/>
-            <ac:spMk id="149" creationId="{00000000-0000-0000-0000-000000000000}"/>
-          </ac:spMkLst>
-        </pc:spChg>
-        <pc:spChg chg="mod">
-          <ac:chgData name="Sally Kendall" userId="S::sally.kendall_dft.gov.uk#ext#@kainos.com::8003d213-44fa-4a01-aedc-68a1622ded0a" providerId="AD" clId="Web-{FD80D8FC-D4B5-ABF3-A318-B4111099DC7E}" dt="2019-05-13T14:47:42.348" v="2" actId="14100"/>
-          <ac:spMkLst>
-            <pc:docMk/>
-            <pc:sldMk cId="0" sldId="260"/>
-            <ac:spMk id="150" creationId="{00000000-0000-0000-0000-000000000000}"/>
-          </ac:spMkLst>
-        </pc:spChg>
-      </pc:sldChg>
-    </pc:docChg>
-  </pc:docChgLst>
-  <pc:docChgLst>
-    <pc:chgData name="aleksandra.aleksandrova@clarasys.com" userId="S::aleksandra.aleksandrova_clarasys.com#ext#@kainos.com::0d6db917-11a5-4974-bae2-adb89d5fb716" providerId="AD" clId="Web-{A862A16E-C36B-4ED5-2FEE-721903303164}"/>
-    <pc:docChg chg="modSld">
-      <pc:chgData name="aleksandra.aleksandrova@clarasys.com" userId="S::aleksandra.aleksandrova_clarasys.com#ext#@kainos.com::0d6db917-11a5-4974-bae2-adb89d5fb716" providerId="AD" clId="Web-{A862A16E-C36B-4ED5-2FEE-721903303164}" dt="2019-05-09T16:25:15.621" v="46" actId="1076"/>
-      <pc:docMkLst>
-        <pc:docMk/>
-      </pc:docMkLst>
-      <pc:sldChg chg="addSp delSp modSp">
-        <pc:chgData name="aleksandra.aleksandrova@clarasys.com" userId="S::aleksandra.aleksandrova_clarasys.com#ext#@kainos.com::0d6db917-11a5-4974-bae2-adb89d5fb716" providerId="AD" clId="Web-{A862A16E-C36B-4ED5-2FEE-721903303164}" dt="2019-05-09T16:21:28.073" v="7" actId="1076"/>
-        <pc:sldMkLst>
-          <pc:docMk/>
-          <pc:sldMk cId="0" sldId="259"/>
-        </pc:sldMkLst>
-        <pc:spChg chg="add del">
-          <ac:chgData name="aleksandra.aleksandrova@clarasys.com" userId="S::aleksandra.aleksandrova_clarasys.com#ext#@kainos.com::0d6db917-11a5-4974-bae2-adb89d5fb716" providerId="AD" clId="Web-{A862A16E-C36B-4ED5-2FEE-721903303164}" dt="2019-05-09T16:20:25.995" v="2"/>
-          <ac:spMkLst>
-            <pc:docMk/>
-            <pc:sldMk cId="0" sldId="259"/>
-            <ac:spMk id="2" creationId="{EAB634EB-E048-473D-8610-1F70B4BE2737}"/>
-          </ac:spMkLst>
-        </pc:spChg>
-        <pc:spChg chg="mod">
-          <ac:chgData name="aleksandra.aleksandrova@clarasys.com" userId="S::aleksandra.aleksandrova_clarasys.com#ext#@kainos.com::0d6db917-11a5-4974-bae2-adb89d5fb716" providerId="AD" clId="Web-{A862A16E-C36B-4ED5-2FEE-721903303164}" dt="2019-05-09T16:21:27.792" v="5" actId="1076"/>
-          <ac:spMkLst>
-            <pc:docMk/>
-            <pc:sldMk cId="0" sldId="259"/>
-            <ac:spMk id="113" creationId="{00000000-0000-0000-0000-000000000000}"/>
-          </ac:spMkLst>
-        </pc:spChg>
-        <pc:spChg chg="mod">
-          <ac:chgData name="aleksandra.aleksandrova@clarasys.com" userId="S::aleksandra.aleksandrova_clarasys.com#ext#@kainos.com::0d6db917-11a5-4974-bae2-adb89d5fb716" providerId="AD" clId="Web-{A862A16E-C36B-4ED5-2FEE-721903303164}" dt="2019-05-09T16:21:28.073" v="7" actId="1076"/>
-          <ac:spMkLst>
-            <pc:docMk/>
-            <pc:sldMk cId="0" sldId="259"/>
-            <ac:spMk id="114" creationId="{00000000-0000-0000-0000-000000000000}"/>
-          </ac:spMkLst>
-        </pc:spChg>
-        <pc:spChg chg="mod">
-          <ac:chgData name="aleksandra.aleksandrova@clarasys.com" userId="S::aleksandra.aleksandrova_clarasys.com#ext#@kainos.com::0d6db917-11a5-4974-bae2-adb89d5fb716" providerId="AD" clId="Web-{A862A16E-C36B-4ED5-2FEE-721903303164}" dt="2019-05-09T16:19:39.979" v="0" actId="14100"/>
-          <ac:spMkLst>
-            <pc:docMk/>
-            <pc:sldMk cId="0" sldId="259"/>
-            <ac:spMk id="117" creationId="{00000000-0000-0000-0000-000000000000}"/>
-          </ac:spMkLst>
-        </pc:spChg>
-        <pc:spChg chg="mod">
-          <ac:chgData name="aleksandra.aleksandrova@clarasys.com" userId="S::aleksandra.aleksandrova_clarasys.com#ext#@kainos.com::0d6db917-11a5-4974-bae2-adb89d5fb716" providerId="AD" clId="Web-{A862A16E-C36B-4ED5-2FEE-721903303164}" dt="2019-05-09T16:21:27.667" v="4" actId="1076"/>
-          <ac:spMkLst>
-            <pc:docMk/>
-            <pc:sldMk cId="0" sldId="259"/>
-            <ac:spMk id="118" creationId="{00000000-0000-0000-0000-000000000000}"/>
-          </ac:spMkLst>
-        </pc:spChg>
-      </pc:sldChg>
-      <pc:sldChg chg="modSp">
-        <pc:chgData name="aleksandra.aleksandrova@clarasys.com" userId="S::aleksandra.aleksandrova_clarasys.com#ext#@kainos.com::0d6db917-11a5-4974-bae2-adb89d5fb716" providerId="AD" clId="Web-{A862A16E-C36B-4ED5-2FEE-721903303164}" dt="2019-05-09T16:22:21.323" v="12" actId="1076"/>
-        <pc:sldMkLst>
-          <pc:docMk/>
-          <pc:sldMk cId="0" sldId="260"/>
-        </pc:sldMkLst>
-        <pc:spChg chg="mod">
-          <ac:chgData name="aleksandra.aleksandrova@clarasys.com" userId="S::aleksandra.aleksandrova_clarasys.com#ext#@kainos.com::0d6db917-11a5-4974-bae2-adb89d5fb716" providerId="AD" clId="Web-{A862A16E-C36B-4ED5-2FEE-721903303164}" dt="2019-05-09T16:21:30.979" v="9" actId="1076"/>
-          <ac:spMkLst>
-            <pc:docMk/>
-            <pc:sldMk cId="0" sldId="260"/>
-            <ac:spMk id="150" creationId="{00000000-0000-0000-0000-000000000000}"/>
-          </ac:spMkLst>
-        </pc:spChg>
-        <pc:spChg chg="mod">
-          <ac:chgData name="aleksandra.aleksandrova@clarasys.com" userId="S::aleksandra.aleksandrova_clarasys.com#ext#@kainos.com::0d6db917-11a5-4974-bae2-adb89d5fb716" providerId="AD" clId="Web-{A862A16E-C36B-4ED5-2FEE-721903303164}" dt="2019-05-09T16:21:28.182" v="8" actId="14100"/>
-          <ac:spMkLst>
-            <pc:docMk/>
-            <pc:sldMk cId="0" sldId="260"/>
-            <ac:spMk id="151" creationId="{00000000-0000-0000-0000-000000000000}"/>
-          </ac:spMkLst>
-        </pc:spChg>
-        <pc:spChg chg="mod">
-          <ac:chgData name="aleksandra.aleksandrova@clarasys.com" userId="S::aleksandra.aleksandrova_clarasys.com#ext#@kainos.com::0d6db917-11a5-4974-bae2-adb89d5fb716" providerId="AD" clId="Web-{A862A16E-C36B-4ED5-2FEE-721903303164}" dt="2019-05-09T16:21:34.026" v="10" actId="14100"/>
-          <ac:spMkLst>
-            <pc:docMk/>
-            <pc:sldMk cId="0" sldId="260"/>
-            <ac:spMk id="154" creationId="{00000000-0000-0000-0000-000000000000}"/>
-          </ac:spMkLst>
-        </pc:spChg>
-        <pc:spChg chg="mod">
-          <ac:chgData name="aleksandra.aleksandrova@clarasys.com" userId="S::aleksandra.aleksandrova_clarasys.com#ext#@kainos.com::0d6db917-11a5-4974-bae2-adb89d5fb716" providerId="AD" clId="Web-{A862A16E-C36B-4ED5-2FEE-721903303164}" dt="2019-05-09T16:22:21.323" v="12" actId="1076"/>
-          <ac:spMkLst>
-            <pc:docMk/>
-            <pc:sldMk cId="0" sldId="260"/>
-            <ac:spMk id="155" creationId="{00000000-0000-0000-0000-000000000000}"/>
-          </ac:spMkLst>
-        </pc:spChg>
-      </pc:sldChg>
-      <pc:sldChg chg="modSp">
-        <pc:chgData name="aleksandra.aleksandrova@clarasys.com" userId="S::aleksandra.aleksandrova_clarasys.com#ext#@kainos.com::0d6db917-11a5-4974-bae2-adb89d5fb716" providerId="AD" clId="Web-{A862A16E-C36B-4ED5-2FEE-721903303164}" dt="2019-05-09T16:22:22.151" v="17" actId="1076"/>
-        <pc:sldMkLst>
-          <pc:docMk/>
-          <pc:sldMk cId="0" sldId="261"/>
-        </pc:sldMkLst>
-        <pc:spChg chg="mod">
-          <ac:chgData name="aleksandra.aleksandrova@clarasys.com" userId="S::aleksandra.aleksandrova_clarasys.com#ext#@kainos.com::0d6db917-11a5-4974-bae2-adb89d5fb716" providerId="AD" clId="Web-{A862A16E-C36B-4ED5-2FEE-721903303164}" dt="2019-05-09T16:22:21.655" v="14" actId="1076"/>
-          <ac:spMkLst>
-            <pc:docMk/>
-            <pc:sldMk cId="0" sldId="261"/>
-            <ac:spMk id="187" creationId="{00000000-0000-0000-0000-000000000000}"/>
-          </ac:spMkLst>
-        </pc:spChg>
-        <pc:spChg chg="mod">
-          <ac:chgData name="aleksandra.aleksandrova@clarasys.com" userId="S::aleksandra.aleksandrova_clarasys.com#ext#@kainos.com::0d6db917-11a5-4974-bae2-adb89d5fb716" providerId="AD" clId="Web-{A862A16E-C36B-4ED5-2FEE-721903303164}" dt="2019-05-09T16:22:21.448" v="13" actId="14100"/>
-          <ac:spMkLst>
-            <pc:docMk/>
-            <pc:sldMk cId="0" sldId="261"/>
-            <ac:spMk id="188" creationId="{00000000-0000-0000-0000-000000000000}"/>
-          </ac:spMkLst>
-        </pc:spChg>
-        <pc:spChg chg="mod">
-          <ac:chgData name="aleksandra.aleksandrova@clarasys.com" userId="S::aleksandra.aleksandrova_clarasys.com#ext#@kainos.com::0d6db917-11a5-4974-bae2-adb89d5fb716" providerId="AD" clId="Web-{A862A16E-C36B-4ED5-2FEE-721903303164}" dt="2019-05-09T16:22:21.870" v="15" actId="14100"/>
-          <ac:spMkLst>
-            <pc:docMk/>
-            <pc:sldMk cId="0" sldId="261"/>
-            <ac:spMk id="191" creationId="{00000000-0000-0000-0000-000000000000}"/>
-          </ac:spMkLst>
-        </pc:spChg>
-        <pc:spChg chg="mod">
-          <ac:chgData name="aleksandra.aleksandrova@clarasys.com" userId="S::aleksandra.aleksandrova_clarasys.com#ext#@kainos.com::0d6db917-11a5-4974-bae2-adb89d5fb716" providerId="AD" clId="Web-{A862A16E-C36B-4ED5-2FEE-721903303164}" dt="2019-05-09T16:22:22.151" v="17" actId="1076"/>
-          <ac:spMkLst>
-            <pc:docMk/>
-            <pc:sldMk cId="0" sldId="261"/>
-            <ac:spMk id="192" creationId="{00000000-0000-0000-0000-000000000000}"/>
-          </ac:spMkLst>
-        </pc:spChg>
-      </pc:sldChg>
-      <pc:sldChg chg="modSp">
-        <pc:chgData name="aleksandra.aleksandrova@clarasys.com" userId="S::aleksandra.aleksandrova_clarasys.com#ext#@kainos.com::0d6db917-11a5-4974-bae2-adb89d5fb716" providerId="AD" clId="Web-{A862A16E-C36B-4ED5-2FEE-721903303164}" dt="2019-05-09T16:23:33.199" v="30" actId="1076"/>
-        <pc:sldMkLst>
-          <pc:docMk/>
-          <pc:sldMk cId="0" sldId="262"/>
-        </pc:sldMkLst>
-        <pc:spChg chg="mod">
-          <ac:chgData name="aleksandra.aleksandrova@clarasys.com" userId="S::aleksandra.aleksandrova_clarasys.com#ext#@kainos.com::0d6db917-11a5-4974-bae2-adb89d5fb716" providerId="AD" clId="Web-{A862A16E-C36B-4ED5-2FEE-721903303164}" dt="2019-05-09T16:23:18.245" v="27" actId="1076"/>
-          <ac:spMkLst>
-            <pc:docMk/>
-            <pc:sldMk cId="0" sldId="262"/>
-            <ac:spMk id="227" creationId="{00000000-0000-0000-0000-000000000000}"/>
-          </ac:spMkLst>
-        </pc:spChg>
-        <pc:spChg chg="mod">
-          <ac:chgData name="aleksandra.aleksandrova@clarasys.com" userId="S::aleksandra.aleksandrova_clarasys.com#ext#@kainos.com::0d6db917-11a5-4974-bae2-adb89d5fb716" providerId="AD" clId="Web-{A862A16E-C36B-4ED5-2FEE-721903303164}" dt="2019-05-09T16:23:33.199" v="30" actId="1076"/>
-          <ac:spMkLst>
-            <pc:docMk/>
-            <pc:sldMk cId="0" sldId="262"/>
-            <ac:spMk id="228" creationId="{00000000-0000-0000-0000-000000000000}"/>
-          </ac:spMkLst>
-        </pc:spChg>
-        <pc:spChg chg="mod">
-          <ac:chgData name="aleksandra.aleksandrova@clarasys.com" userId="S::aleksandra.aleksandrova_clarasys.com#ext#@kainos.com::0d6db917-11a5-4974-bae2-adb89d5fb716" providerId="AD" clId="Web-{A862A16E-C36B-4ED5-2FEE-721903303164}" dt="2019-05-09T16:23:24.292" v="28" actId="1076"/>
-          <ac:spMkLst>
-            <pc:docMk/>
-            <pc:sldMk cId="0" sldId="262"/>
-            <ac:spMk id="229" creationId="{00000000-0000-0000-0000-000000000000}"/>
-          </ac:spMkLst>
-        </pc:spChg>
-        <pc:spChg chg="mod">
-          <ac:chgData name="aleksandra.aleksandrova@clarasys.com" userId="S::aleksandra.aleksandrova_clarasys.com#ext#@kainos.com::0d6db917-11a5-4974-bae2-adb89d5fb716" providerId="AD" clId="Web-{A862A16E-C36B-4ED5-2FEE-721903303164}" dt="2019-05-09T16:23:09.995" v="25" actId="1076"/>
-          <ac:spMkLst>
-            <pc:docMk/>
-            <pc:sldMk cId="0" sldId="262"/>
-            <ac:spMk id="230" creationId="{00000000-0000-0000-0000-000000000000}"/>
-          </ac:spMkLst>
-        </pc:spChg>
-      </pc:sldChg>
-      <pc:sldChg chg="modSp">
-        <pc:chgData name="aleksandra.aleksandrova@clarasys.com" userId="S::aleksandra.aleksandrova_clarasys.com#ext#@kainos.com::0d6db917-11a5-4974-bae2-adb89d5fb716" providerId="AD" clId="Web-{A862A16E-C36B-4ED5-2FEE-721903303164}" dt="2019-05-09T16:24:19.339" v="37" actId="14100"/>
-        <pc:sldMkLst>
-          <pc:docMk/>
-          <pc:sldMk cId="0" sldId="263"/>
-        </pc:sldMkLst>
-        <pc:spChg chg="mod">
-          <ac:chgData name="aleksandra.aleksandrova@clarasys.com" userId="S::aleksandra.aleksandrova_clarasys.com#ext#@kainos.com::0d6db917-11a5-4974-bae2-adb89d5fb716" providerId="AD" clId="Web-{A862A16E-C36B-4ED5-2FEE-721903303164}" dt="2019-05-09T16:24:12.605" v="36" actId="1076"/>
-          <ac:spMkLst>
-            <pc:docMk/>
-            <pc:sldMk cId="0" sldId="263"/>
-            <ac:spMk id="265" creationId="{00000000-0000-0000-0000-000000000000}"/>
-          </ac:spMkLst>
-        </pc:spChg>
-        <pc:spChg chg="mod">
-          <ac:chgData name="aleksandra.aleksandrova@clarasys.com" userId="S::aleksandra.aleksandrova_clarasys.com#ext#@kainos.com::0d6db917-11a5-4974-bae2-adb89d5fb716" providerId="AD" clId="Web-{A862A16E-C36B-4ED5-2FEE-721903303164}" dt="2019-05-09T16:24:01.152" v="35" actId="14100"/>
-          <ac:spMkLst>
-            <pc:docMk/>
-            <pc:sldMk cId="0" sldId="263"/>
-            <ac:spMk id="266" creationId="{00000000-0000-0000-0000-000000000000}"/>
-          </ac:spMkLst>
-        </pc:spChg>
-        <pc:spChg chg="mod">
-          <ac:chgData name="aleksandra.aleksandrova@clarasys.com" userId="S::aleksandra.aleksandrova_clarasys.com#ext#@kainos.com::0d6db917-11a5-4974-bae2-adb89d5fb716" providerId="AD" clId="Web-{A862A16E-C36B-4ED5-2FEE-721903303164}" dt="2019-05-09T16:24:19.339" v="37" actId="14100"/>
-          <ac:spMkLst>
-            <pc:docMk/>
-            <pc:sldMk cId="0" sldId="263"/>
-            <ac:spMk id="267" creationId="{00000000-0000-0000-0000-000000000000}"/>
-          </ac:spMkLst>
-        </pc:spChg>
-      </pc:sldChg>
-      <pc:sldChg chg="modSp">
-        <pc:chgData name="aleksandra.aleksandrova@clarasys.com" userId="S::aleksandra.aleksandrova_clarasys.com#ext#@kainos.com::0d6db917-11a5-4974-bae2-adb89d5fb716" providerId="AD" clId="Web-{A862A16E-C36B-4ED5-2FEE-721903303164}" dt="2019-05-09T16:25:15.621" v="46" actId="1076"/>
-        <pc:sldMkLst>
-          <pc:docMk/>
-          <pc:sldMk cId="0" sldId="264"/>
-        </pc:sldMkLst>
-        <pc:spChg chg="mod">
-          <ac:chgData name="aleksandra.aleksandrova@clarasys.com" userId="S::aleksandra.aleksandrova_clarasys.com#ext#@kainos.com::0d6db917-11a5-4974-bae2-adb89d5fb716" providerId="AD" clId="Web-{A862A16E-C36B-4ED5-2FEE-721903303164}" dt="2019-05-09T16:24:57.574" v="43" actId="1076"/>
-          <ac:spMkLst>
-            <pc:docMk/>
-            <pc:sldMk cId="0" sldId="264"/>
-            <ac:spMk id="303" creationId="{00000000-0000-0000-0000-000000000000}"/>
-          </ac:spMkLst>
-        </pc:spChg>
-        <pc:spChg chg="mod">
-          <ac:chgData name="aleksandra.aleksandrova@clarasys.com" userId="S::aleksandra.aleksandrova_clarasys.com#ext#@kainos.com::0d6db917-11a5-4974-bae2-adb89d5fb716" providerId="AD" clId="Web-{A862A16E-C36B-4ED5-2FEE-721903303164}" dt="2019-05-09T16:25:15.621" v="46" actId="1076"/>
-          <ac:spMkLst>
-            <pc:docMk/>
-            <pc:sldMk cId="0" sldId="264"/>
-            <ac:spMk id="304" creationId="{00000000-0000-0000-0000-000000000000}"/>
-          </ac:spMkLst>
-        </pc:spChg>
-        <pc:spChg chg="mod">
-          <ac:chgData name="aleksandra.aleksandrova@clarasys.com" userId="S::aleksandra.aleksandrova_clarasys.com#ext#@kainos.com::0d6db917-11a5-4974-bae2-adb89d5fb716" providerId="AD" clId="Web-{A862A16E-C36B-4ED5-2FEE-721903303164}" dt="2019-05-09T16:25:02.449" v="44" actId="1076"/>
-          <ac:spMkLst>
-            <pc:docMk/>
-            <pc:sldMk cId="0" sldId="264"/>
-            <ac:spMk id="305" creationId="{00000000-0000-0000-0000-000000000000}"/>
-          </ac:spMkLst>
-        </pc:spChg>
-      </pc:sldChg>
-    </pc:docChg>
-  </pc:docChgLst>
-  <pc:docChgLst>
-    <pc:chgData name="aleksandra.aleksandrova@clarasys.com" userId="S::aleksandra.aleksandrova_clarasys.com#ext#@kainos.com::0d6db917-11a5-4974-bae2-adb89d5fb716" providerId="AD" clId="Web-{0DD99D3B-D129-0E38-B662-DBB09124EEC6}"/>
-    <pc:docChg chg="modSld">
-      <pc:chgData name="aleksandra.aleksandrova@clarasys.com" userId="S::aleksandra.aleksandrova_clarasys.com#ext#@kainos.com::0d6db917-11a5-4974-bae2-adb89d5fb716" providerId="AD" clId="Web-{0DD99D3B-D129-0E38-B662-DBB09124EEC6}" dt="2019-05-14T10:39:27.128" v="58"/>
-      <pc:docMkLst>
-        <pc:docMk/>
-      </pc:docMkLst>
-      <pc:sldChg chg="addSp modSp">
-        <pc:chgData name="aleksandra.aleksandrova@clarasys.com" userId="S::aleksandra.aleksandrova_clarasys.com#ext#@kainos.com::0d6db917-11a5-4974-bae2-adb89d5fb716" providerId="AD" clId="Web-{0DD99D3B-D129-0E38-B662-DBB09124EEC6}" dt="2019-05-14T10:39:18.003" v="56" actId="14100"/>
-        <pc:sldMkLst>
-          <pc:docMk/>
-          <pc:sldMk cId="0" sldId="262"/>
-        </pc:sldMkLst>
-        <pc:spChg chg="add mod">
-          <ac:chgData name="aleksandra.aleksandrova@clarasys.com" userId="S::aleksandra.aleksandrova_clarasys.com#ext#@kainos.com::0d6db917-11a5-4974-bae2-adb89d5fb716" providerId="AD" clId="Web-{0DD99D3B-D129-0E38-B662-DBB09124EEC6}" dt="2019-05-14T10:39:18.003" v="56" actId="14100"/>
-          <ac:spMkLst>
-            <pc:docMk/>
-            <pc:sldMk cId="0" sldId="262"/>
-            <ac:spMk id="36" creationId="{75D41B26-98A9-4140-B519-10C484083D54}"/>
-          </ac:spMkLst>
-        </pc:spChg>
-      </pc:sldChg>
-      <pc:sldChg chg="addSp">
-        <pc:chgData name="aleksandra.aleksandrova@clarasys.com" userId="S::aleksandra.aleksandrova_clarasys.com#ext#@kainos.com::0d6db917-11a5-4974-bae2-adb89d5fb716" providerId="AD" clId="Web-{0DD99D3B-D129-0E38-B662-DBB09124EEC6}" dt="2019-05-14T10:39:23.065" v="57"/>
-        <pc:sldMkLst>
-          <pc:docMk/>
-          <pc:sldMk cId="0" sldId="263"/>
-        </pc:sldMkLst>
-        <pc:spChg chg="add">
-          <ac:chgData name="aleksandra.aleksandrova@clarasys.com" userId="S::aleksandra.aleksandrova_clarasys.com#ext#@kainos.com::0d6db917-11a5-4974-bae2-adb89d5fb716" providerId="AD" clId="Web-{0DD99D3B-D129-0E38-B662-DBB09124EEC6}" dt="2019-05-14T10:39:23.065" v="57"/>
-          <ac:spMkLst>
-            <pc:docMk/>
-            <pc:sldMk cId="0" sldId="263"/>
-            <ac:spMk id="2" creationId="{67141C23-B5D6-4F76-98F4-266D1C04F0EF}"/>
-          </ac:spMkLst>
-        </pc:spChg>
-      </pc:sldChg>
-      <pc:sldChg chg="addSp">
-        <pc:chgData name="aleksandra.aleksandrova@clarasys.com" userId="S::aleksandra.aleksandrova_clarasys.com#ext#@kainos.com::0d6db917-11a5-4974-bae2-adb89d5fb716" providerId="AD" clId="Web-{0DD99D3B-D129-0E38-B662-DBB09124EEC6}" dt="2019-05-14T10:39:27.128" v="58"/>
-        <pc:sldMkLst>
-          <pc:docMk/>
-          <pc:sldMk cId="0" sldId="264"/>
-        </pc:sldMkLst>
-        <pc:spChg chg="add">
-          <ac:chgData name="aleksandra.aleksandrova@clarasys.com" userId="S::aleksandra.aleksandrova_clarasys.com#ext#@kainos.com::0d6db917-11a5-4974-bae2-adb89d5fb716" providerId="AD" clId="Web-{0DD99D3B-D129-0E38-B662-DBB09124EEC6}" dt="2019-05-14T10:39:27.128" v="58"/>
-          <ac:spMkLst>
-            <pc:docMk/>
-            <pc:sldMk cId="0" sldId="264"/>
-            <ac:spMk id="2" creationId="{9CCE9076-E071-4857-A473-2A62B5AA1E1A}"/>
-          </ac:spMkLst>
-        </pc:spChg>
-      </pc:sldChg>
-    </pc:docChg>
-  </pc:docChgLst>
-</pc:chgInfo>
 </file>
 
 <file path=ppt/notesMasters/notesMaster1.xml><?xml version="1.0" encoding="utf-8"?>
@@ -2005,855 +1653,6 @@
 </file>
 
 <file path=ppt/slideLayouts/slideLayout1.xml><?xml version="1.0" encoding="utf-8"?>
-<p:sldLayout xmlns:a="http://schemas.openxmlformats.org/drawingml/2006/main" xmlns:r="http://schemas.openxmlformats.org/officeDocument/2006/relationships" xmlns:p="http://schemas.openxmlformats.org/presentationml/2006/main" matchingName="Title slide" type="title">
-  <p:cSld name="TITLE">
-    <p:spTree>
-      <p:nvGrpSpPr>
-        <p:cNvPr id="1" name="Shape 9"/>
-        <p:cNvGrpSpPr/>
-        <p:nvPr/>
-      </p:nvGrpSpPr>
-      <p:grpSpPr>
-        <a:xfrm>
-          <a:off x="0" y="0"/>
-          <a:ext cx="0" cy="0"/>
-          <a:chOff x="0" y="0"/>
-          <a:chExt cx="0" cy="0"/>
-        </a:xfrm>
-      </p:grpSpPr>
-      <p:sp>
-        <p:nvSpPr>
-          <p:cNvPr id="10" name="Google Shape;10;p2"/>
-          <p:cNvSpPr txBox="1">
-            <a:spLocks noGrp="1"/>
-          </p:cNvSpPr>
-          <p:nvPr>
-            <p:ph type="ctrTitle"/>
-          </p:nvPr>
-        </p:nvSpPr>
-        <p:spPr>
-          <a:xfrm>
-            <a:off x="311708" y="744575"/>
-            <a:ext cx="8520600" cy="2052600"/>
-          </a:xfrm>
-          <a:prstGeom prst="rect">
-            <a:avLst/>
-          </a:prstGeom>
-        </p:spPr>
-        <p:txBody>
-          <a:bodyPr spcFirstLastPara="1" wrap="square" lIns="91425" tIns="91425" rIns="91425" bIns="91425" anchor="b" anchorCtr="0"/>
-          <a:lstStyle>
-            <a:lvl1pPr lvl="0" algn="ctr">
-              <a:spcBef>
-                <a:spcPts val="0"/>
-              </a:spcBef>
-              <a:spcAft>
-                <a:spcPts val="0"/>
-              </a:spcAft>
-              <a:buSzPts val="5200"/>
-              <a:buNone/>
-              <a:defRPr sz="5200"/>
-            </a:lvl1pPr>
-            <a:lvl2pPr lvl="1" algn="ctr">
-              <a:spcBef>
-                <a:spcPts val="0"/>
-              </a:spcBef>
-              <a:spcAft>
-                <a:spcPts val="0"/>
-              </a:spcAft>
-              <a:buSzPts val="5200"/>
-              <a:buNone/>
-              <a:defRPr sz="5200"/>
-            </a:lvl2pPr>
-            <a:lvl3pPr lvl="2" algn="ctr">
-              <a:spcBef>
-                <a:spcPts val="0"/>
-              </a:spcBef>
-              <a:spcAft>
-                <a:spcPts val="0"/>
-              </a:spcAft>
-              <a:buSzPts val="5200"/>
-              <a:buNone/>
-              <a:defRPr sz="5200"/>
-            </a:lvl3pPr>
-            <a:lvl4pPr lvl="3" algn="ctr">
-              <a:spcBef>
-                <a:spcPts val="0"/>
-              </a:spcBef>
-              <a:spcAft>
-                <a:spcPts val="0"/>
-              </a:spcAft>
-              <a:buSzPts val="5200"/>
-              <a:buNone/>
-              <a:defRPr sz="5200"/>
-            </a:lvl4pPr>
-            <a:lvl5pPr lvl="4" algn="ctr">
-              <a:spcBef>
-                <a:spcPts val="0"/>
-              </a:spcBef>
-              <a:spcAft>
-                <a:spcPts val="0"/>
-              </a:spcAft>
-              <a:buSzPts val="5200"/>
-              <a:buNone/>
-              <a:defRPr sz="5200"/>
-            </a:lvl5pPr>
-            <a:lvl6pPr lvl="5" algn="ctr">
-              <a:spcBef>
-                <a:spcPts val="0"/>
-              </a:spcBef>
-              <a:spcAft>
-                <a:spcPts val="0"/>
-              </a:spcAft>
-              <a:buSzPts val="5200"/>
-              <a:buNone/>
-              <a:defRPr sz="5200"/>
-            </a:lvl6pPr>
-            <a:lvl7pPr lvl="6" algn="ctr">
-              <a:spcBef>
-                <a:spcPts val="0"/>
-              </a:spcBef>
-              <a:spcAft>
-                <a:spcPts val="0"/>
-              </a:spcAft>
-              <a:buSzPts val="5200"/>
-              <a:buNone/>
-              <a:defRPr sz="5200"/>
-            </a:lvl7pPr>
-            <a:lvl8pPr lvl="7" algn="ctr">
-              <a:spcBef>
-                <a:spcPts val="0"/>
-              </a:spcBef>
-              <a:spcAft>
-                <a:spcPts val="0"/>
-              </a:spcAft>
-              <a:buSzPts val="5200"/>
-              <a:buNone/>
-              <a:defRPr sz="5200"/>
-            </a:lvl8pPr>
-            <a:lvl9pPr lvl="8" algn="ctr">
-              <a:spcBef>
-                <a:spcPts val="0"/>
-              </a:spcBef>
-              <a:spcAft>
-                <a:spcPts val="0"/>
-              </a:spcAft>
-              <a:buSzPts val="5200"/>
-              <a:buNone/>
-              <a:defRPr sz="5200"/>
-            </a:lvl9pPr>
-          </a:lstStyle>
-          <a:p>
-            <a:endParaRPr/>
-          </a:p>
-        </p:txBody>
-      </p:sp>
-      <p:sp>
-        <p:nvSpPr>
-          <p:cNvPr id="11" name="Google Shape;11;p2"/>
-          <p:cNvSpPr txBox="1">
-            <a:spLocks noGrp="1"/>
-          </p:cNvSpPr>
-          <p:nvPr>
-            <p:ph type="subTitle" idx="1"/>
-          </p:nvPr>
-        </p:nvSpPr>
-        <p:spPr>
-          <a:xfrm>
-            <a:off x="311700" y="2834125"/>
-            <a:ext cx="8520600" cy="792600"/>
-          </a:xfrm>
-          <a:prstGeom prst="rect">
-            <a:avLst/>
-          </a:prstGeom>
-        </p:spPr>
-        <p:txBody>
-          <a:bodyPr spcFirstLastPara="1" wrap="square" lIns="91425" tIns="91425" rIns="91425" bIns="91425" anchor="t" anchorCtr="0"/>
-          <a:lstStyle>
-            <a:lvl1pPr lvl="0" algn="ctr">
-              <a:lnSpc>
-                <a:spcPct val="100000"/>
-              </a:lnSpc>
-              <a:spcBef>
-                <a:spcPts val="0"/>
-              </a:spcBef>
-              <a:spcAft>
-                <a:spcPts val="0"/>
-              </a:spcAft>
-              <a:buSzPts val="2800"/>
-              <a:buNone/>
-              <a:defRPr sz="2800"/>
-            </a:lvl1pPr>
-            <a:lvl2pPr lvl="1" algn="ctr">
-              <a:lnSpc>
-                <a:spcPct val="100000"/>
-              </a:lnSpc>
-              <a:spcBef>
-                <a:spcPts val="0"/>
-              </a:spcBef>
-              <a:spcAft>
-                <a:spcPts val="0"/>
-              </a:spcAft>
-              <a:buSzPts val="2800"/>
-              <a:buNone/>
-              <a:defRPr sz="2800"/>
-            </a:lvl2pPr>
-            <a:lvl3pPr lvl="2" algn="ctr">
-              <a:lnSpc>
-                <a:spcPct val="100000"/>
-              </a:lnSpc>
-              <a:spcBef>
-                <a:spcPts val="0"/>
-              </a:spcBef>
-              <a:spcAft>
-                <a:spcPts val="0"/>
-              </a:spcAft>
-              <a:buSzPts val="2800"/>
-              <a:buNone/>
-              <a:defRPr sz="2800"/>
-            </a:lvl3pPr>
-            <a:lvl4pPr lvl="3" algn="ctr">
-              <a:lnSpc>
-                <a:spcPct val="100000"/>
-              </a:lnSpc>
-              <a:spcBef>
-                <a:spcPts val="0"/>
-              </a:spcBef>
-              <a:spcAft>
-                <a:spcPts val="0"/>
-              </a:spcAft>
-              <a:buSzPts val="2800"/>
-              <a:buNone/>
-              <a:defRPr sz="2800"/>
-            </a:lvl4pPr>
-            <a:lvl5pPr lvl="4" algn="ctr">
-              <a:lnSpc>
-                <a:spcPct val="100000"/>
-              </a:lnSpc>
-              <a:spcBef>
-                <a:spcPts val="0"/>
-              </a:spcBef>
-              <a:spcAft>
-                <a:spcPts val="0"/>
-              </a:spcAft>
-              <a:buSzPts val="2800"/>
-              <a:buNone/>
-              <a:defRPr sz="2800"/>
-            </a:lvl5pPr>
-            <a:lvl6pPr lvl="5" algn="ctr">
-              <a:lnSpc>
-                <a:spcPct val="100000"/>
-              </a:lnSpc>
-              <a:spcBef>
-                <a:spcPts val="0"/>
-              </a:spcBef>
-              <a:spcAft>
-                <a:spcPts val="0"/>
-              </a:spcAft>
-              <a:buSzPts val="2800"/>
-              <a:buNone/>
-              <a:defRPr sz="2800"/>
-            </a:lvl6pPr>
-            <a:lvl7pPr lvl="6" algn="ctr">
-              <a:lnSpc>
-                <a:spcPct val="100000"/>
-              </a:lnSpc>
-              <a:spcBef>
-                <a:spcPts val="0"/>
-              </a:spcBef>
-              <a:spcAft>
-                <a:spcPts val="0"/>
-              </a:spcAft>
-              <a:buSzPts val="2800"/>
-              <a:buNone/>
-              <a:defRPr sz="2800"/>
-            </a:lvl7pPr>
-            <a:lvl8pPr lvl="7" algn="ctr">
-              <a:lnSpc>
-                <a:spcPct val="100000"/>
-              </a:lnSpc>
-              <a:spcBef>
-                <a:spcPts val="0"/>
-              </a:spcBef>
-              <a:spcAft>
-                <a:spcPts val="0"/>
-              </a:spcAft>
-              <a:buSzPts val="2800"/>
-              <a:buNone/>
-              <a:defRPr sz="2800"/>
-            </a:lvl8pPr>
-            <a:lvl9pPr lvl="8" algn="ctr">
-              <a:lnSpc>
-                <a:spcPct val="100000"/>
-              </a:lnSpc>
-              <a:spcBef>
-                <a:spcPts val="0"/>
-              </a:spcBef>
-              <a:spcAft>
-                <a:spcPts val="0"/>
-              </a:spcAft>
-              <a:buSzPts val="2800"/>
-              <a:buNone/>
-              <a:defRPr sz="2800"/>
-            </a:lvl9pPr>
-          </a:lstStyle>
-          <a:p>
-            <a:endParaRPr/>
-          </a:p>
-        </p:txBody>
-      </p:sp>
-      <p:sp>
-        <p:nvSpPr>
-          <p:cNvPr id="12" name="Google Shape;12;p2"/>
-          <p:cNvSpPr txBox="1">
-            <a:spLocks noGrp="1"/>
-          </p:cNvSpPr>
-          <p:nvPr>
-            <p:ph type="sldNum" idx="12"/>
-          </p:nvPr>
-        </p:nvSpPr>
-        <p:spPr>
-          <a:xfrm>
-            <a:off x="8472458" y="4663217"/>
-            <a:ext cx="548700" cy="393600"/>
-          </a:xfrm>
-          <a:prstGeom prst="rect">
-            <a:avLst/>
-          </a:prstGeom>
-        </p:spPr>
-        <p:txBody>
-          <a:bodyPr spcFirstLastPara="1" wrap="square" lIns="91425" tIns="91425" rIns="91425" bIns="91425" anchor="ctr" anchorCtr="0">
-            <a:noAutofit/>
-          </a:bodyPr>
-          <a:lstStyle>
-            <a:lvl1pPr lvl="0">
-              <a:buNone/>
-              <a:defRPr/>
-            </a:lvl1pPr>
-            <a:lvl2pPr lvl="1">
-              <a:buNone/>
-              <a:defRPr/>
-            </a:lvl2pPr>
-            <a:lvl3pPr lvl="2">
-              <a:buNone/>
-              <a:defRPr/>
-            </a:lvl3pPr>
-            <a:lvl4pPr lvl="3">
-              <a:buNone/>
-              <a:defRPr/>
-            </a:lvl4pPr>
-            <a:lvl5pPr lvl="4">
-              <a:buNone/>
-              <a:defRPr/>
-            </a:lvl5pPr>
-            <a:lvl6pPr lvl="5">
-              <a:buNone/>
-              <a:defRPr/>
-            </a:lvl6pPr>
-            <a:lvl7pPr lvl="6">
-              <a:buNone/>
-              <a:defRPr/>
-            </a:lvl7pPr>
-            <a:lvl8pPr lvl="7">
-              <a:buNone/>
-              <a:defRPr/>
-            </a:lvl8pPr>
-            <a:lvl9pPr lvl="8">
-              <a:buNone/>
-              <a:defRPr/>
-            </a:lvl9pPr>
-          </a:lstStyle>
-          <a:p>
-            <a:pPr marL="0" lvl="0" indent="0" algn="r" rtl="0">
-              <a:spcBef>
-                <a:spcPts val="0"/>
-              </a:spcBef>
-              <a:spcAft>
-                <a:spcPts val="0"/>
-              </a:spcAft>
-              <a:buNone/>
-            </a:pPr>
-            <a:fld id="{00000000-1234-1234-1234-123412341234}" type="slidenum">
-              <a:rPr lang="en-GB"/>
-              <a:t>‹#›</a:t>
-            </a:fld>
-            <a:endParaRPr/>
-          </a:p>
-        </p:txBody>
-      </p:sp>
-    </p:spTree>
-  </p:cSld>
-  <p:clrMapOvr>
-    <a:masterClrMapping/>
-  </p:clrMapOvr>
-</p:sldLayout>
-</file>
-
-<file path=ppt/slideLayouts/slideLayout10.xml><?xml version="1.0" encoding="utf-8"?>
-<p:sldLayout xmlns:a="http://schemas.openxmlformats.org/drawingml/2006/main" xmlns:r="http://schemas.openxmlformats.org/officeDocument/2006/relationships" xmlns:p="http://schemas.openxmlformats.org/presentationml/2006/main" matchingName="Big number">
-  <p:cSld name="BIG_NUMBER">
-    <p:spTree>
-      <p:nvGrpSpPr>
-        <p:cNvPr id="1" name="Shape 44"/>
-        <p:cNvGrpSpPr/>
-        <p:nvPr/>
-      </p:nvGrpSpPr>
-      <p:grpSpPr>
-        <a:xfrm>
-          <a:off x="0" y="0"/>
-          <a:ext cx="0" cy="0"/>
-          <a:chOff x="0" y="0"/>
-          <a:chExt cx="0" cy="0"/>
-        </a:xfrm>
-      </p:grpSpPr>
-      <p:sp>
-        <p:nvSpPr>
-          <p:cNvPr id="45" name="Google Shape;45;p11"/>
-          <p:cNvSpPr txBox="1">
-            <a:spLocks noGrp="1"/>
-          </p:cNvSpPr>
-          <p:nvPr>
-            <p:ph type="title" hasCustomPrompt="1"/>
-          </p:nvPr>
-        </p:nvSpPr>
-        <p:spPr>
-          <a:xfrm>
-            <a:off x="311700" y="1106125"/>
-            <a:ext cx="8520600" cy="1963500"/>
-          </a:xfrm>
-          <a:prstGeom prst="rect">
-            <a:avLst/>
-          </a:prstGeom>
-        </p:spPr>
-        <p:txBody>
-          <a:bodyPr spcFirstLastPara="1" wrap="square" lIns="91425" tIns="91425" rIns="91425" bIns="91425" anchor="b" anchorCtr="0"/>
-          <a:lstStyle>
-            <a:lvl1pPr lvl="0" algn="ctr">
-              <a:spcBef>
-                <a:spcPts val="0"/>
-              </a:spcBef>
-              <a:spcAft>
-                <a:spcPts val="0"/>
-              </a:spcAft>
-              <a:buSzPts val="12000"/>
-              <a:buNone/>
-              <a:defRPr sz="12000"/>
-            </a:lvl1pPr>
-            <a:lvl2pPr lvl="1" algn="ctr">
-              <a:spcBef>
-                <a:spcPts val="0"/>
-              </a:spcBef>
-              <a:spcAft>
-                <a:spcPts val="0"/>
-              </a:spcAft>
-              <a:buSzPts val="12000"/>
-              <a:buNone/>
-              <a:defRPr sz="12000"/>
-            </a:lvl2pPr>
-            <a:lvl3pPr lvl="2" algn="ctr">
-              <a:spcBef>
-                <a:spcPts val="0"/>
-              </a:spcBef>
-              <a:spcAft>
-                <a:spcPts val="0"/>
-              </a:spcAft>
-              <a:buSzPts val="12000"/>
-              <a:buNone/>
-              <a:defRPr sz="12000"/>
-            </a:lvl3pPr>
-            <a:lvl4pPr lvl="3" algn="ctr">
-              <a:spcBef>
-                <a:spcPts val="0"/>
-              </a:spcBef>
-              <a:spcAft>
-                <a:spcPts val="0"/>
-              </a:spcAft>
-              <a:buSzPts val="12000"/>
-              <a:buNone/>
-              <a:defRPr sz="12000"/>
-            </a:lvl4pPr>
-            <a:lvl5pPr lvl="4" algn="ctr">
-              <a:spcBef>
-                <a:spcPts val="0"/>
-              </a:spcBef>
-              <a:spcAft>
-                <a:spcPts val="0"/>
-              </a:spcAft>
-              <a:buSzPts val="12000"/>
-              <a:buNone/>
-              <a:defRPr sz="12000"/>
-            </a:lvl5pPr>
-            <a:lvl6pPr lvl="5" algn="ctr">
-              <a:spcBef>
-                <a:spcPts val="0"/>
-              </a:spcBef>
-              <a:spcAft>
-                <a:spcPts val="0"/>
-              </a:spcAft>
-              <a:buSzPts val="12000"/>
-              <a:buNone/>
-              <a:defRPr sz="12000"/>
-            </a:lvl6pPr>
-            <a:lvl7pPr lvl="6" algn="ctr">
-              <a:spcBef>
-                <a:spcPts val="0"/>
-              </a:spcBef>
-              <a:spcAft>
-                <a:spcPts val="0"/>
-              </a:spcAft>
-              <a:buSzPts val="12000"/>
-              <a:buNone/>
-              <a:defRPr sz="12000"/>
-            </a:lvl7pPr>
-            <a:lvl8pPr lvl="7" algn="ctr">
-              <a:spcBef>
-                <a:spcPts val="0"/>
-              </a:spcBef>
-              <a:spcAft>
-                <a:spcPts val="0"/>
-              </a:spcAft>
-              <a:buSzPts val="12000"/>
-              <a:buNone/>
-              <a:defRPr sz="12000"/>
-            </a:lvl8pPr>
-            <a:lvl9pPr lvl="8" algn="ctr">
-              <a:spcBef>
-                <a:spcPts val="0"/>
-              </a:spcBef>
-              <a:spcAft>
-                <a:spcPts val="0"/>
-              </a:spcAft>
-              <a:buSzPts val="12000"/>
-              <a:buNone/>
-              <a:defRPr sz="12000"/>
-            </a:lvl9pPr>
-          </a:lstStyle>
-          <a:p>
-            <a:r>
-              <a:t>xx%</a:t>
-            </a:r>
-          </a:p>
-        </p:txBody>
-      </p:sp>
-      <p:sp>
-        <p:nvSpPr>
-          <p:cNvPr id="46" name="Google Shape;46;p11"/>
-          <p:cNvSpPr txBox="1">
-            <a:spLocks noGrp="1"/>
-          </p:cNvSpPr>
-          <p:nvPr>
-            <p:ph type="body" idx="1"/>
-          </p:nvPr>
-        </p:nvSpPr>
-        <p:spPr>
-          <a:xfrm>
-            <a:off x="311700" y="3152225"/>
-            <a:ext cx="8520600" cy="1300800"/>
-          </a:xfrm>
-          <a:prstGeom prst="rect">
-            <a:avLst/>
-          </a:prstGeom>
-        </p:spPr>
-        <p:txBody>
-          <a:bodyPr spcFirstLastPara="1" wrap="square" lIns="91425" tIns="91425" rIns="91425" bIns="91425" anchor="t" anchorCtr="0"/>
-          <a:lstStyle>
-            <a:lvl1pPr marL="457200" lvl="0" indent="-342900" algn="ctr">
-              <a:spcBef>
-                <a:spcPts val="0"/>
-              </a:spcBef>
-              <a:spcAft>
-                <a:spcPts val="0"/>
-              </a:spcAft>
-              <a:buSzPts val="1800"/>
-              <a:buChar char="●"/>
-              <a:defRPr/>
-            </a:lvl1pPr>
-            <a:lvl2pPr marL="914400" lvl="1" indent="-317500" algn="ctr">
-              <a:spcBef>
-                <a:spcPts val="1600"/>
-              </a:spcBef>
-              <a:spcAft>
-                <a:spcPts val="0"/>
-              </a:spcAft>
-              <a:buSzPts val="1400"/>
-              <a:buChar char="○"/>
-              <a:defRPr/>
-            </a:lvl2pPr>
-            <a:lvl3pPr marL="1371600" lvl="2" indent="-317500" algn="ctr">
-              <a:spcBef>
-                <a:spcPts val="1600"/>
-              </a:spcBef>
-              <a:spcAft>
-                <a:spcPts val="0"/>
-              </a:spcAft>
-              <a:buSzPts val="1400"/>
-              <a:buChar char="■"/>
-              <a:defRPr/>
-            </a:lvl3pPr>
-            <a:lvl4pPr marL="1828800" lvl="3" indent="-317500" algn="ctr">
-              <a:spcBef>
-                <a:spcPts val="1600"/>
-              </a:spcBef>
-              <a:spcAft>
-                <a:spcPts val="0"/>
-              </a:spcAft>
-              <a:buSzPts val="1400"/>
-              <a:buChar char="●"/>
-              <a:defRPr/>
-            </a:lvl4pPr>
-            <a:lvl5pPr marL="2286000" lvl="4" indent="-317500" algn="ctr">
-              <a:spcBef>
-                <a:spcPts val="1600"/>
-              </a:spcBef>
-              <a:spcAft>
-                <a:spcPts val="0"/>
-              </a:spcAft>
-              <a:buSzPts val="1400"/>
-              <a:buChar char="○"/>
-              <a:defRPr/>
-            </a:lvl5pPr>
-            <a:lvl6pPr marL="2743200" lvl="5" indent="-317500" algn="ctr">
-              <a:spcBef>
-                <a:spcPts val="1600"/>
-              </a:spcBef>
-              <a:spcAft>
-                <a:spcPts val="0"/>
-              </a:spcAft>
-              <a:buSzPts val="1400"/>
-              <a:buChar char="■"/>
-              <a:defRPr/>
-            </a:lvl6pPr>
-            <a:lvl7pPr marL="3200400" lvl="6" indent="-317500" algn="ctr">
-              <a:spcBef>
-                <a:spcPts val="1600"/>
-              </a:spcBef>
-              <a:spcAft>
-                <a:spcPts val="0"/>
-              </a:spcAft>
-              <a:buSzPts val="1400"/>
-              <a:buChar char="●"/>
-              <a:defRPr/>
-            </a:lvl7pPr>
-            <a:lvl8pPr marL="3657600" lvl="7" indent="-317500" algn="ctr">
-              <a:spcBef>
-                <a:spcPts val="1600"/>
-              </a:spcBef>
-              <a:spcAft>
-                <a:spcPts val="0"/>
-              </a:spcAft>
-              <a:buSzPts val="1400"/>
-              <a:buChar char="○"/>
-              <a:defRPr/>
-            </a:lvl8pPr>
-            <a:lvl9pPr marL="4114800" lvl="8" indent="-317500" algn="ctr">
-              <a:spcBef>
-                <a:spcPts val="1600"/>
-              </a:spcBef>
-              <a:spcAft>
-                <a:spcPts val="1600"/>
-              </a:spcAft>
-              <a:buSzPts val="1400"/>
-              <a:buChar char="■"/>
-              <a:defRPr/>
-            </a:lvl9pPr>
-          </a:lstStyle>
-          <a:p>
-            <a:endParaRPr/>
-          </a:p>
-        </p:txBody>
-      </p:sp>
-      <p:sp>
-        <p:nvSpPr>
-          <p:cNvPr id="47" name="Google Shape;47;p11"/>
-          <p:cNvSpPr txBox="1">
-            <a:spLocks noGrp="1"/>
-          </p:cNvSpPr>
-          <p:nvPr>
-            <p:ph type="sldNum" idx="12"/>
-          </p:nvPr>
-        </p:nvSpPr>
-        <p:spPr>
-          <a:xfrm>
-            <a:off x="8472458" y="4663217"/>
-            <a:ext cx="548700" cy="393600"/>
-          </a:xfrm>
-          <a:prstGeom prst="rect">
-            <a:avLst/>
-          </a:prstGeom>
-        </p:spPr>
-        <p:txBody>
-          <a:bodyPr spcFirstLastPara="1" wrap="square" lIns="91425" tIns="91425" rIns="91425" bIns="91425" anchor="ctr" anchorCtr="0">
-            <a:noAutofit/>
-          </a:bodyPr>
-          <a:lstStyle>
-            <a:lvl1pPr lvl="0">
-              <a:buNone/>
-              <a:defRPr/>
-            </a:lvl1pPr>
-            <a:lvl2pPr lvl="1">
-              <a:buNone/>
-              <a:defRPr/>
-            </a:lvl2pPr>
-            <a:lvl3pPr lvl="2">
-              <a:buNone/>
-              <a:defRPr/>
-            </a:lvl3pPr>
-            <a:lvl4pPr lvl="3">
-              <a:buNone/>
-              <a:defRPr/>
-            </a:lvl4pPr>
-            <a:lvl5pPr lvl="4">
-              <a:buNone/>
-              <a:defRPr/>
-            </a:lvl5pPr>
-            <a:lvl6pPr lvl="5">
-              <a:buNone/>
-              <a:defRPr/>
-            </a:lvl6pPr>
-            <a:lvl7pPr lvl="6">
-              <a:buNone/>
-              <a:defRPr/>
-            </a:lvl7pPr>
-            <a:lvl8pPr lvl="7">
-              <a:buNone/>
-              <a:defRPr/>
-            </a:lvl8pPr>
-            <a:lvl9pPr lvl="8">
-              <a:buNone/>
-              <a:defRPr/>
-            </a:lvl9pPr>
-          </a:lstStyle>
-          <a:p>
-            <a:pPr marL="0" lvl="0" indent="0" algn="r" rtl="0">
-              <a:spcBef>
-                <a:spcPts val="0"/>
-              </a:spcBef>
-              <a:spcAft>
-                <a:spcPts val="0"/>
-              </a:spcAft>
-              <a:buNone/>
-            </a:pPr>
-            <a:fld id="{00000000-1234-1234-1234-123412341234}" type="slidenum">
-              <a:rPr lang="en-GB"/>
-              <a:t>‹#›</a:t>
-            </a:fld>
-            <a:endParaRPr/>
-          </a:p>
-        </p:txBody>
-      </p:sp>
-    </p:spTree>
-  </p:cSld>
-  <p:clrMapOvr>
-    <a:masterClrMapping/>
-  </p:clrMapOvr>
-</p:sldLayout>
-</file>
-
-<file path=ppt/slideLayouts/slideLayout11.xml><?xml version="1.0" encoding="utf-8"?>
-<p:sldLayout xmlns:a="http://schemas.openxmlformats.org/drawingml/2006/main" xmlns:r="http://schemas.openxmlformats.org/officeDocument/2006/relationships" xmlns:p="http://schemas.openxmlformats.org/presentationml/2006/main" matchingName="Blank" type="blank">
-  <p:cSld name="BLANK">
-    <p:spTree>
-      <p:nvGrpSpPr>
-        <p:cNvPr id="1" name="Shape 48"/>
-        <p:cNvGrpSpPr/>
-        <p:nvPr/>
-      </p:nvGrpSpPr>
-      <p:grpSpPr>
-        <a:xfrm>
-          <a:off x="0" y="0"/>
-          <a:ext cx="0" cy="0"/>
-          <a:chOff x="0" y="0"/>
-          <a:chExt cx="0" cy="0"/>
-        </a:xfrm>
-      </p:grpSpPr>
-      <p:sp>
-        <p:nvSpPr>
-          <p:cNvPr id="49" name="Google Shape;49;p12"/>
-          <p:cNvSpPr txBox="1">
-            <a:spLocks noGrp="1"/>
-          </p:cNvSpPr>
-          <p:nvPr>
-            <p:ph type="sldNum" idx="12"/>
-          </p:nvPr>
-        </p:nvSpPr>
-        <p:spPr>
-          <a:xfrm>
-            <a:off x="8472458" y="4663217"/>
-            <a:ext cx="548700" cy="393600"/>
-          </a:xfrm>
-          <a:prstGeom prst="rect">
-            <a:avLst/>
-          </a:prstGeom>
-        </p:spPr>
-        <p:txBody>
-          <a:bodyPr spcFirstLastPara="1" wrap="square" lIns="91425" tIns="91425" rIns="91425" bIns="91425" anchor="ctr" anchorCtr="0">
-            <a:noAutofit/>
-          </a:bodyPr>
-          <a:lstStyle>
-            <a:lvl1pPr lvl="0">
-              <a:buNone/>
-              <a:defRPr/>
-            </a:lvl1pPr>
-            <a:lvl2pPr lvl="1">
-              <a:buNone/>
-              <a:defRPr/>
-            </a:lvl2pPr>
-            <a:lvl3pPr lvl="2">
-              <a:buNone/>
-              <a:defRPr/>
-            </a:lvl3pPr>
-            <a:lvl4pPr lvl="3">
-              <a:buNone/>
-              <a:defRPr/>
-            </a:lvl4pPr>
-            <a:lvl5pPr lvl="4">
-              <a:buNone/>
-              <a:defRPr/>
-            </a:lvl5pPr>
-            <a:lvl6pPr lvl="5">
-              <a:buNone/>
-              <a:defRPr/>
-            </a:lvl6pPr>
-            <a:lvl7pPr lvl="6">
-              <a:buNone/>
-              <a:defRPr/>
-            </a:lvl7pPr>
-            <a:lvl8pPr lvl="7">
-              <a:buNone/>
-              <a:defRPr/>
-            </a:lvl8pPr>
-            <a:lvl9pPr lvl="8">
-              <a:buNone/>
-              <a:defRPr/>
-            </a:lvl9pPr>
-          </a:lstStyle>
-          <a:p>
-            <a:pPr marL="0" lvl="0" indent="0" algn="r" rtl="0">
-              <a:spcBef>
-                <a:spcPts val="0"/>
-              </a:spcBef>
-              <a:spcAft>
-                <a:spcPts val="0"/>
-              </a:spcAft>
-              <a:buNone/>
-            </a:pPr>
-            <a:fld id="{00000000-1234-1234-1234-123412341234}" type="slidenum">
-              <a:rPr lang="en-GB"/>
-              <a:t>‹#›</a:t>
-            </a:fld>
-            <a:endParaRPr/>
-          </a:p>
-        </p:txBody>
-      </p:sp>
-    </p:spTree>
-  </p:cSld>
-  <p:clrMapOvr>
-    <a:masterClrMapping/>
-  </p:clrMapOvr>
-</p:sldLayout>
-</file>
-
-<file path=ppt/slideLayouts/slideLayout12.xml><?xml version="1.0" encoding="utf-8"?>
 <p:sldLayout xmlns:a="http://schemas.openxmlformats.org/drawingml/2006/main" xmlns:r="http://schemas.openxmlformats.org/officeDocument/2006/relationships" xmlns:p="http://schemas.openxmlformats.org/presentationml/2006/main" matchingName="Title and Content" type="obj">
   <p:cSld name="OBJECT">
     <p:spTree>
@@ -3410,7 +2209,7 @@
 </p:sldLayout>
 </file>
 
-<file path=ppt/slideLayouts/slideLayout13.xml><?xml version="1.0" encoding="utf-8"?>
+<file path=ppt/slideLayouts/slideLayout2.xml><?xml version="1.0" encoding="utf-8"?>
 <p:sldLayout xmlns:a="http://schemas.openxmlformats.org/drawingml/2006/main" xmlns:r="http://schemas.openxmlformats.org/officeDocument/2006/relationships" xmlns:p="http://schemas.openxmlformats.org/presentationml/2006/main" matchingName="Title and Content" type="obj">
   <p:cSld name="OBJECT">
     <p:spTree>
@@ -3967,7 +2766,7 @@
 </p:sldLayout>
 </file>
 
-<file path=ppt/slideLayouts/slideLayout14.xml><?xml version="1.0" encoding="utf-8"?>
+<file path=ppt/slideLayouts/slideLayout3.xml><?xml version="1.0" encoding="utf-8"?>
 <p:sldLayout xmlns:a="http://schemas.openxmlformats.org/drawingml/2006/main" xmlns:r="http://schemas.openxmlformats.org/officeDocument/2006/relationships" xmlns:p="http://schemas.openxmlformats.org/presentationml/2006/main" matchingName="Custom Layout">
   <p:cSld name="Custom Layout">
     <p:spTree>
@@ -3992,7 +2791,7 @@
 </p:sldLayout>
 </file>
 
-<file path=ppt/slideLayouts/slideLayout15.xml><?xml version="1.0" encoding="utf-8"?>
+<file path=ppt/slideLayouts/slideLayout4.xml><?xml version="1.0" encoding="utf-8"?>
 <p:sldLayout xmlns:a="http://schemas.openxmlformats.org/drawingml/2006/main" xmlns:r="http://schemas.openxmlformats.org/officeDocument/2006/relationships" xmlns:p="http://schemas.openxmlformats.org/presentationml/2006/main" matchingName="Divider" type="title">
   <p:cSld name="TITLE">
     <p:spTree>
@@ -4909,3867 +3708,7 @@
 </p:sldLayout>
 </file>
 
-<file path=ppt/slideLayouts/slideLayout2.xml><?xml version="1.0" encoding="utf-8"?>
-<p:sldLayout xmlns:a="http://schemas.openxmlformats.org/drawingml/2006/main" xmlns:r="http://schemas.openxmlformats.org/officeDocument/2006/relationships" xmlns:p="http://schemas.openxmlformats.org/presentationml/2006/main" matchingName="Section header" type="secHead">
-  <p:cSld name="SECTION_HEADER">
-    <p:spTree>
-      <p:nvGrpSpPr>
-        <p:cNvPr id="1" name="Shape 13"/>
-        <p:cNvGrpSpPr/>
-        <p:nvPr/>
-      </p:nvGrpSpPr>
-      <p:grpSpPr>
-        <a:xfrm>
-          <a:off x="0" y="0"/>
-          <a:ext cx="0" cy="0"/>
-          <a:chOff x="0" y="0"/>
-          <a:chExt cx="0" cy="0"/>
-        </a:xfrm>
-      </p:grpSpPr>
-      <p:sp>
-        <p:nvSpPr>
-          <p:cNvPr id="14" name="Google Shape;14;p3"/>
-          <p:cNvSpPr txBox="1">
-            <a:spLocks noGrp="1"/>
-          </p:cNvSpPr>
-          <p:nvPr>
-            <p:ph type="title"/>
-          </p:nvPr>
-        </p:nvSpPr>
-        <p:spPr>
-          <a:xfrm>
-            <a:off x="311700" y="2150850"/>
-            <a:ext cx="8520600" cy="841800"/>
-          </a:xfrm>
-          <a:prstGeom prst="rect">
-            <a:avLst/>
-          </a:prstGeom>
-        </p:spPr>
-        <p:txBody>
-          <a:bodyPr spcFirstLastPara="1" wrap="square" lIns="91425" tIns="91425" rIns="91425" bIns="91425" anchor="ctr" anchorCtr="0"/>
-          <a:lstStyle>
-            <a:lvl1pPr lvl="0" algn="ctr">
-              <a:spcBef>
-                <a:spcPts val="0"/>
-              </a:spcBef>
-              <a:spcAft>
-                <a:spcPts val="0"/>
-              </a:spcAft>
-              <a:buSzPts val="3600"/>
-              <a:buNone/>
-              <a:defRPr sz="3600"/>
-            </a:lvl1pPr>
-            <a:lvl2pPr lvl="1" algn="ctr">
-              <a:spcBef>
-                <a:spcPts val="0"/>
-              </a:spcBef>
-              <a:spcAft>
-                <a:spcPts val="0"/>
-              </a:spcAft>
-              <a:buSzPts val="3600"/>
-              <a:buNone/>
-              <a:defRPr sz="3600"/>
-            </a:lvl2pPr>
-            <a:lvl3pPr lvl="2" algn="ctr">
-              <a:spcBef>
-                <a:spcPts val="0"/>
-              </a:spcBef>
-              <a:spcAft>
-                <a:spcPts val="0"/>
-              </a:spcAft>
-              <a:buSzPts val="3600"/>
-              <a:buNone/>
-              <a:defRPr sz="3600"/>
-            </a:lvl3pPr>
-            <a:lvl4pPr lvl="3" algn="ctr">
-              <a:spcBef>
-                <a:spcPts val="0"/>
-              </a:spcBef>
-              <a:spcAft>
-                <a:spcPts val="0"/>
-              </a:spcAft>
-              <a:buSzPts val="3600"/>
-              <a:buNone/>
-              <a:defRPr sz="3600"/>
-            </a:lvl4pPr>
-            <a:lvl5pPr lvl="4" algn="ctr">
-              <a:spcBef>
-                <a:spcPts val="0"/>
-              </a:spcBef>
-              <a:spcAft>
-                <a:spcPts val="0"/>
-              </a:spcAft>
-              <a:buSzPts val="3600"/>
-              <a:buNone/>
-              <a:defRPr sz="3600"/>
-            </a:lvl5pPr>
-            <a:lvl6pPr lvl="5" algn="ctr">
-              <a:spcBef>
-                <a:spcPts val="0"/>
-              </a:spcBef>
-              <a:spcAft>
-                <a:spcPts val="0"/>
-              </a:spcAft>
-              <a:buSzPts val="3600"/>
-              <a:buNone/>
-              <a:defRPr sz="3600"/>
-            </a:lvl6pPr>
-            <a:lvl7pPr lvl="6" algn="ctr">
-              <a:spcBef>
-                <a:spcPts val="0"/>
-              </a:spcBef>
-              <a:spcAft>
-                <a:spcPts val="0"/>
-              </a:spcAft>
-              <a:buSzPts val="3600"/>
-              <a:buNone/>
-              <a:defRPr sz="3600"/>
-            </a:lvl7pPr>
-            <a:lvl8pPr lvl="7" algn="ctr">
-              <a:spcBef>
-                <a:spcPts val="0"/>
-              </a:spcBef>
-              <a:spcAft>
-                <a:spcPts val="0"/>
-              </a:spcAft>
-              <a:buSzPts val="3600"/>
-              <a:buNone/>
-              <a:defRPr sz="3600"/>
-            </a:lvl8pPr>
-            <a:lvl9pPr lvl="8" algn="ctr">
-              <a:spcBef>
-                <a:spcPts val="0"/>
-              </a:spcBef>
-              <a:spcAft>
-                <a:spcPts val="0"/>
-              </a:spcAft>
-              <a:buSzPts val="3600"/>
-              <a:buNone/>
-              <a:defRPr sz="3600"/>
-            </a:lvl9pPr>
-          </a:lstStyle>
-          <a:p>
-            <a:endParaRPr/>
-          </a:p>
-        </p:txBody>
-      </p:sp>
-      <p:sp>
-        <p:nvSpPr>
-          <p:cNvPr id="15" name="Google Shape;15;p3"/>
-          <p:cNvSpPr txBox="1">
-            <a:spLocks noGrp="1"/>
-          </p:cNvSpPr>
-          <p:nvPr>
-            <p:ph type="sldNum" idx="12"/>
-          </p:nvPr>
-        </p:nvSpPr>
-        <p:spPr>
-          <a:xfrm>
-            <a:off x="8472458" y="4663217"/>
-            <a:ext cx="548700" cy="393600"/>
-          </a:xfrm>
-          <a:prstGeom prst="rect">
-            <a:avLst/>
-          </a:prstGeom>
-        </p:spPr>
-        <p:txBody>
-          <a:bodyPr spcFirstLastPara="1" wrap="square" lIns="91425" tIns="91425" rIns="91425" bIns="91425" anchor="ctr" anchorCtr="0">
-            <a:noAutofit/>
-          </a:bodyPr>
-          <a:lstStyle>
-            <a:lvl1pPr lvl="0">
-              <a:buNone/>
-              <a:defRPr/>
-            </a:lvl1pPr>
-            <a:lvl2pPr lvl="1">
-              <a:buNone/>
-              <a:defRPr/>
-            </a:lvl2pPr>
-            <a:lvl3pPr lvl="2">
-              <a:buNone/>
-              <a:defRPr/>
-            </a:lvl3pPr>
-            <a:lvl4pPr lvl="3">
-              <a:buNone/>
-              <a:defRPr/>
-            </a:lvl4pPr>
-            <a:lvl5pPr lvl="4">
-              <a:buNone/>
-              <a:defRPr/>
-            </a:lvl5pPr>
-            <a:lvl6pPr lvl="5">
-              <a:buNone/>
-              <a:defRPr/>
-            </a:lvl6pPr>
-            <a:lvl7pPr lvl="6">
-              <a:buNone/>
-              <a:defRPr/>
-            </a:lvl7pPr>
-            <a:lvl8pPr lvl="7">
-              <a:buNone/>
-              <a:defRPr/>
-            </a:lvl8pPr>
-            <a:lvl9pPr lvl="8">
-              <a:buNone/>
-              <a:defRPr/>
-            </a:lvl9pPr>
-          </a:lstStyle>
-          <a:p>
-            <a:pPr marL="0" lvl="0" indent="0" algn="r" rtl="0">
-              <a:spcBef>
-                <a:spcPts val="0"/>
-              </a:spcBef>
-              <a:spcAft>
-                <a:spcPts val="0"/>
-              </a:spcAft>
-              <a:buNone/>
-            </a:pPr>
-            <a:fld id="{00000000-1234-1234-1234-123412341234}" type="slidenum">
-              <a:rPr lang="en-GB"/>
-              <a:t>‹#›</a:t>
-            </a:fld>
-            <a:endParaRPr/>
-          </a:p>
-        </p:txBody>
-      </p:sp>
-    </p:spTree>
-  </p:cSld>
-  <p:clrMapOvr>
-    <a:masterClrMapping/>
-  </p:clrMapOvr>
-</p:sldLayout>
-</file>
-
-<file path=ppt/slideLayouts/slideLayout3.xml><?xml version="1.0" encoding="utf-8"?>
-<p:sldLayout xmlns:a="http://schemas.openxmlformats.org/drawingml/2006/main" xmlns:r="http://schemas.openxmlformats.org/officeDocument/2006/relationships" xmlns:p="http://schemas.openxmlformats.org/presentationml/2006/main" matchingName="Title and body" type="tx">
-  <p:cSld name="TITLE_AND_BODY">
-    <p:spTree>
-      <p:nvGrpSpPr>
-        <p:cNvPr id="1" name="Shape 16"/>
-        <p:cNvGrpSpPr/>
-        <p:nvPr/>
-      </p:nvGrpSpPr>
-      <p:grpSpPr>
-        <a:xfrm>
-          <a:off x="0" y="0"/>
-          <a:ext cx="0" cy="0"/>
-          <a:chOff x="0" y="0"/>
-          <a:chExt cx="0" cy="0"/>
-        </a:xfrm>
-      </p:grpSpPr>
-      <p:sp>
-        <p:nvSpPr>
-          <p:cNvPr id="17" name="Google Shape;17;p4"/>
-          <p:cNvSpPr txBox="1">
-            <a:spLocks noGrp="1"/>
-          </p:cNvSpPr>
-          <p:nvPr>
-            <p:ph type="title"/>
-          </p:nvPr>
-        </p:nvSpPr>
-        <p:spPr>
-          <a:xfrm>
-            <a:off x="311700" y="445025"/>
-            <a:ext cx="8520600" cy="572700"/>
-          </a:xfrm>
-          <a:prstGeom prst="rect">
-            <a:avLst/>
-          </a:prstGeom>
-        </p:spPr>
-        <p:txBody>
-          <a:bodyPr spcFirstLastPara="1" wrap="square" lIns="91425" tIns="91425" rIns="91425" bIns="91425" anchor="t" anchorCtr="0"/>
-          <a:lstStyle>
-            <a:lvl1pPr lvl="0">
-              <a:spcBef>
-                <a:spcPts val="0"/>
-              </a:spcBef>
-              <a:spcAft>
-                <a:spcPts val="0"/>
-              </a:spcAft>
-              <a:buSzPts val="2800"/>
-              <a:buNone/>
-              <a:defRPr/>
-            </a:lvl1pPr>
-            <a:lvl2pPr lvl="1">
-              <a:spcBef>
-                <a:spcPts val="0"/>
-              </a:spcBef>
-              <a:spcAft>
-                <a:spcPts val="0"/>
-              </a:spcAft>
-              <a:buSzPts val="2800"/>
-              <a:buNone/>
-              <a:defRPr/>
-            </a:lvl2pPr>
-            <a:lvl3pPr lvl="2">
-              <a:spcBef>
-                <a:spcPts val="0"/>
-              </a:spcBef>
-              <a:spcAft>
-                <a:spcPts val="0"/>
-              </a:spcAft>
-              <a:buSzPts val="2800"/>
-              <a:buNone/>
-              <a:defRPr/>
-            </a:lvl3pPr>
-            <a:lvl4pPr lvl="3">
-              <a:spcBef>
-                <a:spcPts val="0"/>
-              </a:spcBef>
-              <a:spcAft>
-                <a:spcPts val="0"/>
-              </a:spcAft>
-              <a:buSzPts val="2800"/>
-              <a:buNone/>
-              <a:defRPr/>
-            </a:lvl4pPr>
-            <a:lvl5pPr lvl="4">
-              <a:spcBef>
-                <a:spcPts val="0"/>
-              </a:spcBef>
-              <a:spcAft>
-                <a:spcPts val="0"/>
-              </a:spcAft>
-              <a:buSzPts val="2800"/>
-              <a:buNone/>
-              <a:defRPr/>
-            </a:lvl5pPr>
-            <a:lvl6pPr lvl="5">
-              <a:spcBef>
-                <a:spcPts val="0"/>
-              </a:spcBef>
-              <a:spcAft>
-                <a:spcPts val="0"/>
-              </a:spcAft>
-              <a:buSzPts val="2800"/>
-              <a:buNone/>
-              <a:defRPr/>
-            </a:lvl6pPr>
-            <a:lvl7pPr lvl="6">
-              <a:spcBef>
-                <a:spcPts val="0"/>
-              </a:spcBef>
-              <a:spcAft>
-                <a:spcPts val="0"/>
-              </a:spcAft>
-              <a:buSzPts val="2800"/>
-              <a:buNone/>
-              <a:defRPr/>
-            </a:lvl7pPr>
-            <a:lvl8pPr lvl="7">
-              <a:spcBef>
-                <a:spcPts val="0"/>
-              </a:spcBef>
-              <a:spcAft>
-                <a:spcPts val="0"/>
-              </a:spcAft>
-              <a:buSzPts val="2800"/>
-              <a:buNone/>
-              <a:defRPr/>
-            </a:lvl8pPr>
-            <a:lvl9pPr lvl="8">
-              <a:spcBef>
-                <a:spcPts val="0"/>
-              </a:spcBef>
-              <a:spcAft>
-                <a:spcPts val="0"/>
-              </a:spcAft>
-              <a:buSzPts val="2800"/>
-              <a:buNone/>
-              <a:defRPr/>
-            </a:lvl9pPr>
-          </a:lstStyle>
-          <a:p>
-            <a:endParaRPr/>
-          </a:p>
-        </p:txBody>
-      </p:sp>
-      <p:sp>
-        <p:nvSpPr>
-          <p:cNvPr id="18" name="Google Shape;18;p4"/>
-          <p:cNvSpPr txBox="1">
-            <a:spLocks noGrp="1"/>
-          </p:cNvSpPr>
-          <p:nvPr>
-            <p:ph type="body" idx="1"/>
-          </p:nvPr>
-        </p:nvSpPr>
-        <p:spPr>
-          <a:xfrm>
-            <a:off x="311700" y="1152475"/>
-            <a:ext cx="8520600" cy="3416400"/>
-          </a:xfrm>
-          <a:prstGeom prst="rect">
-            <a:avLst/>
-          </a:prstGeom>
-        </p:spPr>
-        <p:txBody>
-          <a:bodyPr spcFirstLastPara="1" wrap="square" lIns="91425" tIns="91425" rIns="91425" bIns="91425" anchor="t" anchorCtr="0"/>
-          <a:lstStyle>
-            <a:lvl1pPr marL="457200" lvl="0" indent="-342900">
-              <a:spcBef>
-                <a:spcPts val="0"/>
-              </a:spcBef>
-              <a:spcAft>
-                <a:spcPts val="0"/>
-              </a:spcAft>
-              <a:buSzPts val="1800"/>
-              <a:buChar char="●"/>
-              <a:defRPr/>
-            </a:lvl1pPr>
-            <a:lvl2pPr marL="914400" lvl="1" indent="-317500">
-              <a:spcBef>
-                <a:spcPts val="1600"/>
-              </a:spcBef>
-              <a:spcAft>
-                <a:spcPts val="0"/>
-              </a:spcAft>
-              <a:buSzPts val="1400"/>
-              <a:buChar char="○"/>
-              <a:defRPr/>
-            </a:lvl2pPr>
-            <a:lvl3pPr marL="1371600" lvl="2" indent="-317500">
-              <a:spcBef>
-                <a:spcPts val="1600"/>
-              </a:spcBef>
-              <a:spcAft>
-                <a:spcPts val="0"/>
-              </a:spcAft>
-              <a:buSzPts val="1400"/>
-              <a:buChar char="■"/>
-              <a:defRPr/>
-            </a:lvl3pPr>
-            <a:lvl4pPr marL="1828800" lvl="3" indent="-317500">
-              <a:spcBef>
-                <a:spcPts val="1600"/>
-              </a:spcBef>
-              <a:spcAft>
-                <a:spcPts val="0"/>
-              </a:spcAft>
-              <a:buSzPts val="1400"/>
-              <a:buChar char="●"/>
-              <a:defRPr/>
-            </a:lvl4pPr>
-            <a:lvl5pPr marL="2286000" lvl="4" indent="-317500">
-              <a:spcBef>
-                <a:spcPts val="1600"/>
-              </a:spcBef>
-              <a:spcAft>
-                <a:spcPts val="0"/>
-              </a:spcAft>
-              <a:buSzPts val="1400"/>
-              <a:buChar char="○"/>
-              <a:defRPr/>
-            </a:lvl5pPr>
-            <a:lvl6pPr marL="2743200" lvl="5" indent="-317500">
-              <a:spcBef>
-                <a:spcPts val="1600"/>
-              </a:spcBef>
-              <a:spcAft>
-                <a:spcPts val="0"/>
-              </a:spcAft>
-              <a:buSzPts val="1400"/>
-              <a:buChar char="■"/>
-              <a:defRPr/>
-            </a:lvl6pPr>
-            <a:lvl7pPr marL="3200400" lvl="6" indent="-317500">
-              <a:spcBef>
-                <a:spcPts val="1600"/>
-              </a:spcBef>
-              <a:spcAft>
-                <a:spcPts val="0"/>
-              </a:spcAft>
-              <a:buSzPts val="1400"/>
-              <a:buChar char="●"/>
-              <a:defRPr/>
-            </a:lvl7pPr>
-            <a:lvl8pPr marL="3657600" lvl="7" indent="-317500">
-              <a:spcBef>
-                <a:spcPts val="1600"/>
-              </a:spcBef>
-              <a:spcAft>
-                <a:spcPts val="0"/>
-              </a:spcAft>
-              <a:buSzPts val="1400"/>
-              <a:buChar char="○"/>
-              <a:defRPr/>
-            </a:lvl8pPr>
-            <a:lvl9pPr marL="4114800" lvl="8" indent="-317500">
-              <a:spcBef>
-                <a:spcPts val="1600"/>
-              </a:spcBef>
-              <a:spcAft>
-                <a:spcPts val="1600"/>
-              </a:spcAft>
-              <a:buSzPts val="1400"/>
-              <a:buChar char="■"/>
-              <a:defRPr/>
-            </a:lvl9pPr>
-          </a:lstStyle>
-          <a:p>
-            <a:endParaRPr/>
-          </a:p>
-        </p:txBody>
-      </p:sp>
-      <p:sp>
-        <p:nvSpPr>
-          <p:cNvPr id="19" name="Google Shape;19;p4"/>
-          <p:cNvSpPr txBox="1">
-            <a:spLocks noGrp="1"/>
-          </p:cNvSpPr>
-          <p:nvPr>
-            <p:ph type="sldNum" idx="12"/>
-          </p:nvPr>
-        </p:nvSpPr>
-        <p:spPr>
-          <a:xfrm>
-            <a:off x="8472458" y="4663217"/>
-            <a:ext cx="548700" cy="393600"/>
-          </a:xfrm>
-          <a:prstGeom prst="rect">
-            <a:avLst/>
-          </a:prstGeom>
-        </p:spPr>
-        <p:txBody>
-          <a:bodyPr spcFirstLastPara="1" wrap="square" lIns="91425" tIns="91425" rIns="91425" bIns="91425" anchor="ctr" anchorCtr="0">
-            <a:noAutofit/>
-          </a:bodyPr>
-          <a:lstStyle>
-            <a:lvl1pPr lvl="0">
-              <a:buNone/>
-              <a:defRPr/>
-            </a:lvl1pPr>
-            <a:lvl2pPr lvl="1">
-              <a:buNone/>
-              <a:defRPr/>
-            </a:lvl2pPr>
-            <a:lvl3pPr lvl="2">
-              <a:buNone/>
-              <a:defRPr/>
-            </a:lvl3pPr>
-            <a:lvl4pPr lvl="3">
-              <a:buNone/>
-              <a:defRPr/>
-            </a:lvl4pPr>
-            <a:lvl5pPr lvl="4">
-              <a:buNone/>
-              <a:defRPr/>
-            </a:lvl5pPr>
-            <a:lvl6pPr lvl="5">
-              <a:buNone/>
-              <a:defRPr/>
-            </a:lvl6pPr>
-            <a:lvl7pPr lvl="6">
-              <a:buNone/>
-              <a:defRPr/>
-            </a:lvl7pPr>
-            <a:lvl8pPr lvl="7">
-              <a:buNone/>
-              <a:defRPr/>
-            </a:lvl8pPr>
-            <a:lvl9pPr lvl="8">
-              <a:buNone/>
-              <a:defRPr/>
-            </a:lvl9pPr>
-          </a:lstStyle>
-          <a:p>
-            <a:pPr marL="0" lvl="0" indent="0" algn="r" rtl="0">
-              <a:spcBef>
-                <a:spcPts val="0"/>
-              </a:spcBef>
-              <a:spcAft>
-                <a:spcPts val="0"/>
-              </a:spcAft>
-              <a:buNone/>
-            </a:pPr>
-            <a:fld id="{00000000-1234-1234-1234-123412341234}" type="slidenum">
-              <a:rPr lang="en-GB"/>
-              <a:t>‹#›</a:t>
-            </a:fld>
-            <a:endParaRPr/>
-          </a:p>
-        </p:txBody>
-      </p:sp>
-    </p:spTree>
-  </p:cSld>
-  <p:clrMapOvr>
-    <a:masterClrMapping/>
-  </p:clrMapOvr>
-</p:sldLayout>
-</file>
-
-<file path=ppt/slideLayouts/slideLayout4.xml><?xml version="1.0" encoding="utf-8"?>
-<p:sldLayout xmlns:a="http://schemas.openxmlformats.org/drawingml/2006/main" xmlns:r="http://schemas.openxmlformats.org/officeDocument/2006/relationships" xmlns:p="http://schemas.openxmlformats.org/presentationml/2006/main" matchingName="Title and two columns" type="twoColTx">
-  <p:cSld name="TITLE_AND_TWO_COLUMNS">
-    <p:spTree>
-      <p:nvGrpSpPr>
-        <p:cNvPr id="1" name="Shape 20"/>
-        <p:cNvGrpSpPr/>
-        <p:nvPr/>
-      </p:nvGrpSpPr>
-      <p:grpSpPr>
-        <a:xfrm>
-          <a:off x="0" y="0"/>
-          <a:ext cx="0" cy="0"/>
-          <a:chOff x="0" y="0"/>
-          <a:chExt cx="0" cy="0"/>
-        </a:xfrm>
-      </p:grpSpPr>
-      <p:sp>
-        <p:nvSpPr>
-          <p:cNvPr id="21" name="Google Shape;21;p5"/>
-          <p:cNvSpPr txBox="1">
-            <a:spLocks noGrp="1"/>
-          </p:cNvSpPr>
-          <p:nvPr>
-            <p:ph type="title"/>
-          </p:nvPr>
-        </p:nvSpPr>
-        <p:spPr>
-          <a:xfrm>
-            <a:off x="311700" y="445025"/>
-            <a:ext cx="8520600" cy="572700"/>
-          </a:xfrm>
-          <a:prstGeom prst="rect">
-            <a:avLst/>
-          </a:prstGeom>
-        </p:spPr>
-        <p:txBody>
-          <a:bodyPr spcFirstLastPara="1" wrap="square" lIns="91425" tIns="91425" rIns="91425" bIns="91425" anchor="t" anchorCtr="0"/>
-          <a:lstStyle>
-            <a:lvl1pPr lvl="0">
-              <a:spcBef>
-                <a:spcPts val="0"/>
-              </a:spcBef>
-              <a:spcAft>
-                <a:spcPts val="0"/>
-              </a:spcAft>
-              <a:buSzPts val="2800"/>
-              <a:buNone/>
-              <a:defRPr/>
-            </a:lvl1pPr>
-            <a:lvl2pPr lvl="1">
-              <a:spcBef>
-                <a:spcPts val="0"/>
-              </a:spcBef>
-              <a:spcAft>
-                <a:spcPts val="0"/>
-              </a:spcAft>
-              <a:buSzPts val="2800"/>
-              <a:buNone/>
-              <a:defRPr/>
-            </a:lvl2pPr>
-            <a:lvl3pPr lvl="2">
-              <a:spcBef>
-                <a:spcPts val="0"/>
-              </a:spcBef>
-              <a:spcAft>
-                <a:spcPts val="0"/>
-              </a:spcAft>
-              <a:buSzPts val="2800"/>
-              <a:buNone/>
-              <a:defRPr/>
-            </a:lvl3pPr>
-            <a:lvl4pPr lvl="3">
-              <a:spcBef>
-                <a:spcPts val="0"/>
-              </a:spcBef>
-              <a:spcAft>
-                <a:spcPts val="0"/>
-              </a:spcAft>
-              <a:buSzPts val="2800"/>
-              <a:buNone/>
-              <a:defRPr/>
-            </a:lvl4pPr>
-            <a:lvl5pPr lvl="4">
-              <a:spcBef>
-                <a:spcPts val="0"/>
-              </a:spcBef>
-              <a:spcAft>
-                <a:spcPts val="0"/>
-              </a:spcAft>
-              <a:buSzPts val="2800"/>
-              <a:buNone/>
-              <a:defRPr/>
-            </a:lvl5pPr>
-            <a:lvl6pPr lvl="5">
-              <a:spcBef>
-                <a:spcPts val="0"/>
-              </a:spcBef>
-              <a:spcAft>
-                <a:spcPts val="0"/>
-              </a:spcAft>
-              <a:buSzPts val="2800"/>
-              <a:buNone/>
-              <a:defRPr/>
-            </a:lvl6pPr>
-            <a:lvl7pPr lvl="6">
-              <a:spcBef>
-                <a:spcPts val="0"/>
-              </a:spcBef>
-              <a:spcAft>
-                <a:spcPts val="0"/>
-              </a:spcAft>
-              <a:buSzPts val="2800"/>
-              <a:buNone/>
-              <a:defRPr/>
-            </a:lvl7pPr>
-            <a:lvl8pPr lvl="7">
-              <a:spcBef>
-                <a:spcPts val="0"/>
-              </a:spcBef>
-              <a:spcAft>
-                <a:spcPts val="0"/>
-              </a:spcAft>
-              <a:buSzPts val="2800"/>
-              <a:buNone/>
-              <a:defRPr/>
-            </a:lvl8pPr>
-            <a:lvl9pPr lvl="8">
-              <a:spcBef>
-                <a:spcPts val="0"/>
-              </a:spcBef>
-              <a:spcAft>
-                <a:spcPts val="0"/>
-              </a:spcAft>
-              <a:buSzPts val="2800"/>
-              <a:buNone/>
-              <a:defRPr/>
-            </a:lvl9pPr>
-          </a:lstStyle>
-          <a:p>
-            <a:endParaRPr/>
-          </a:p>
-        </p:txBody>
-      </p:sp>
-      <p:sp>
-        <p:nvSpPr>
-          <p:cNvPr id="22" name="Google Shape;22;p5"/>
-          <p:cNvSpPr txBox="1">
-            <a:spLocks noGrp="1"/>
-          </p:cNvSpPr>
-          <p:nvPr>
-            <p:ph type="body" idx="1"/>
-          </p:nvPr>
-        </p:nvSpPr>
-        <p:spPr>
-          <a:xfrm>
-            <a:off x="311700" y="1152475"/>
-            <a:ext cx="3999900" cy="3416400"/>
-          </a:xfrm>
-          <a:prstGeom prst="rect">
-            <a:avLst/>
-          </a:prstGeom>
-        </p:spPr>
-        <p:txBody>
-          <a:bodyPr spcFirstLastPara="1" wrap="square" lIns="91425" tIns="91425" rIns="91425" bIns="91425" anchor="t" anchorCtr="0"/>
-          <a:lstStyle>
-            <a:lvl1pPr marL="457200" lvl="0" indent="-317500">
-              <a:spcBef>
-                <a:spcPts val="0"/>
-              </a:spcBef>
-              <a:spcAft>
-                <a:spcPts val="0"/>
-              </a:spcAft>
-              <a:buSzPts val="1400"/>
-              <a:buChar char="●"/>
-              <a:defRPr sz="1400"/>
-            </a:lvl1pPr>
-            <a:lvl2pPr marL="914400" lvl="1" indent="-304800">
-              <a:spcBef>
-                <a:spcPts val="1600"/>
-              </a:spcBef>
-              <a:spcAft>
-                <a:spcPts val="0"/>
-              </a:spcAft>
-              <a:buSzPts val="1200"/>
-              <a:buChar char="○"/>
-              <a:defRPr sz="1200"/>
-            </a:lvl2pPr>
-            <a:lvl3pPr marL="1371600" lvl="2" indent="-304800">
-              <a:spcBef>
-                <a:spcPts val="1600"/>
-              </a:spcBef>
-              <a:spcAft>
-                <a:spcPts val="0"/>
-              </a:spcAft>
-              <a:buSzPts val="1200"/>
-              <a:buChar char="■"/>
-              <a:defRPr sz="1200"/>
-            </a:lvl3pPr>
-            <a:lvl4pPr marL="1828800" lvl="3" indent="-304800">
-              <a:spcBef>
-                <a:spcPts val="1600"/>
-              </a:spcBef>
-              <a:spcAft>
-                <a:spcPts val="0"/>
-              </a:spcAft>
-              <a:buSzPts val="1200"/>
-              <a:buChar char="●"/>
-              <a:defRPr sz="1200"/>
-            </a:lvl4pPr>
-            <a:lvl5pPr marL="2286000" lvl="4" indent="-304800">
-              <a:spcBef>
-                <a:spcPts val="1600"/>
-              </a:spcBef>
-              <a:spcAft>
-                <a:spcPts val="0"/>
-              </a:spcAft>
-              <a:buSzPts val="1200"/>
-              <a:buChar char="○"/>
-              <a:defRPr sz="1200"/>
-            </a:lvl5pPr>
-            <a:lvl6pPr marL="2743200" lvl="5" indent="-304800">
-              <a:spcBef>
-                <a:spcPts val="1600"/>
-              </a:spcBef>
-              <a:spcAft>
-                <a:spcPts val="0"/>
-              </a:spcAft>
-              <a:buSzPts val="1200"/>
-              <a:buChar char="■"/>
-              <a:defRPr sz="1200"/>
-            </a:lvl6pPr>
-            <a:lvl7pPr marL="3200400" lvl="6" indent="-304800">
-              <a:spcBef>
-                <a:spcPts val="1600"/>
-              </a:spcBef>
-              <a:spcAft>
-                <a:spcPts val="0"/>
-              </a:spcAft>
-              <a:buSzPts val="1200"/>
-              <a:buChar char="●"/>
-              <a:defRPr sz="1200"/>
-            </a:lvl7pPr>
-            <a:lvl8pPr marL="3657600" lvl="7" indent="-304800">
-              <a:spcBef>
-                <a:spcPts val="1600"/>
-              </a:spcBef>
-              <a:spcAft>
-                <a:spcPts val="0"/>
-              </a:spcAft>
-              <a:buSzPts val="1200"/>
-              <a:buChar char="○"/>
-              <a:defRPr sz="1200"/>
-            </a:lvl8pPr>
-            <a:lvl9pPr marL="4114800" lvl="8" indent="-304800">
-              <a:spcBef>
-                <a:spcPts val="1600"/>
-              </a:spcBef>
-              <a:spcAft>
-                <a:spcPts val="1600"/>
-              </a:spcAft>
-              <a:buSzPts val="1200"/>
-              <a:buChar char="■"/>
-              <a:defRPr sz="1200"/>
-            </a:lvl9pPr>
-          </a:lstStyle>
-          <a:p>
-            <a:endParaRPr/>
-          </a:p>
-        </p:txBody>
-      </p:sp>
-      <p:sp>
-        <p:nvSpPr>
-          <p:cNvPr id="23" name="Google Shape;23;p5"/>
-          <p:cNvSpPr txBox="1">
-            <a:spLocks noGrp="1"/>
-          </p:cNvSpPr>
-          <p:nvPr>
-            <p:ph type="body" idx="2"/>
-          </p:nvPr>
-        </p:nvSpPr>
-        <p:spPr>
-          <a:xfrm>
-            <a:off x="4832400" y="1152475"/>
-            <a:ext cx="3999900" cy="3416400"/>
-          </a:xfrm>
-          <a:prstGeom prst="rect">
-            <a:avLst/>
-          </a:prstGeom>
-        </p:spPr>
-        <p:txBody>
-          <a:bodyPr spcFirstLastPara="1" wrap="square" lIns="91425" tIns="91425" rIns="91425" bIns="91425" anchor="t" anchorCtr="0"/>
-          <a:lstStyle>
-            <a:lvl1pPr marL="457200" lvl="0" indent="-317500">
-              <a:spcBef>
-                <a:spcPts val="0"/>
-              </a:spcBef>
-              <a:spcAft>
-                <a:spcPts val="0"/>
-              </a:spcAft>
-              <a:buSzPts val="1400"/>
-              <a:buChar char="●"/>
-              <a:defRPr sz="1400"/>
-            </a:lvl1pPr>
-            <a:lvl2pPr marL="914400" lvl="1" indent="-304800">
-              <a:spcBef>
-                <a:spcPts val="1600"/>
-              </a:spcBef>
-              <a:spcAft>
-                <a:spcPts val="0"/>
-              </a:spcAft>
-              <a:buSzPts val="1200"/>
-              <a:buChar char="○"/>
-              <a:defRPr sz="1200"/>
-            </a:lvl2pPr>
-            <a:lvl3pPr marL="1371600" lvl="2" indent="-304800">
-              <a:spcBef>
-                <a:spcPts val="1600"/>
-              </a:spcBef>
-              <a:spcAft>
-                <a:spcPts val="0"/>
-              </a:spcAft>
-              <a:buSzPts val="1200"/>
-              <a:buChar char="■"/>
-              <a:defRPr sz="1200"/>
-            </a:lvl3pPr>
-            <a:lvl4pPr marL="1828800" lvl="3" indent="-304800">
-              <a:spcBef>
-                <a:spcPts val="1600"/>
-              </a:spcBef>
-              <a:spcAft>
-                <a:spcPts val="0"/>
-              </a:spcAft>
-              <a:buSzPts val="1200"/>
-              <a:buChar char="●"/>
-              <a:defRPr sz="1200"/>
-            </a:lvl4pPr>
-            <a:lvl5pPr marL="2286000" lvl="4" indent="-304800">
-              <a:spcBef>
-                <a:spcPts val="1600"/>
-              </a:spcBef>
-              <a:spcAft>
-                <a:spcPts val="0"/>
-              </a:spcAft>
-              <a:buSzPts val="1200"/>
-              <a:buChar char="○"/>
-              <a:defRPr sz="1200"/>
-            </a:lvl5pPr>
-            <a:lvl6pPr marL="2743200" lvl="5" indent="-304800">
-              <a:spcBef>
-                <a:spcPts val="1600"/>
-              </a:spcBef>
-              <a:spcAft>
-                <a:spcPts val="0"/>
-              </a:spcAft>
-              <a:buSzPts val="1200"/>
-              <a:buChar char="■"/>
-              <a:defRPr sz="1200"/>
-            </a:lvl6pPr>
-            <a:lvl7pPr marL="3200400" lvl="6" indent="-304800">
-              <a:spcBef>
-                <a:spcPts val="1600"/>
-              </a:spcBef>
-              <a:spcAft>
-                <a:spcPts val="0"/>
-              </a:spcAft>
-              <a:buSzPts val="1200"/>
-              <a:buChar char="●"/>
-              <a:defRPr sz="1200"/>
-            </a:lvl7pPr>
-            <a:lvl8pPr marL="3657600" lvl="7" indent="-304800">
-              <a:spcBef>
-                <a:spcPts val="1600"/>
-              </a:spcBef>
-              <a:spcAft>
-                <a:spcPts val="0"/>
-              </a:spcAft>
-              <a:buSzPts val="1200"/>
-              <a:buChar char="○"/>
-              <a:defRPr sz="1200"/>
-            </a:lvl8pPr>
-            <a:lvl9pPr marL="4114800" lvl="8" indent="-304800">
-              <a:spcBef>
-                <a:spcPts val="1600"/>
-              </a:spcBef>
-              <a:spcAft>
-                <a:spcPts val="1600"/>
-              </a:spcAft>
-              <a:buSzPts val="1200"/>
-              <a:buChar char="■"/>
-              <a:defRPr sz="1200"/>
-            </a:lvl9pPr>
-          </a:lstStyle>
-          <a:p>
-            <a:endParaRPr/>
-          </a:p>
-        </p:txBody>
-      </p:sp>
-      <p:sp>
-        <p:nvSpPr>
-          <p:cNvPr id="24" name="Google Shape;24;p5"/>
-          <p:cNvSpPr txBox="1">
-            <a:spLocks noGrp="1"/>
-          </p:cNvSpPr>
-          <p:nvPr>
-            <p:ph type="sldNum" idx="12"/>
-          </p:nvPr>
-        </p:nvSpPr>
-        <p:spPr>
-          <a:xfrm>
-            <a:off x="8472458" y="4663217"/>
-            <a:ext cx="548700" cy="393600"/>
-          </a:xfrm>
-          <a:prstGeom prst="rect">
-            <a:avLst/>
-          </a:prstGeom>
-        </p:spPr>
-        <p:txBody>
-          <a:bodyPr spcFirstLastPara="1" wrap="square" lIns="91425" tIns="91425" rIns="91425" bIns="91425" anchor="ctr" anchorCtr="0">
-            <a:noAutofit/>
-          </a:bodyPr>
-          <a:lstStyle>
-            <a:lvl1pPr lvl="0">
-              <a:buNone/>
-              <a:defRPr/>
-            </a:lvl1pPr>
-            <a:lvl2pPr lvl="1">
-              <a:buNone/>
-              <a:defRPr/>
-            </a:lvl2pPr>
-            <a:lvl3pPr lvl="2">
-              <a:buNone/>
-              <a:defRPr/>
-            </a:lvl3pPr>
-            <a:lvl4pPr lvl="3">
-              <a:buNone/>
-              <a:defRPr/>
-            </a:lvl4pPr>
-            <a:lvl5pPr lvl="4">
-              <a:buNone/>
-              <a:defRPr/>
-            </a:lvl5pPr>
-            <a:lvl6pPr lvl="5">
-              <a:buNone/>
-              <a:defRPr/>
-            </a:lvl6pPr>
-            <a:lvl7pPr lvl="6">
-              <a:buNone/>
-              <a:defRPr/>
-            </a:lvl7pPr>
-            <a:lvl8pPr lvl="7">
-              <a:buNone/>
-              <a:defRPr/>
-            </a:lvl8pPr>
-            <a:lvl9pPr lvl="8">
-              <a:buNone/>
-              <a:defRPr/>
-            </a:lvl9pPr>
-          </a:lstStyle>
-          <a:p>
-            <a:pPr marL="0" lvl="0" indent="0" algn="r" rtl="0">
-              <a:spcBef>
-                <a:spcPts val="0"/>
-              </a:spcBef>
-              <a:spcAft>
-                <a:spcPts val="0"/>
-              </a:spcAft>
-              <a:buNone/>
-            </a:pPr>
-            <a:fld id="{00000000-1234-1234-1234-123412341234}" type="slidenum">
-              <a:rPr lang="en-GB"/>
-              <a:t>‹#›</a:t>
-            </a:fld>
-            <a:endParaRPr/>
-          </a:p>
-        </p:txBody>
-      </p:sp>
-    </p:spTree>
-  </p:cSld>
-  <p:clrMapOvr>
-    <a:masterClrMapping/>
-  </p:clrMapOvr>
-</p:sldLayout>
-</file>
-
-<file path=ppt/slideLayouts/slideLayout5.xml><?xml version="1.0" encoding="utf-8"?>
-<p:sldLayout xmlns:a="http://schemas.openxmlformats.org/drawingml/2006/main" xmlns:r="http://schemas.openxmlformats.org/officeDocument/2006/relationships" xmlns:p="http://schemas.openxmlformats.org/presentationml/2006/main" matchingName="Title only" type="titleOnly">
-  <p:cSld name="TITLE_ONLY">
-    <p:spTree>
-      <p:nvGrpSpPr>
-        <p:cNvPr id="1" name="Shape 25"/>
-        <p:cNvGrpSpPr/>
-        <p:nvPr/>
-      </p:nvGrpSpPr>
-      <p:grpSpPr>
-        <a:xfrm>
-          <a:off x="0" y="0"/>
-          <a:ext cx="0" cy="0"/>
-          <a:chOff x="0" y="0"/>
-          <a:chExt cx="0" cy="0"/>
-        </a:xfrm>
-      </p:grpSpPr>
-      <p:sp>
-        <p:nvSpPr>
-          <p:cNvPr id="26" name="Google Shape;26;p6"/>
-          <p:cNvSpPr txBox="1">
-            <a:spLocks noGrp="1"/>
-          </p:cNvSpPr>
-          <p:nvPr>
-            <p:ph type="title"/>
-          </p:nvPr>
-        </p:nvSpPr>
-        <p:spPr>
-          <a:xfrm>
-            <a:off x="311700" y="445025"/>
-            <a:ext cx="8520600" cy="572700"/>
-          </a:xfrm>
-          <a:prstGeom prst="rect">
-            <a:avLst/>
-          </a:prstGeom>
-        </p:spPr>
-        <p:txBody>
-          <a:bodyPr spcFirstLastPara="1" wrap="square" lIns="91425" tIns="91425" rIns="91425" bIns="91425" anchor="t" anchorCtr="0"/>
-          <a:lstStyle>
-            <a:lvl1pPr lvl="0">
-              <a:spcBef>
-                <a:spcPts val="0"/>
-              </a:spcBef>
-              <a:spcAft>
-                <a:spcPts val="0"/>
-              </a:spcAft>
-              <a:buSzPts val="2800"/>
-              <a:buNone/>
-              <a:defRPr/>
-            </a:lvl1pPr>
-            <a:lvl2pPr lvl="1">
-              <a:spcBef>
-                <a:spcPts val="0"/>
-              </a:spcBef>
-              <a:spcAft>
-                <a:spcPts val="0"/>
-              </a:spcAft>
-              <a:buSzPts val="2800"/>
-              <a:buNone/>
-              <a:defRPr/>
-            </a:lvl2pPr>
-            <a:lvl3pPr lvl="2">
-              <a:spcBef>
-                <a:spcPts val="0"/>
-              </a:spcBef>
-              <a:spcAft>
-                <a:spcPts val="0"/>
-              </a:spcAft>
-              <a:buSzPts val="2800"/>
-              <a:buNone/>
-              <a:defRPr/>
-            </a:lvl3pPr>
-            <a:lvl4pPr lvl="3">
-              <a:spcBef>
-                <a:spcPts val="0"/>
-              </a:spcBef>
-              <a:spcAft>
-                <a:spcPts val="0"/>
-              </a:spcAft>
-              <a:buSzPts val="2800"/>
-              <a:buNone/>
-              <a:defRPr/>
-            </a:lvl4pPr>
-            <a:lvl5pPr lvl="4">
-              <a:spcBef>
-                <a:spcPts val="0"/>
-              </a:spcBef>
-              <a:spcAft>
-                <a:spcPts val="0"/>
-              </a:spcAft>
-              <a:buSzPts val="2800"/>
-              <a:buNone/>
-              <a:defRPr/>
-            </a:lvl5pPr>
-            <a:lvl6pPr lvl="5">
-              <a:spcBef>
-                <a:spcPts val="0"/>
-              </a:spcBef>
-              <a:spcAft>
-                <a:spcPts val="0"/>
-              </a:spcAft>
-              <a:buSzPts val="2800"/>
-              <a:buNone/>
-              <a:defRPr/>
-            </a:lvl6pPr>
-            <a:lvl7pPr lvl="6">
-              <a:spcBef>
-                <a:spcPts val="0"/>
-              </a:spcBef>
-              <a:spcAft>
-                <a:spcPts val="0"/>
-              </a:spcAft>
-              <a:buSzPts val="2800"/>
-              <a:buNone/>
-              <a:defRPr/>
-            </a:lvl7pPr>
-            <a:lvl8pPr lvl="7">
-              <a:spcBef>
-                <a:spcPts val="0"/>
-              </a:spcBef>
-              <a:spcAft>
-                <a:spcPts val="0"/>
-              </a:spcAft>
-              <a:buSzPts val="2800"/>
-              <a:buNone/>
-              <a:defRPr/>
-            </a:lvl8pPr>
-            <a:lvl9pPr lvl="8">
-              <a:spcBef>
-                <a:spcPts val="0"/>
-              </a:spcBef>
-              <a:spcAft>
-                <a:spcPts val="0"/>
-              </a:spcAft>
-              <a:buSzPts val="2800"/>
-              <a:buNone/>
-              <a:defRPr/>
-            </a:lvl9pPr>
-          </a:lstStyle>
-          <a:p>
-            <a:endParaRPr/>
-          </a:p>
-        </p:txBody>
-      </p:sp>
-      <p:sp>
-        <p:nvSpPr>
-          <p:cNvPr id="27" name="Google Shape;27;p6"/>
-          <p:cNvSpPr txBox="1">
-            <a:spLocks noGrp="1"/>
-          </p:cNvSpPr>
-          <p:nvPr>
-            <p:ph type="sldNum" idx="12"/>
-          </p:nvPr>
-        </p:nvSpPr>
-        <p:spPr>
-          <a:xfrm>
-            <a:off x="8472458" y="4663217"/>
-            <a:ext cx="548700" cy="393600"/>
-          </a:xfrm>
-          <a:prstGeom prst="rect">
-            <a:avLst/>
-          </a:prstGeom>
-        </p:spPr>
-        <p:txBody>
-          <a:bodyPr spcFirstLastPara="1" wrap="square" lIns="91425" tIns="91425" rIns="91425" bIns="91425" anchor="ctr" anchorCtr="0">
-            <a:noAutofit/>
-          </a:bodyPr>
-          <a:lstStyle>
-            <a:lvl1pPr lvl="0">
-              <a:buNone/>
-              <a:defRPr/>
-            </a:lvl1pPr>
-            <a:lvl2pPr lvl="1">
-              <a:buNone/>
-              <a:defRPr/>
-            </a:lvl2pPr>
-            <a:lvl3pPr lvl="2">
-              <a:buNone/>
-              <a:defRPr/>
-            </a:lvl3pPr>
-            <a:lvl4pPr lvl="3">
-              <a:buNone/>
-              <a:defRPr/>
-            </a:lvl4pPr>
-            <a:lvl5pPr lvl="4">
-              <a:buNone/>
-              <a:defRPr/>
-            </a:lvl5pPr>
-            <a:lvl6pPr lvl="5">
-              <a:buNone/>
-              <a:defRPr/>
-            </a:lvl6pPr>
-            <a:lvl7pPr lvl="6">
-              <a:buNone/>
-              <a:defRPr/>
-            </a:lvl7pPr>
-            <a:lvl8pPr lvl="7">
-              <a:buNone/>
-              <a:defRPr/>
-            </a:lvl8pPr>
-            <a:lvl9pPr lvl="8">
-              <a:buNone/>
-              <a:defRPr/>
-            </a:lvl9pPr>
-          </a:lstStyle>
-          <a:p>
-            <a:pPr marL="0" lvl="0" indent="0" algn="r" rtl="0">
-              <a:spcBef>
-                <a:spcPts val="0"/>
-              </a:spcBef>
-              <a:spcAft>
-                <a:spcPts val="0"/>
-              </a:spcAft>
-              <a:buNone/>
-            </a:pPr>
-            <a:fld id="{00000000-1234-1234-1234-123412341234}" type="slidenum">
-              <a:rPr lang="en-GB"/>
-              <a:t>‹#›</a:t>
-            </a:fld>
-            <a:endParaRPr/>
-          </a:p>
-        </p:txBody>
-      </p:sp>
-    </p:spTree>
-  </p:cSld>
-  <p:clrMapOvr>
-    <a:masterClrMapping/>
-  </p:clrMapOvr>
-</p:sldLayout>
-</file>
-
-<file path=ppt/slideLayouts/slideLayout6.xml><?xml version="1.0" encoding="utf-8"?>
-<p:sldLayout xmlns:a="http://schemas.openxmlformats.org/drawingml/2006/main" xmlns:r="http://schemas.openxmlformats.org/officeDocument/2006/relationships" xmlns:p="http://schemas.openxmlformats.org/presentationml/2006/main" matchingName="One column text">
-  <p:cSld name="ONE_COLUMN_TEXT">
-    <p:spTree>
-      <p:nvGrpSpPr>
-        <p:cNvPr id="1" name="Shape 28"/>
-        <p:cNvGrpSpPr/>
-        <p:nvPr/>
-      </p:nvGrpSpPr>
-      <p:grpSpPr>
-        <a:xfrm>
-          <a:off x="0" y="0"/>
-          <a:ext cx="0" cy="0"/>
-          <a:chOff x="0" y="0"/>
-          <a:chExt cx="0" cy="0"/>
-        </a:xfrm>
-      </p:grpSpPr>
-      <p:sp>
-        <p:nvSpPr>
-          <p:cNvPr id="29" name="Google Shape;29;p7"/>
-          <p:cNvSpPr txBox="1">
-            <a:spLocks noGrp="1"/>
-          </p:cNvSpPr>
-          <p:nvPr>
-            <p:ph type="title"/>
-          </p:nvPr>
-        </p:nvSpPr>
-        <p:spPr>
-          <a:xfrm>
-            <a:off x="311700" y="555600"/>
-            <a:ext cx="2808000" cy="755700"/>
-          </a:xfrm>
-          <a:prstGeom prst="rect">
-            <a:avLst/>
-          </a:prstGeom>
-        </p:spPr>
-        <p:txBody>
-          <a:bodyPr spcFirstLastPara="1" wrap="square" lIns="91425" tIns="91425" rIns="91425" bIns="91425" anchor="b" anchorCtr="0"/>
-          <a:lstStyle>
-            <a:lvl1pPr lvl="0">
-              <a:spcBef>
-                <a:spcPts val="0"/>
-              </a:spcBef>
-              <a:spcAft>
-                <a:spcPts val="0"/>
-              </a:spcAft>
-              <a:buSzPts val="2400"/>
-              <a:buNone/>
-              <a:defRPr sz="2400"/>
-            </a:lvl1pPr>
-            <a:lvl2pPr lvl="1">
-              <a:spcBef>
-                <a:spcPts val="0"/>
-              </a:spcBef>
-              <a:spcAft>
-                <a:spcPts val="0"/>
-              </a:spcAft>
-              <a:buSzPts val="2400"/>
-              <a:buNone/>
-              <a:defRPr sz="2400"/>
-            </a:lvl2pPr>
-            <a:lvl3pPr lvl="2">
-              <a:spcBef>
-                <a:spcPts val="0"/>
-              </a:spcBef>
-              <a:spcAft>
-                <a:spcPts val="0"/>
-              </a:spcAft>
-              <a:buSzPts val="2400"/>
-              <a:buNone/>
-              <a:defRPr sz="2400"/>
-            </a:lvl3pPr>
-            <a:lvl4pPr lvl="3">
-              <a:spcBef>
-                <a:spcPts val="0"/>
-              </a:spcBef>
-              <a:spcAft>
-                <a:spcPts val="0"/>
-              </a:spcAft>
-              <a:buSzPts val="2400"/>
-              <a:buNone/>
-              <a:defRPr sz="2400"/>
-            </a:lvl4pPr>
-            <a:lvl5pPr lvl="4">
-              <a:spcBef>
-                <a:spcPts val="0"/>
-              </a:spcBef>
-              <a:spcAft>
-                <a:spcPts val="0"/>
-              </a:spcAft>
-              <a:buSzPts val="2400"/>
-              <a:buNone/>
-              <a:defRPr sz="2400"/>
-            </a:lvl5pPr>
-            <a:lvl6pPr lvl="5">
-              <a:spcBef>
-                <a:spcPts val="0"/>
-              </a:spcBef>
-              <a:spcAft>
-                <a:spcPts val="0"/>
-              </a:spcAft>
-              <a:buSzPts val="2400"/>
-              <a:buNone/>
-              <a:defRPr sz="2400"/>
-            </a:lvl6pPr>
-            <a:lvl7pPr lvl="6">
-              <a:spcBef>
-                <a:spcPts val="0"/>
-              </a:spcBef>
-              <a:spcAft>
-                <a:spcPts val="0"/>
-              </a:spcAft>
-              <a:buSzPts val="2400"/>
-              <a:buNone/>
-              <a:defRPr sz="2400"/>
-            </a:lvl7pPr>
-            <a:lvl8pPr lvl="7">
-              <a:spcBef>
-                <a:spcPts val="0"/>
-              </a:spcBef>
-              <a:spcAft>
-                <a:spcPts val="0"/>
-              </a:spcAft>
-              <a:buSzPts val="2400"/>
-              <a:buNone/>
-              <a:defRPr sz="2400"/>
-            </a:lvl8pPr>
-            <a:lvl9pPr lvl="8">
-              <a:spcBef>
-                <a:spcPts val="0"/>
-              </a:spcBef>
-              <a:spcAft>
-                <a:spcPts val="0"/>
-              </a:spcAft>
-              <a:buSzPts val="2400"/>
-              <a:buNone/>
-              <a:defRPr sz="2400"/>
-            </a:lvl9pPr>
-          </a:lstStyle>
-          <a:p>
-            <a:endParaRPr/>
-          </a:p>
-        </p:txBody>
-      </p:sp>
-      <p:sp>
-        <p:nvSpPr>
-          <p:cNvPr id="30" name="Google Shape;30;p7"/>
-          <p:cNvSpPr txBox="1">
-            <a:spLocks noGrp="1"/>
-          </p:cNvSpPr>
-          <p:nvPr>
-            <p:ph type="body" idx="1"/>
-          </p:nvPr>
-        </p:nvSpPr>
-        <p:spPr>
-          <a:xfrm>
-            <a:off x="311700" y="1389600"/>
-            <a:ext cx="2808000" cy="3179400"/>
-          </a:xfrm>
-          <a:prstGeom prst="rect">
-            <a:avLst/>
-          </a:prstGeom>
-        </p:spPr>
-        <p:txBody>
-          <a:bodyPr spcFirstLastPara="1" wrap="square" lIns="91425" tIns="91425" rIns="91425" bIns="91425" anchor="t" anchorCtr="0"/>
-          <a:lstStyle>
-            <a:lvl1pPr marL="457200" lvl="0" indent="-304800">
-              <a:spcBef>
-                <a:spcPts val="0"/>
-              </a:spcBef>
-              <a:spcAft>
-                <a:spcPts val="0"/>
-              </a:spcAft>
-              <a:buSzPts val="1200"/>
-              <a:buChar char="●"/>
-              <a:defRPr sz="1200"/>
-            </a:lvl1pPr>
-            <a:lvl2pPr marL="914400" lvl="1" indent="-304800">
-              <a:spcBef>
-                <a:spcPts val="1600"/>
-              </a:spcBef>
-              <a:spcAft>
-                <a:spcPts val="0"/>
-              </a:spcAft>
-              <a:buSzPts val="1200"/>
-              <a:buChar char="○"/>
-              <a:defRPr sz="1200"/>
-            </a:lvl2pPr>
-            <a:lvl3pPr marL="1371600" lvl="2" indent="-304800">
-              <a:spcBef>
-                <a:spcPts val="1600"/>
-              </a:spcBef>
-              <a:spcAft>
-                <a:spcPts val="0"/>
-              </a:spcAft>
-              <a:buSzPts val="1200"/>
-              <a:buChar char="■"/>
-              <a:defRPr sz="1200"/>
-            </a:lvl3pPr>
-            <a:lvl4pPr marL="1828800" lvl="3" indent="-304800">
-              <a:spcBef>
-                <a:spcPts val="1600"/>
-              </a:spcBef>
-              <a:spcAft>
-                <a:spcPts val="0"/>
-              </a:spcAft>
-              <a:buSzPts val="1200"/>
-              <a:buChar char="●"/>
-              <a:defRPr sz="1200"/>
-            </a:lvl4pPr>
-            <a:lvl5pPr marL="2286000" lvl="4" indent="-304800">
-              <a:spcBef>
-                <a:spcPts val="1600"/>
-              </a:spcBef>
-              <a:spcAft>
-                <a:spcPts val="0"/>
-              </a:spcAft>
-              <a:buSzPts val="1200"/>
-              <a:buChar char="○"/>
-              <a:defRPr sz="1200"/>
-            </a:lvl5pPr>
-            <a:lvl6pPr marL="2743200" lvl="5" indent="-304800">
-              <a:spcBef>
-                <a:spcPts val="1600"/>
-              </a:spcBef>
-              <a:spcAft>
-                <a:spcPts val="0"/>
-              </a:spcAft>
-              <a:buSzPts val="1200"/>
-              <a:buChar char="■"/>
-              <a:defRPr sz="1200"/>
-            </a:lvl6pPr>
-            <a:lvl7pPr marL="3200400" lvl="6" indent="-304800">
-              <a:spcBef>
-                <a:spcPts val="1600"/>
-              </a:spcBef>
-              <a:spcAft>
-                <a:spcPts val="0"/>
-              </a:spcAft>
-              <a:buSzPts val="1200"/>
-              <a:buChar char="●"/>
-              <a:defRPr sz="1200"/>
-            </a:lvl7pPr>
-            <a:lvl8pPr marL="3657600" lvl="7" indent="-304800">
-              <a:spcBef>
-                <a:spcPts val="1600"/>
-              </a:spcBef>
-              <a:spcAft>
-                <a:spcPts val="0"/>
-              </a:spcAft>
-              <a:buSzPts val="1200"/>
-              <a:buChar char="○"/>
-              <a:defRPr sz="1200"/>
-            </a:lvl8pPr>
-            <a:lvl9pPr marL="4114800" lvl="8" indent="-304800">
-              <a:spcBef>
-                <a:spcPts val="1600"/>
-              </a:spcBef>
-              <a:spcAft>
-                <a:spcPts val="1600"/>
-              </a:spcAft>
-              <a:buSzPts val="1200"/>
-              <a:buChar char="■"/>
-              <a:defRPr sz="1200"/>
-            </a:lvl9pPr>
-          </a:lstStyle>
-          <a:p>
-            <a:endParaRPr/>
-          </a:p>
-        </p:txBody>
-      </p:sp>
-      <p:sp>
-        <p:nvSpPr>
-          <p:cNvPr id="31" name="Google Shape;31;p7"/>
-          <p:cNvSpPr txBox="1">
-            <a:spLocks noGrp="1"/>
-          </p:cNvSpPr>
-          <p:nvPr>
-            <p:ph type="sldNum" idx="12"/>
-          </p:nvPr>
-        </p:nvSpPr>
-        <p:spPr>
-          <a:xfrm>
-            <a:off x="8472458" y="4663217"/>
-            <a:ext cx="548700" cy="393600"/>
-          </a:xfrm>
-          <a:prstGeom prst="rect">
-            <a:avLst/>
-          </a:prstGeom>
-        </p:spPr>
-        <p:txBody>
-          <a:bodyPr spcFirstLastPara="1" wrap="square" lIns="91425" tIns="91425" rIns="91425" bIns="91425" anchor="ctr" anchorCtr="0">
-            <a:noAutofit/>
-          </a:bodyPr>
-          <a:lstStyle>
-            <a:lvl1pPr lvl="0">
-              <a:buNone/>
-              <a:defRPr/>
-            </a:lvl1pPr>
-            <a:lvl2pPr lvl="1">
-              <a:buNone/>
-              <a:defRPr/>
-            </a:lvl2pPr>
-            <a:lvl3pPr lvl="2">
-              <a:buNone/>
-              <a:defRPr/>
-            </a:lvl3pPr>
-            <a:lvl4pPr lvl="3">
-              <a:buNone/>
-              <a:defRPr/>
-            </a:lvl4pPr>
-            <a:lvl5pPr lvl="4">
-              <a:buNone/>
-              <a:defRPr/>
-            </a:lvl5pPr>
-            <a:lvl6pPr lvl="5">
-              <a:buNone/>
-              <a:defRPr/>
-            </a:lvl6pPr>
-            <a:lvl7pPr lvl="6">
-              <a:buNone/>
-              <a:defRPr/>
-            </a:lvl7pPr>
-            <a:lvl8pPr lvl="7">
-              <a:buNone/>
-              <a:defRPr/>
-            </a:lvl8pPr>
-            <a:lvl9pPr lvl="8">
-              <a:buNone/>
-              <a:defRPr/>
-            </a:lvl9pPr>
-          </a:lstStyle>
-          <a:p>
-            <a:pPr marL="0" lvl="0" indent="0" algn="r" rtl="0">
-              <a:spcBef>
-                <a:spcPts val="0"/>
-              </a:spcBef>
-              <a:spcAft>
-                <a:spcPts val="0"/>
-              </a:spcAft>
-              <a:buNone/>
-            </a:pPr>
-            <a:fld id="{00000000-1234-1234-1234-123412341234}" type="slidenum">
-              <a:rPr lang="en-GB"/>
-              <a:t>‹#›</a:t>
-            </a:fld>
-            <a:endParaRPr/>
-          </a:p>
-        </p:txBody>
-      </p:sp>
-    </p:spTree>
-  </p:cSld>
-  <p:clrMapOvr>
-    <a:masterClrMapping/>
-  </p:clrMapOvr>
-</p:sldLayout>
-</file>
-
-<file path=ppt/slideLayouts/slideLayout7.xml><?xml version="1.0" encoding="utf-8"?>
-<p:sldLayout xmlns:a="http://schemas.openxmlformats.org/drawingml/2006/main" xmlns:r="http://schemas.openxmlformats.org/officeDocument/2006/relationships" xmlns:p="http://schemas.openxmlformats.org/presentationml/2006/main" matchingName="Main point">
-  <p:cSld name="MAIN_POINT">
-    <p:spTree>
-      <p:nvGrpSpPr>
-        <p:cNvPr id="1" name="Shape 32"/>
-        <p:cNvGrpSpPr/>
-        <p:nvPr/>
-      </p:nvGrpSpPr>
-      <p:grpSpPr>
-        <a:xfrm>
-          <a:off x="0" y="0"/>
-          <a:ext cx="0" cy="0"/>
-          <a:chOff x="0" y="0"/>
-          <a:chExt cx="0" cy="0"/>
-        </a:xfrm>
-      </p:grpSpPr>
-      <p:sp>
-        <p:nvSpPr>
-          <p:cNvPr id="33" name="Google Shape;33;p8"/>
-          <p:cNvSpPr txBox="1">
-            <a:spLocks noGrp="1"/>
-          </p:cNvSpPr>
-          <p:nvPr>
-            <p:ph type="title"/>
-          </p:nvPr>
-        </p:nvSpPr>
-        <p:spPr>
-          <a:xfrm>
-            <a:off x="490250" y="450150"/>
-            <a:ext cx="6367800" cy="4090800"/>
-          </a:xfrm>
-          <a:prstGeom prst="rect">
-            <a:avLst/>
-          </a:prstGeom>
-        </p:spPr>
-        <p:txBody>
-          <a:bodyPr spcFirstLastPara="1" wrap="square" lIns="91425" tIns="91425" rIns="91425" bIns="91425" anchor="ctr" anchorCtr="0"/>
-          <a:lstStyle>
-            <a:lvl1pPr lvl="0">
-              <a:spcBef>
-                <a:spcPts val="0"/>
-              </a:spcBef>
-              <a:spcAft>
-                <a:spcPts val="0"/>
-              </a:spcAft>
-              <a:buSzPts val="4800"/>
-              <a:buNone/>
-              <a:defRPr sz="4800"/>
-            </a:lvl1pPr>
-            <a:lvl2pPr lvl="1">
-              <a:spcBef>
-                <a:spcPts val="0"/>
-              </a:spcBef>
-              <a:spcAft>
-                <a:spcPts val="0"/>
-              </a:spcAft>
-              <a:buSzPts val="4800"/>
-              <a:buNone/>
-              <a:defRPr sz="4800"/>
-            </a:lvl2pPr>
-            <a:lvl3pPr lvl="2">
-              <a:spcBef>
-                <a:spcPts val="0"/>
-              </a:spcBef>
-              <a:spcAft>
-                <a:spcPts val="0"/>
-              </a:spcAft>
-              <a:buSzPts val="4800"/>
-              <a:buNone/>
-              <a:defRPr sz="4800"/>
-            </a:lvl3pPr>
-            <a:lvl4pPr lvl="3">
-              <a:spcBef>
-                <a:spcPts val="0"/>
-              </a:spcBef>
-              <a:spcAft>
-                <a:spcPts val="0"/>
-              </a:spcAft>
-              <a:buSzPts val="4800"/>
-              <a:buNone/>
-              <a:defRPr sz="4800"/>
-            </a:lvl4pPr>
-            <a:lvl5pPr lvl="4">
-              <a:spcBef>
-                <a:spcPts val="0"/>
-              </a:spcBef>
-              <a:spcAft>
-                <a:spcPts val="0"/>
-              </a:spcAft>
-              <a:buSzPts val="4800"/>
-              <a:buNone/>
-              <a:defRPr sz="4800"/>
-            </a:lvl5pPr>
-            <a:lvl6pPr lvl="5">
-              <a:spcBef>
-                <a:spcPts val="0"/>
-              </a:spcBef>
-              <a:spcAft>
-                <a:spcPts val="0"/>
-              </a:spcAft>
-              <a:buSzPts val="4800"/>
-              <a:buNone/>
-              <a:defRPr sz="4800"/>
-            </a:lvl6pPr>
-            <a:lvl7pPr lvl="6">
-              <a:spcBef>
-                <a:spcPts val="0"/>
-              </a:spcBef>
-              <a:spcAft>
-                <a:spcPts val="0"/>
-              </a:spcAft>
-              <a:buSzPts val="4800"/>
-              <a:buNone/>
-              <a:defRPr sz="4800"/>
-            </a:lvl7pPr>
-            <a:lvl8pPr lvl="7">
-              <a:spcBef>
-                <a:spcPts val="0"/>
-              </a:spcBef>
-              <a:spcAft>
-                <a:spcPts val="0"/>
-              </a:spcAft>
-              <a:buSzPts val="4800"/>
-              <a:buNone/>
-              <a:defRPr sz="4800"/>
-            </a:lvl8pPr>
-            <a:lvl9pPr lvl="8">
-              <a:spcBef>
-                <a:spcPts val="0"/>
-              </a:spcBef>
-              <a:spcAft>
-                <a:spcPts val="0"/>
-              </a:spcAft>
-              <a:buSzPts val="4800"/>
-              <a:buNone/>
-              <a:defRPr sz="4800"/>
-            </a:lvl9pPr>
-          </a:lstStyle>
-          <a:p>
-            <a:endParaRPr/>
-          </a:p>
-        </p:txBody>
-      </p:sp>
-      <p:sp>
-        <p:nvSpPr>
-          <p:cNvPr id="34" name="Google Shape;34;p8"/>
-          <p:cNvSpPr txBox="1">
-            <a:spLocks noGrp="1"/>
-          </p:cNvSpPr>
-          <p:nvPr>
-            <p:ph type="sldNum" idx="12"/>
-          </p:nvPr>
-        </p:nvSpPr>
-        <p:spPr>
-          <a:xfrm>
-            <a:off x="8472458" y="4663217"/>
-            <a:ext cx="548700" cy="393600"/>
-          </a:xfrm>
-          <a:prstGeom prst="rect">
-            <a:avLst/>
-          </a:prstGeom>
-        </p:spPr>
-        <p:txBody>
-          <a:bodyPr spcFirstLastPara="1" wrap="square" lIns="91425" tIns="91425" rIns="91425" bIns="91425" anchor="ctr" anchorCtr="0">
-            <a:noAutofit/>
-          </a:bodyPr>
-          <a:lstStyle>
-            <a:lvl1pPr lvl="0">
-              <a:buNone/>
-              <a:defRPr/>
-            </a:lvl1pPr>
-            <a:lvl2pPr lvl="1">
-              <a:buNone/>
-              <a:defRPr/>
-            </a:lvl2pPr>
-            <a:lvl3pPr lvl="2">
-              <a:buNone/>
-              <a:defRPr/>
-            </a:lvl3pPr>
-            <a:lvl4pPr lvl="3">
-              <a:buNone/>
-              <a:defRPr/>
-            </a:lvl4pPr>
-            <a:lvl5pPr lvl="4">
-              <a:buNone/>
-              <a:defRPr/>
-            </a:lvl5pPr>
-            <a:lvl6pPr lvl="5">
-              <a:buNone/>
-              <a:defRPr/>
-            </a:lvl6pPr>
-            <a:lvl7pPr lvl="6">
-              <a:buNone/>
-              <a:defRPr/>
-            </a:lvl7pPr>
-            <a:lvl8pPr lvl="7">
-              <a:buNone/>
-              <a:defRPr/>
-            </a:lvl8pPr>
-            <a:lvl9pPr lvl="8">
-              <a:buNone/>
-              <a:defRPr/>
-            </a:lvl9pPr>
-          </a:lstStyle>
-          <a:p>
-            <a:pPr marL="0" lvl="0" indent="0" algn="r" rtl="0">
-              <a:spcBef>
-                <a:spcPts val="0"/>
-              </a:spcBef>
-              <a:spcAft>
-                <a:spcPts val="0"/>
-              </a:spcAft>
-              <a:buNone/>
-            </a:pPr>
-            <a:fld id="{00000000-1234-1234-1234-123412341234}" type="slidenum">
-              <a:rPr lang="en-GB"/>
-              <a:t>‹#›</a:t>
-            </a:fld>
-            <a:endParaRPr/>
-          </a:p>
-        </p:txBody>
-      </p:sp>
-    </p:spTree>
-  </p:cSld>
-  <p:clrMapOvr>
-    <a:masterClrMapping/>
-  </p:clrMapOvr>
-</p:sldLayout>
-</file>
-
-<file path=ppt/slideLayouts/slideLayout8.xml><?xml version="1.0" encoding="utf-8"?>
-<p:sldLayout xmlns:a="http://schemas.openxmlformats.org/drawingml/2006/main" xmlns:r="http://schemas.openxmlformats.org/officeDocument/2006/relationships" xmlns:p="http://schemas.openxmlformats.org/presentationml/2006/main" matchingName="Section title and description">
-  <p:cSld name="SECTION_TITLE_AND_DESCRIPTION">
-    <p:spTree>
-      <p:nvGrpSpPr>
-        <p:cNvPr id="1" name="Shape 35"/>
-        <p:cNvGrpSpPr/>
-        <p:nvPr/>
-      </p:nvGrpSpPr>
-      <p:grpSpPr>
-        <a:xfrm>
-          <a:off x="0" y="0"/>
-          <a:ext cx="0" cy="0"/>
-          <a:chOff x="0" y="0"/>
-          <a:chExt cx="0" cy="0"/>
-        </a:xfrm>
-      </p:grpSpPr>
-      <p:sp>
-        <p:nvSpPr>
-          <p:cNvPr id="36" name="Google Shape;36;p9"/>
-          <p:cNvSpPr/>
-          <p:nvPr/>
-        </p:nvSpPr>
-        <p:spPr>
-          <a:xfrm>
-            <a:off x="4572000" y="-125"/>
-            <a:ext cx="4572000" cy="5143500"/>
-          </a:xfrm>
-          <a:prstGeom prst="rect">
-            <a:avLst/>
-          </a:prstGeom>
-          <a:solidFill>
-            <a:schemeClr val="lt2"/>
-          </a:solidFill>
-          <a:ln>
-            <a:noFill/>
-          </a:ln>
-        </p:spPr>
-        <p:txBody>
-          <a:bodyPr spcFirstLastPara="1" wrap="square" lIns="91425" tIns="91425" rIns="91425" bIns="91425" anchor="ctr" anchorCtr="0">
-            <a:noAutofit/>
-          </a:bodyPr>
-          <a:lstStyle/>
-          <a:p>
-            <a:pPr marL="0" lvl="0" indent="0" algn="l" rtl="0">
-              <a:spcBef>
-                <a:spcPts val="0"/>
-              </a:spcBef>
-              <a:spcAft>
-                <a:spcPts val="0"/>
-              </a:spcAft>
-              <a:buNone/>
-            </a:pPr>
-            <a:endParaRPr/>
-          </a:p>
-        </p:txBody>
-      </p:sp>
-      <p:sp>
-        <p:nvSpPr>
-          <p:cNvPr id="37" name="Google Shape;37;p9"/>
-          <p:cNvSpPr txBox="1">
-            <a:spLocks noGrp="1"/>
-          </p:cNvSpPr>
-          <p:nvPr>
-            <p:ph type="title"/>
-          </p:nvPr>
-        </p:nvSpPr>
-        <p:spPr>
-          <a:xfrm>
-            <a:off x="265500" y="1233175"/>
-            <a:ext cx="4045200" cy="1482300"/>
-          </a:xfrm>
-          <a:prstGeom prst="rect">
-            <a:avLst/>
-          </a:prstGeom>
-        </p:spPr>
-        <p:txBody>
-          <a:bodyPr spcFirstLastPara="1" wrap="square" lIns="91425" tIns="91425" rIns="91425" bIns="91425" anchor="b" anchorCtr="0"/>
-          <a:lstStyle>
-            <a:lvl1pPr lvl="0" algn="ctr">
-              <a:spcBef>
-                <a:spcPts val="0"/>
-              </a:spcBef>
-              <a:spcAft>
-                <a:spcPts val="0"/>
-              </a:spcAft>
-              <a:buSzPts val="4200"/>
-              <a:buNone/>
-              <a:defRPr sz="4200"/>
-            </a:lvl1pPr>
-            <a:lvl2pPr lvl="1" algn="ctr">
-              <a:spcBef>
-                <a:spcPts val="0"/>
-              </a:spcBef>
-              <a:spcAft>
-                <a:spcPts val="0"/>
-              </a:spcAft>
-              <a:buSzPts val="4200"/>
-              <a:buNone/>
-              <a:defRPr sz="4200"/>
-            </a:lvl2pPr>
-            <a:lvl3pPr lvl="2" algn="ctr">
-              <a:spcBef>
-                <a:spcPts val="0"/>
-              </a:spcBef>
-              <a:spcAft>
-                <a:spcPts val="0"/>
-              </a:spcAft>
-              <a:buSzPts val="4200"/>
-              <a:buNone/>
-              <a:defRPr sz="4200"/>
-            </a:lvl3pPr>
-            <a:lvl4pPr lvl="3" algn="ctr">
-              <a:spcBef>
-                <a:spcPts val="0"/>
-              </a:spcBef>
-              <a:spcAft>
-                <a:spcPts val="0"/>
-              </a:spcAft>
-              <a:buSzPts val="4200"/>
-              <a:buNone/>
-              <a:defRPr sz="4200"/>
-            </a:lvl4pPr>
-            <a:lvl5pPr lvl="4" algn="ctr">
-              <a:spcBef>
-                <a:spcPts val="0"/>
-              </a:spcBef>
-              <a:spcAft>
-                <a:spcPts val="0"/>
-              </a:spcAft>
-              <a:buSzPts val="4200"/>
-              <a:buNone/>
-              <a:defRPr sz="4200"/>
-            </a:lvl5pPr>
-            <a:lvl6pPr lvl="5" algn="ctr">
-              <a:spcBef>
-                <a:spcPts val="0"/>
-              </a:spcBef>
-              <a:spcAft>
-                <a:spcPts val="0"/>
-              </a:spcAft>
-              <a:buSzPts val="4200"/>
-              <a:buNone/>
-              <a:defRPr sz="4200"/>
-            </a:lvl6pPr>
-            <a:lvl7pPr lvl="6" algn="ctr">
-              <a:spcBef>
-                <a:spcPts val="0"/>
-              </a:spcBef>
-              <a:spcAft>
-                <a:spcPts val="0"/>
-              </a:spcAft>
-              <a:buSzPts val="4200"/>
-              <a:buNone/>
-              <a:defRPr sz="4200"/>
-            </a:lvl7pPr>
-            <a:lvl8pPr lvl="7" algn="ctr">
-              <a:spcBef>
-                <a:spcPts val="0"/>
-              </a:spcBef>
-              <a:spcAft>
-                <a:spcPts val="0"/>
-              </a:spcAft>
-              <a:buSzPts val="4200"/>
-              <a:buNone/>
-              <a:defRPr sz="4200"/>
-            </a:lvl8pPr>
-            <a:lvl9pPr lvl="8" algn="ctr">
-              <a:spcBef>
-                <a:spcPts val="0"/>
-              </a:spcBef>
-              <a:spcAft>
-                <a:spcPts val="0"/>
-              </a:spcAft>
-              <a:buSzPts val="4200"/>
-              <a:buNone/>
-              <a:defRPr sz="4200"/>
-            </a:lvl9pPr>
-          </a:lstStyle>
-          <a:p>
-            <a:endParaRPr/>
-          </a:p>
-        </p:txBody>
-      </p:sp>
-      <p:sp>
-        <p:nvSpPr>
-          <p:cNvPr id="38" name="Google Shape;38;p9"/>
-          <p:cNvSpPr txBox="1">
-            <a:spLocks noGrp="1"/>
-          </p:cNvSpPr>
-          <p:nvPr>
-            <p:ph type="subTitle" idx="1"/>
-          </p:nvPr>
-        </p:nvSpPr>
-        <p:spPr>
-          <a:xfrm>
-            <a:off x="265500" y="2803075"/>
-            <a:ext cx="4045200" cy="1235100"/>
-          </a:xfrm>
-          <a:prstGeom prst="rect">
-            <a:avLst/>
-          </a:prstGeom>
-        </p:spPr>
-        <p:txBody>
-          <a:bodyPr spcFirstLastPara="1" wrap="square" lIns="91425" tIns="91425" rIns="91425" bIns="91425" anchor="t" anchorCtr="0"/>
-          <a:lstStyle>
-            <a:lvl1pPr lvl="0" algn="ctr">
-              <a:lnSpc>
-                <a:spcPct val="100000"/>
-              </a:lnSpc>
-              <a:spcBef>
-                <a:spcPts val="0"/>
-              </a:spcBef>
-              <a:spcAft>
-                <a:spcPts val="0"/>
-              </a:spcAft>
-              <a:buSzPts val="2100"/>
-              <a:buNone/>
-              <a:defRPr sz="2100"/>
-            </a:lvl1pPr>
-            <a:lvl2pPr lvl="1" algn="ctr">
-              <a:lnSpc>
-                <a:spcPct val="100000"/>
-              </a:lnSpc>
-              <a:spcBef>
-                <a:spcPts val="0"/>
-              </a:spcBef>
-              <a:spcAft>
-                <a:spcPts val="0"/>
-              </a:spcAft>
-              <a:buSzPts val="2100"/>
-              <a:buNone/>
-              <a:defRPr sz="2100"/>
-            </a:lvl2pPr>
-            <a:lvl3pPr lvl="2" algn="ctr">
-              <a:lnSpc>
-                <a:spcPct val="100000"/>
-              </a:lnSpc>
-              <a:spcBef>
-                <a:spcPts val="0"/>
-              </a:spcBef>
-              <a:spcAft>
-                <a:spcPts val="0"/>
-              </a:spcAft>
-              <a:buSzPts val="2100"/>
-              <a:buNone/>
-              <a:defRPr sz="2100"/>
-            </a:lvl3pPr>
-            <a:lvl4pPr lvl="3" algn="ctr">
-              <a:lnSpc>
-                <a:spcPct val="100000"/>
-              </a:lnSpc>
-              <a:spcBef>
-                <a:spcPts val="0"/>
-              </a:spcBef>
-              <a:spcAft>
-                <a:spcPts val="0"/>
-              </a:spcAft>
-              <a:buSzPts val="2100"/>
-              <a:buNone/>
-              <a:defRPr sz="2100"/>
-            </a:lvl4pPr>
-            <a:lvl5pPr lvl="4" algn="ctr">
-              <a:lnSpc>
-                <a:spcPct val="100000"/>
-              </a:lnSpc>
-              <a:spcBef>
-                <a:spcPts val="0"/>
-              </a:spcBef>
-              <a:spcAft>
-                <a:spcPts val="0"/>
-              </a:spcAft>
-              <a:buSzPts val="2100"/>
-              <a:buNone/>
-              <a:defRPr sz="2100"/>
-            </a:lvl5pPr>
-            <a:lvl6pPr lvl="5" algn="ctr">
-              <a:lnSpc>
-                <a:spcPct val="100000"/>
-              </a:lnSpc>
-              <a:spcBef>
-                <a:spcPts val="0"/>
-              </a:spcBef>
-              <a:spcAft>
-                <a:spcPts val="0"/>
-              </a:spcAft>
-              <a:buSzPts val="2100"/>
-              <a:buNone/>
-              <a:defRPr sz="2100"/>
-            </a:lvl6pPr>
-            <a:lvl7pPr lvl="6" algn="ctr">
-              <a:lnSpc>
-                <a:spcPct val="100000"/>
-              </a:lnSpc>
-              <a:spcBef>
-                <a:spcPts val="0"/>
-              </a:spcBef>
-              <a:spcAft>
-                <a:spcPts val="0"/>
-              </a:spcAft>
-              <a:buSzPts val="2100"/>
-              <a:buNone/>
-              <a:defRPr sz="2100"/>
-            </a:lvl7pPr>
-            <a:lvl8pPr lvl="7" algn="ctr">
-              <a:lnSpc>
-                <a:spcPct val="100000"/>
-              </a:lnSpc>
-              <a:spcBef>
-                <a:spcPts val="0"/>
-              </a:spcBef>
-              <a:spcAft>
-                <a:spcPts val="0"/>
-              </a:spcAft>
-              <a:buSzPts val="2100"/>
-              <a:buNone/>
-              <a:defRPr sz="2100"/>
-            </a:lvl8pPr>
-            <a:lvl9pPr lvl="8" algn="ctr">
-              <a:lnSpc>
-                <a:spcPct val="100000"/>
-              </a:lnSpc>
-              <a:spcBef>
-                <a:spcPts val="0"/>
-              </a:spcBef>
-              <a:spcAft>
-                <a:spcPts val="0"/>
-              </a:spcAft>
-              <a:buSzPts val="2100"/>
-              <a:buNone/>
-              <a:defRPr sz="2100"/>
-            </a:lvl9pPr>
-          </a:lstStyle>
-          <a:p>
-            <a:endParaRPr/>
-          </a:p>
-        </p:txBody>
-      </p:sp>
-      <p:sp>
-        <p:nvSpPr>
-          <p:cNvPr id="39" name="Google Shape;39;p9"/>
-          <p:cNvSpPr txBox="1">
-            <a:spLocks noGrp="1"/>
-          </p:cNvSpPr>
-          <p:nvPr>
-            <p:ph type="body" idx="2"/>
-          </p:nvPr>
-        </p:nvSpPr>
-        <p:spPr>
-          <a:xfrm>
-            <a:off x="4939500" y="724075"/>
-            <a:ext cx="3837000" cy="3695100"/>
-          </a:xfrm>
-          <a:prstGeom prst="rect">
-            <a:avLst/>
-          </a:prstGeom>
-        </p:spPr>
-        <p:txBody>
-          <a:bodyPr spcFirstLastPara="1" wrap="square" lIns="91425" tIns="91425" rIns="91425" bIns="91425" anchor="ctr" anchorCtr="0"/>
-          <a:lstStyle>
-            <a:lvl1pPr marL="457200" lvl="0" indent="-342900">
-              <a:spcBef>
-                <a:spcPts val="0"/>
-              </a:spcBef>
-              <a:spcAft>
-                <a:spcPts val="0"/>
-              </a:spcAft>
-              <a:buSzPts val="1800"/>
-              <a:buChar char="●"/>
-              <a:defRPr/>
-            </a:lvl1pPr>
-            <a:lvl2pPr marL="914400" lvl="1" indent="-317500">
-              <a:spcBef>
-                <a:spcPts val="1600"/>
-              </a:spcBef>
-              <a:spcAft>
-                <a:spcPts val="0"/>
-              </a:spcAft>
-              <a:buSzPts val="1400"/>
-              <a:buChar char="○"/>
-              <a:defRPr/>
-            </a:lvl2pPr>
-            <a:lvl3pPr marL="1371600" lvl="2" indent="-317500">
-              <a:spcBef>
-                <a:spcPts val="1600"/>
-              </a:spcBef>
-              <a:spcAft>
-                <a:spcPts val="0"/>
-              </a:spcAft>
-              <a:buSzPts val="1400"/>
-              <a:buChar char="■"/>
-              <a:defRPr/>
-            </a:lvl3pPr>
-            <a:lvl4pPr marL="1828800" lvl="3" indent="-317500">
-              <a:spcBef>
-                <a:spcPts val="1600"/>
-              </a:spcBef>
-              <a:spcAft>
-                <a:spcPts val="0"/>
-              </a:spcAft>
-              <a:buSzPts val="1400"/>
-              <a:buChar char="●"/>
-              <a:defRPr/>
-            </a:lvl4pPr>
-            <a:lvl5pPr marL="2286000" lvl="4" indent="-317500">
-              <a:spcBef>
-                <a:spcPts val="1600"/>
-              </a:spcBef>
-              <a:spcAft>
-                <a:spcPts val="0"/>
-              </a:spcAft>
-              <a:buSzPts val="1400"/>
-              <a:buChar char="○"/>
-              <a:defRPr/>
-            </a:lvl5pPr>
-            <a:lvl6pPr marL="2743200" lvl="5" indent="-317500">
-              <a:spcBef>
-                <a:spcPts val="1600"/>
-              </a:spcBef>
-              <a:spcAft>
-                <a:spcPts val="0"/>
-              </a:spcAft>
-              <a:buSzPts val="1400"/>
-              <a:buChar char="■"/>
-              <a:defRPr/>
-            </a:lvl6pPr>
-            <a:lvl7pPr marL="3200400" lvl="6" indent="-317500">
-              <a:spcBef>
-                <a:spcPts val="1600"/>
-              </a:spcBef>
-              <a:spcAft>
-                <a:spcPts val="0"/>
-              </a:spcAft>
-              <a:buSzPts val="1400"/>
-              <a:buChar char="●"/>
-              <a:defRPr/>
-            </a:lvl7pPr>
-            <a:lvl8pPr marL="3657600" lvl="7" indent="-317500">
-              <a:spcBef>
-                <a:spcPts val="1600"/>
-              </a:spcBef>
-              <a:spcAft>
-                <a:spcPts val="0"/>
-              </a:spcAft>
-              <a:buSzPts val="1400"/>
-              <a:buChar char="○"/>
-              <a:defRPr/>
-            </a:lvl8pPr>
-            <a:lvl9pPr marL="4114800" lvl="8" indent="-317500">
-              <a:spcBef>
-                <a:spcPts val="1600"/>
-              </a:spcBef>
-              <a:spcAft>
-                <a:spcPts val="1600"/>
-              </a:spcAft>
-              <a:buSzPts val="1400"/>
-              <a:buChar char="■"/>
-              <a:defRPr/>
-            </a:lvl9pPr>
-          </a:lstStyle>
-          <a:p>
-            <a:endParaRPr/>
-          </a:p>
-        </p:txBody>
-      </p:sp>
-      <p:sp>
-        <p:nvSpPr>
-          <p:cNvPr id="40" name="Google Shape;40;p9"/>
-          <p:cNvSpPr txBox="1">
-            <a:spLocks noGrp="1"/>
-          </p:cNvSpPr>
-          <p:nvPr>
-            <p:ph type="sldNum" idx="12"/>
-          </p:nvPr>
-        </p:nvSpPr>
-        <p:spPr>
-          <a:xfrm>
-            <a:off x="8472458" y="4663217"/>
-            <a:ext cx="548700" cy="393600"/>
-          </a:xfrm>
-          <a:prstGeom prst="rect">
-            <a:avLst/>
-          </a:prstGeom>
-        </p:spPr>
-        <p:txBody>
-          <a:bodyPr spcFirstLastPara="1" wrap="square" lIns="91425" tIns="91425" rIns="91425" bIns="91425" anchor="ctr" anchorCtr="0">
-            <a:noAutofit/>
-          </a:bodyPr>
-          <a:lstStyle>
-            <a:lvl1pPr lvl="0">
-              <a:buNone/>
-              <a:defRPr/>
-            </a:lvl1pPr>
-            <a:lvl2pPr lvl="1">
-              <a:buNone/>
-              <a:defRPr/>
-            </a:lvl2pPr>
-            <a:lvl3pPr lvl="2">
-              <a:buNone/>
-              <a:defRPr/>
-            </a:lvl3pPr>
-            <a:lvl4pPr lvl="3">
-              <a:buNone/>
-              <a:defRPr/>
-            </a:lvl4pPr>
-            <a:lvl5pPr lvl="4">
-              <a:buNone/>
-              <a:defRPr/>
-            </a:lvl5pPr>
-            <a:lvl6pPr lvl="5">
-              <a:buNone/>
-              <a:defRPr/>
-            </a:lvl6pPr>
-            <a:lvl7pPr lvl="6">
-              <a:buNone/>
-              <a:defRPr/>
-            </a:lvl7pPr>
-            <a:lvl8pPr lvl="7">
-              <a:buNone/>
-              <a:defRPr/>
-            </a:lvl8pPr>
-            <a:lvl9pPr lvl="8">
-              <a:buNone/>
-              <a:defRPr/>
-            </a:lvl9pPr>
-          </a:lstStyle>
-          <a:p>
-            <a:pPr marL="0" lvl="0" indent="0" algn="r" rtl="0">
-              <a:spcBef>
-                <a:spcPts val="0"/>
-              </a:spcBef>
-              <a:spcAft>
-                <a:spcPts val="0"/>
-              </a:spcAft>
-              <a:buNone/>
-            </a:pPr>
-            <a:fld id="{00000000-1234-1234-1234-123412341234}" type="slidenum">
-              <a:rPr lang="en-GB"/>
-              <a:t>‹#›</a:t>
-            </a:fld>
-            <a:endParaRPr/>
-          </a:p>
-        </p:txBody>
-      </p:sp>
-    </p:spTree>
-  </p:cSld>
-  <p:clrMapOvr>
-    <a:masterClrMapping/>
-  </p:clrMapOvr>
-</p:sldLayout>
-</file>
-
-<file path=ppt/slideLayouts/slideLayout9.xml><?xml version="1.0" encoding="utf-8"?>
-<p:sldLayout xmlns:a="http://schemas.openxmlformats.org/drawingml/2006/main" xmlns:r="http://schemas.openxmlformats.org/officeDocument/2006/relationships" xmlns:p="http://schemas.openxmlformats.org/presentationml/2006/main" matchingName="Caption">
-  <p:cSld name="CAPTION_ONLY">
-    <p:spTree>
-      <p:nvGrpSpPr>
-        <p:cNvPr id="1" name="Shape 41"/>
-        <p:cNvGrpSpPr/>
-        <p:nvPr/>
-      </p:nvGrpSpPr>
-      <p:grpSpPr>
-        <a:xfrm>
-          <a:off x="0" y="0"/>
-          <a:ext cx="0" cy="0"/>
-          <a:chOff x="0" y="0"/>
-          <a:chExt cx="0" cy="0"/>
-        </a:xfrm>
-      </p:grpSpPr>
-      <p:sp>
-        <p:nvSpPr>
-          <p:cNvPr id="42" name="Google Shape;42;p10"/>
-          <p:cNvSpPr txBox="1">
-            <a:spLocks noGrp="1"/>
-          </p:cNvSpPr>
-          <p:nvPr>
-            <p:ph type="body" idx="1"/>
-          </p:nvPr>
-        </p:nvSpPr>
-        <p:spPr>
-          <a:xfrm>
-            <a:off x="311700" y="4230575"/>
-            <a:ext cx="5998800" cy="605100"/>
-          </a:xfrm>
-          <a:prstGeom prst="rect">
-            <a:avLst/>
-          </a:prstGeom>
-        </p:spPr>
-        <p:txBody>
-          <a:bodyPr spcFirstLastPara="1" wrap="square" lIns="91425" tIns="91425" rIns="91425" bIns="91425" anchor="ctr" anchorCtr="0"/>
-          <a:lstStyle>
-            <a:lvl1pPr marL="457200" lvl="0" indent="-228600">
-              <a:lnSpc>
-                <a:spcPct val="100000"/>
-              </a:lnSpc>
-              <a:spcBef>
-                <a:spcPts val="0"/>
-              </a:spcBef>
-              <a:spcAft>
-                <a:spcPts val="0"/>
-              </a:spcAft>
-              <a:buSzPts val="1800"/>
-              <a:buNone/>
-              <a:defRPr/>
-            </a:lvl1pPr>
-          </a:lstStyle>
-          <a:p>
-            <a:endParaRPr/>
-          </a:p>
-        </p:txBody>
-      </p:sp>
-      <p:sp>
-        <p:nvSpPr>
-          <p:cNvPr id="43" name="Google Shape;43;p10"/>
-          <p:cNvSpPr txBox="1">
-            <a:spLocks noGrp="1"/>
-          </p:cNvSpPr>
-          <p:nvPr>
-            <p:ph type="sldNum" idx="12"/>
-          </p:nvPr>
-        </p:nvSpPr>
-        <p:spPr>
-          <a:xfrm>
-            <a:off x="8472458" y="4663217"/>
-            <a:ext cx="548700" cy="393600"/>
-          </a:xfrm>
-          <a:prstGeom prst="rect">
-            <a:avLst/>
-          </a:prstGeom>
-        </p:spPr>
-        <p:txBody>
-          <a:bodyPr spcFirstLastPara="1" wrap="square" lIns="91425" tIns="91425" rIns="91425" bIns="91425" anchor="ctr" anchorCtr="0">
-            <a:noAutofit/>
-          </a:bodyPr>
-          <a:lstStyle>
-            <a:lvl1pPr lvl="0">
-              <a:buNone/>
-              <a:defRPr/>
-            </a:lvl1pPr>
-            <a:lvl2pPr lvl="1">
-              <a:buNone/>
-              <a:defRPr/>
-            </a:lvl2pPr>
-            <a:lvl3pPr lvl="2">
-              <a:buNone/>
-              <a:defRPr/>
-            </a:lvl3pPr>
-            <a:lvl4pPr lvl="3">
-              <a:buNone/>
-              <a:defRPr/>
-            </a:lvl4pPr>
-            <a:lvl5pPr lvl="4">
-              <a:buNone/>
-              <a:defRPr/>
-            </a:lvl5pPr>
-            <a:lvl6pPr lvl="5">
-              <a:buNone/>
-              <a:defRPr/>
-            </a:lvl6pPr>
-            <a:lvl7pPr lvl="6">
-              <a:buNone/>
-              <a:defRPr/>
-            </a:lvl7pPr>
-            <a:lvl8pPr lvl="7">
-              <a:buNone/>
-              <a:defRPr/>
-            </a:lvl8pPr>
-            <a:lvl9pPr lvl="8">
-              <a:buNone/>
-              <a:defRPr/>
-            </a:lvl9pPr>
-          </a:lstStyle>
-          <a:p>
-            <a:pPr marL="0" lvl="0" indent="0" algn="r" rtl="0">
-              <a:spcBef>
-                <a:spcPts val="0"/>
-              </a:spcBef>
-              <a:spcAft>
-                <a:spcPts val="0"/>
-              </a:spcAft>
-              <a:buNone/>
-            </a:pPr>
-            <a:fld id="{00000000-1234-1234-1234-123412341234}" type="slidenum">
-              <a:rPr lang="en-GB"/>
-              <a:t>‹#›</a:t>
-            </a:fld>
-            <a:endParaRPr/>
-          </a:p>
-        </p:txBody>
-      </p:sp>
-    </p:spTree>
-  </p:cSld>
-  <p:clrMapOvr>
-    <a:masterClrMapping/>
-  </p:clrMapOvr>
-</p:sldLayout>
-</file>
-
 <file path=ppt/slideMasters/slideMaster1.xml><?xml version="1.0" encoding="utf-8"?>
-<p:sldMaster xmlns:a="http://schemas.openxmlformats.org/drawingml/2006/main" xmlns:r="http://schemas.openxmlformats.org/officeDocument/2006/relationships" xmlns:p="http://schemas.openxmlformats.org/presentationml/2006/main">
-  <p:cSld name="simple-light-2">
-    <p:bg>
-      <p:bgPr>
-        <a:solidFill>
-          <a:schemeClr val="lt1"/>
-        </a:solidFill>
-        <a:effectLst/>
-      </p:bgPr>
-    </p:bg>
-    <p:spTree>
-      <p:nvGrpSpPr>
-        <p:cNvPr id="1" name="Shape 5"/>
-        <p:cNvGrpSpPr/>
-        <p:nvPr/>
-      </p:nvGrpSpPr>
-      <p:grpSpPr>
-        <a:xfrm>
-          <a:off x="0" y="0"/>
-          <a:ext cx="0" cy="0"/>
-          <a:chOff x="0" y="0"/>
-          <a:chExt cx="0" cy="0"/>
-        </a:xfrm>
-      </p:grpSpPr>
-      <p:sp>
-        <p:nvSpPr>
-          <p:cNvPr id="6" name="Google Shape;6;p1"/>
-          <p:cNvSpPr txBox="1">
-            <a:spLocks noGrp="1"/>
-          </p:cNvSpPr>
-          <p:nvPr>
-            <p:ph type="title"/>
-          </p:nvPr>
-        </p:nvSpPr>
-        <p:spPr>
-          <a:xfrm>
-            <a:off x="311700" y="445025"/>
-            <a:ext cx="8520600" cy="572700"/>
-          </a:xfrm>
-          <a:prstGeom prst="rect">
-            <a:avLst/>
-          </a:prstGeom>
-          <a:noFill/>
-          <a:ln>
-            <a:noFill/>
-          </a:ln>
-        </p:spPr>
-        <p:txBody>
-          <a:bodyPr spcFirstLastPara="1" wrap="square" lIns="91425" tIns="91425" rIns="91425" bIns="91425" anchor="t" anchorCtr="0"/>
-          <a:lstStyle>
-            <a:lvl1pPr lvl="0">
-              <a:spcBef>
-                <a:spcPts val="0"/>
-              </a:spcBef>
-              <a:spcAft>
-                <a:spcPts val="0"/>
-              </a:spcAft>
-              <a:buClr>
-                <a:schemeClr val="dk1"/>
-              </a:buClr>
-              <a:buSzPts val="2800"/>
-              <a:buNone/>
-              <a:defRPr sz="2800">
-                <a:solidFill>
-                  <a:schemeClr val="dk1"/>
-                </a:solidFill>
-              </a:defRPr>
-            </a:lvl1pPr>
-            <a:lvl2pPr lvl="1">
-              <a:spcBef>
-                <a:spcPts val="0"/>
-              </a:spcBef>
-              <a:spcAft>
-                <a:spcPts val="0"/>
-              </a:spcAft>
-              <a:buClr>
-                <a:schemeClr val="dk1"/>
-              </a:buClr>
-              <a:buSzPts val="2800"/>
-              <a:buNone/>
-              <a:defRPr sz="2800">
-                <a:solidFill>
-                  <a:schemeClr val="dk1"/>
-                </a:solidFill>
-              </a:defRPr>
-            </a:lvl2pPr>
-            <a:lvl3pPr lvl="2">
-              <a:spcBef>
-                <a:spcPts val="0"/>
-              </a:spcBef>
-              <a:spcAft>
-                <a:spcPts val="0"/>
-              </a:spcAft>
-              <a:buClr>
-                <a:schemeClr val="dk1"/>
-              </a:buClr>
-              <a:buSzPts val="2800"/>
-              <a:buNone/>
-              <a:defRPr sz="2800">
-                <a:solidFill>
-                  <a:schemeClr val="dk1"/>
-                </a:solidFill>
-              </a:defRPr>
-            </a:lvl3pPr>
-            <a:lvl4pPr lvl="3">
-              <a:spcBef>
-                <a:spcPts val="0"/>
-              </a:spcBef>
-              <a:spcAft>
-                <a:spcPts val="0"/>
-              </a:spcAft>
-              <a:buClr>
-                <a:schemeClr val="dk1"/>
-              </a:buClr>
-              <a:buSzPts val="2800"/>
-              <a:buNone/>
-              <a:defRPr sz="2800">
-                <a:solidFill>
-                  <a:schemeClr val="dk1"/>
-                </a:solidFill>
-              </a:defRPr>
-            </a:lvl4pPr>
-            <a:lvl5pPr lvl="4">
-              <a:spcBef>
-                <a:spcPts val="0"/>
-              </a:spcBef>
-              <a:spcAft>
-                <a:spcPts val="0"/>
-              </a:spcAft>
-              <a:buClr>
-                <a:schemeClr val="dk1"/>
-              </a:buClr>
-              <a:buSzPts val="2800"/>
-              <a:buNone/>
-              <a:defRPr sz="2800">
-                <a:solidFill>
-                  <a:schemeClr val="dk1"/>
-                </a:solidFill>
-              </a:defRPr>
-            </a:lvl5pPr>
-            <a:lvl6pPr lvl="5">
-              <a:spcBef>
-                <a:spcPts val="0"/>
-              </a:spcBef>
-              <a:spcAft>
-                <a:spcPts val="0"/>
-              </a:spcAft>
-              <a:buClr>
-                <a:schemeClr val="dk1"/>
-              </a:buClr>
-              <a:buSzPts val="2800"/>
-              <a:buNone/>
-              <a:defRPr sz="2800">
-                <a:solidFill>
-                  <a:schemeClr val="dk1"/>
-                </a:solidFill>
-              </a:defRPr>
-            </a:lvl6pPr>
-            <a:lvl7pPr lvl="6">
-              <a:spcBef>
-                <a:spcPts val="0"/>
-              </a:spcBef>
-              <a:spcAft>
-                <a:spcPts val="0"/>
-              </a:spcAft>
-              <a:buClr>
-                <a:schemeClr val="dk1"/>
-              </a:buClr>
-              <a:buSzPts val="2800"/>
-              <a:buNone/>
-              <a:defRPr sz="2800">
-                <a:solidFill>
-                  <a:schemeClr val="dk1"/>
-                </a:solidFill>
-              </a:defRPr>
-            </a:lvl7pPr>
-            <a:lvl8pPr lvl="7">
-              <a:spcBef>
-                <a:spcPts val="0"/>
-              </a:spcBef>
-              <a:spcAft>
-                <a:spcPts val="0"/>
-              </a:spcAft>
-              <a:buClr>
-                <a:schemeClr val="dk1"/>
-              </a:buClr>
-              <a:buSzPts val="2800"/>
-              <a:buNone/>
-              <a:defRPr sz="2800">
-                <a:solidFill>
-                  <a:schemeClr val="dk1"/>
-                </a:solidFill>
-              </a:defRPr>
-            </a:lvl8pPr>
-            <a:lvl9pPr lvl="8">
-              <a:spcBef>
-                <a:spcPts val="0"/>
-              </a:spcBef>
-              <a:spcAft>
-                <a:spcPts val="0"/>
-              </a:spcAft>
-              <a:buClr>
-                <a:schemeClr val="dk1"/>
-              </a:buClr>
-              <a:buSzPts val="2800"/>
-              <a:buNone/>
-              <a:defRPr sz="2800">
-                <a:solidFill>
-                  <a:schemeClr val="dk1"/>
-                </a:solidFill>
-              </a:defRPr>
-            </a:lvl9pPr>
-          </a:lstStyle>
-          <a:p>
-            <a:endParaRPr/>
-          </a:p>
-        </p:txBody>
-      </p:sp>
-      <p:sp>
-        <p:nvSpPr>
-          <p:cNvPr id="7" name="Google Shape;7;p1"/>
-          <p:cNvSpPr txBox="1">
-            <a:spLocks noGrp="1"/>
-          </p:cNvSpPr>
-          <p:nvPr>
-            <p:ph type="body" idx="1"/>
-          </p:nvPr>
-        </p:nvSpPr>
-        <p:spPr>
-          <a:xfrm>
-            <a:off x="311700" y="1152475"/>
-            <a:ext cx="8520600" cy="3416400"/>
-          </a:xfrm>
-          <a:prstGeom prst="rect">
-            <a:avLst/>
-          </a:prstGeom>
-          <a:noFill/>
-          <a:ln>
-            <a:noFill/>
-          </a:ln>
-        </p:spPr>
-        <p:txBody>
-          <a:bodyPr spcFirstLastPara="1" wrap="square" lIns="91425" tIns="91425" rIns="91425" bIns="91425" anchor="t" anchorCtr="0"/>
-          <a:lstStyle>
-            <a:lvl1pPr marL="457200" lvl="0" indent="-342900">
-              <a:lnSpc>
-                <a:spcPct val="115000"/>
-              </a:lnSpc>
-              <a:spcBef>
-                <a:spcPts val="0"/>
-              </a:spcBef>
-              <a:spcAft>
-                <a:spcPts val="0"/>
-              </a:spcAft>
-              <a:buClr>
-                <a:schemeClr val="dk2"/>
-              </a:buClr>
-              <a:buSzPts val="1800"/>
-              <a:buChar char="●"/>
-              <a:defRPr sz="1800">
-                <a:solidFill>
-                  <a:schemeClr val="dk2"/>
-                </a:solidFill>
-              </a:defRPr>
-            </a:lvl1pPr>
-            <a:lvl2pPr marL="914400" lvl="1" indent="-317500">
-              <a:lnSpc>
-                <a:spcPct val="115000"/>
-              </a:lnSpc>
-              <a:spcBef>
-                <a:spcPts val="1600"/>
-              </a:spcBef>
-              <a:spcAft>
-                <a:spcPts val="0"/>
-              </a:spcAft>
-              <a:buClr>
-                <a:schemeClr val="dk2"/>
-              </a:buClr>
-              <a:buSzPts val="1400"/>
-              <a:buChar char="○"/>
-              <a:defRPr>
-                <a:solidFill>
-                  <a:schemeClr val="dk2"/>
-                </a:solidFill>
-              </a:defRPr>
-            </a:lvl2pPr>
-            <a:lvl3pPr marL="1371600" lvl="2" indent="-317500">
-              <a:lnSpc>
-                <a:spcPct val="115000"/>
-              </a:lnSpc>
-              <a:spcBef>
-                <a:spcPts val="1600"/>
-              </a:spcBef>
-              <a:spcAft>
-                <a:spcPts val="0"/>
-              </a:spcAft>
-              <a:buClr>
-                <a:schemeClr val="dk2"/>
-              </a:buClr>
-              <a:buSzPts val="1400"/>
-              <a:buChar char="■"/>
-              <a:defRPr>
-                <a:solidFill>
-                  <a:schemeClr val="dk2"/>
-                </a:solidFill>
-              </a:defRPr>
-            </a:lvl3pPr>
-            <a:lvl4pPr marL="1828800" lvl="3" indent="-317500">
-              <a:lnSpc>
-                <a:spcPct val="115000"/>
-              </a:lnSpc>
-              <a:spcBef>
-                <a:spcPts val="1600"/>
-              </a:spcBef>
-              <a:spcAft>
-                <a:spcPts val="0"/>
-              </a:spcAft>
-              <a:buClr>
-                <a:schemeClr val="dk2"/>
-              </a:buClr>
-              <a:buSzPts val="1400"/>
-              <a:buChar char="●"/>
-              <a:defRPr>
-                <a:solidFill>
-                  <a:schemeClr val="dk2"/>
-                </a:solidFill>
-              </a:defRPr>
-            </a:lvl4pPr>
-            <a:lvl5pPr marL="2286000" lvl="4" indent="-317500">
-              <a:lnSpc>
-                <a:spcPct val="115000"/>
-              </a:lnSpc>
-              <a:spcBef>
-                <a:spcPts val="1600"/>
-              </a:spcBef>
-              <a:spcAft>
-                <a:spcPts val="0"/>
-              </a:spcAft>
-              <a:buClr>
-                <a:schemeClr val="dk2"/>
-              </a:buClr>
-              <a:buSzPts val="1400"/>
-              <a:buChar char="○"/>
-              <a:defRPr>
-                <a:solidFill>
-                  <a:schemeClr val="dk2"/>
-                </a:solidFill>
-              </a:defRPr>
-            </a:lvl5pPr>
-            <a:lvl6pPr marL="2743200" lvl="5" indent="-317500">
-              <a:lnSpc>
-                <a:spcPct val="115000"/>
-              </a:lnSpc>
-              <a:spcBef>
-                <a:spcPts val="1600"/>
-              </a:spcBef>
-              <a:spcAft>
-                <a:spcPts val="0"/>
-              </a:spcAft>
-              <a:buClr>
-                <a:schemeClr val="dk2"/>
-              </a:buClr>
-              <a:buSzPts val="1400"/>
-              <a:buChar char="■"/>
-              <a:defRPr>
-                <a:solidFill>
-                  <a:schemeClr val="dk2"/>
-                </a:solidFill>
-              </a:defRPr>
-            </a:lvl6pPr>
-            <a:lvl7pPr marL="3200400" lvl="6" indent="-317500">
-              <a:lnSpc>
-                <a:spcPct val="115000"/>
-              </a:lnSpc>
-              <a:spcBef>
-                <a:spcPts val="1600"/>
-              </a:spcBef>
-              <a:spcAft>
-                <a:spcPts val="0"/>
-              </a:spcAft>
-              <a:buClr>
-                <a:schemeClr val="dk2"/>
-              </a:buClr>
-              <a:buSzPts val="1400"/>
-              <a:buChar char="●"/>
-              <a:defRPr>
-                <a:solidFill>
-                  <a:schemeClr val="dk2"/>
-                </a:solidFill>
-              </a:defRPr>
-            </a:lvl7pPr>
-            <a:lvl8pPr marL="3657600" lvl="7" indent="-317500">
-              <a:lnSpc>
-                <a:spcPct val="115000"/>
-              </a:lnSpc>
-              <a:spcBef>
-                <a:spcPts val="1600"/>
-              </a:spcBef>
-              <a:spcAft>
-                <a:spcPts val="0"/>
-              </a:spcAft>
-              <a:buClr>
-                <a:schemeClr val="dk2"/>
-              </a:buClr>
-              <a:buSzPts val="1400"/>
-              <a:buChar char="○"/>
-              <a:defRPr>
-                <a:solidFill>
-                  <a:schemeClr val="dk2"/>
-                </a:solidFill>
-              </a:defRPr>
-            </a:lvl8pPr>
-            <a:lvl9pPr marL="4114800" lvl="8" indent="-317500">
-              <a:lnSpc>
-                <a:spcPct val="115000"/>
-              </a:lnSpc>
-              <a:spcBef>
-                <a:spcPts val="1600"/>
-              </a:spcBef>
-              <a:spcAft>
-                <a:spcPts val="1600"/>
-              </a:spcAft>
-              <a:buClr>
-                <a:schemeClr val="dk2"/>
-              </a:buClr>
-              <a:buSzPts val="1400"/>
-              <a:buChar char="■"/>
-              <a:defRPr>
-                <a:solidFill>
-                  <a:schemeClr val="dk2"/>
-                </a:solidFill>
-              </a:defRPr>
-            </a:lvl9pPr>
-          </a:lstStyle>
-          <a:p>
-            <a:endParaRPr/>
-          </a:p>
-        </p:txBody>
-      </p:sp>
-      <p:sp>
-        <p:nvSpPr>
-          <p:cNvPr id="8" name="Google Shape;8;p1"/>
-          <p:cNvSpPr txBox="1">
-            <a:spLocks noGrp="1"/>
-          </p:cNvSpPr>
-          <p:nvPr>
-            <p:ph type="sldNum" idx="12"/>
-          </p:nvPr>
-        </p:nvSpPr>
-        <p:spPr>
-          <a:xfrm>
-            <a:off x="8472458" y="4663217"/>
-            <a:ext cx="548700" cy="393600"/>
-          </a:xfrm>
-          <a:prstGeom prst="rect">
-            <a:avLst/>
-          </a:prstGeom>
-          <a:noFill/>
-          <a:ln>
-            <a:noFill/>
-          </a:ln>
-        </p:spPr>
-        <p:txBody>
-          <a:bodyPr spcFirstLastPara="1" wrap="square" lIns="91425" tIns="91425" rIns="91425" bIns="91425" anchor="ctr" anchorCtr="0">
-            <a:noAutofit/>
-          </a:bodyPr>
-          <a:lstStyle>
-            <a:lvl1pPr lvl="0" algn="r">
-              <a:buNone/>
-              <a:defRPr sz="1000">
-                <a:solidFill>
-                  <a:schemeClr val="dk2"/>
-                </a:solidFill>
-              </a:defRPr>
-            </a:lvl1pPr>
-            <a:lvl2pPr lvl="1" algn="r">
-              <a:buNone/>
-              <a:defRPr sz="1000">
-                <a:solidFill>
-                  <a:schemeClr val="dk2"/>
-                </a:solidFill>
-              </a:defRPr>
-            </a:lvl2pPr>
-            <a:lvl3pPr lvl="2" algn="r">
-              <a:buNone/>
-              <a:defRPr sz="1000">
-                <a:solidFill>
-                  <a:schemeClr val="dk2"/>
-                </a:solidFill>
-              </a:defRPr>
-            </a:lvl3pPr>
-            <a:lvl4pPr lvl="3" algn="r">
-              <a:buNone/>
-              <a:defRPr sz="1000">
-                <a:solidFill>
-                  <a:schemeClr val="dk2"/>
-                </a:solidFill>
-              </a:defRPr>
-            </a:lvl4pPr>
-            <a:lvl5pPr lvl="4" algn="r">
-              <a:buNone/>
-              <a:defRPr sz="1000">
-                <a:solidFill>
-                  <a:schemeClr val="dk2"/>
-                </a:solidFill>
-              </a:defRPr>
-            </a:lvl5pPr>
-            <a:lvl6pPr lvl="5" algn="r">
-              <a:buNone/>
-              <a:defRPr sz="1000">
-                <a:solidFill>
-                  <a:schemeClr val="dk2"/>
-                </a:solidFill>
-              </a:defRPr>
-            </a:lvl6pPr>
-            <a:lvl7pPr lvl="6" algn="r">
-              <a:buNone/>
-              <a:defRPr sz="1000">
-                <a:solidFill>
-                  <a:schemeClr val="dk2"/>
-                </a:solidFill>
-              </a:defRPr>
-            </a:lvl7pPr>
-            <a:lvl8pPr lvl="7" algn="r">
-              <a:buNone/>
-              <a:defRPr sz="1000">
-                <a:solidFill>
-                  <a:schemeClr val="dk2"/>
-                </a:solidFill>
-              </a:defRPr>
-            </a:lvl8pPr>
-            <a:lvl9pPr lvl="8" algn="r">
-              <a:buNone/>
-              <a:defRPr sz="1000">
-                <a:solidFill>
-                  <a:schemeClr val="dk2"/>
-                </a:solidFill>
-              </a:defRPr>
-            </a:lvl9pPr>
-          </a:lstStyle>
-          <a:p>
-            <a:pPr marL="0" lvl="0" indent="0" algn="r" rtl="0">
-              <a:spcBef>
-                <a:spcPts val="0"/>
-              </a:spcBef>
-              <a:spcAft>
-                <a:spcPts val="0"/>
-              </a:spcAft>
-              <a:buNone/>
-            </a:pPr>
-            <a:fld id="{00000000-1234-1234-1234-123412341234}" type="slidenum">
-              <a:rPr lang="en-GB"/>
-              <a:t>‹#›</a:t>
-            </a:fld>
-            <a:endParaRPr/>
-          </a:p>
-        </p:txBody>
-      </p:sp>
-    </p:spTree>
-  </p:cSld>
-  <p:clrMap bg1="lt1" tx1="dk1" bg2="dk2" tx2="lt2" accent1="accent1" accent2="accent2" accent3="accent3" accent4="accent4" accent5="accent5" accent6="accent6" hlink="hlink" folHlink="folHlink"/>
-  <p:sldLayoutIdLst>
-    <p:sldLayoutId id="2147483648" r:id="rId1"/>
-    <p:sldLayoutId id="2147483649" r:id="rId2"/>
-    <p:sldLayoutId id="2147483650" r:id="rId3"/>
-    <p:sldLayoutId id="2147483651" r:id="rId4"/>
-    <p:sldLayoutId id="2147483652" r:id="rId5"/>
-    <p:sldLayoutId id="2147483653" r:id="rId6"/>
-    <p:sldLayoutId id="2147483654" r:id="rId7"/>
-    <p:sldLayoutId id="2147483655" r:id="rId8"/>
-    <p:sldLayoutId id="2147483656" r:id="rId9"/>
-    <p:sldLayoutId id="2147483657" r:id="rId10"/>
-    <p:sldLayoutId id="2147483658" r:id="rId11"/>
-  </p:sldLayoutIdLst>
-  <p:hf sldNum="0" hdr="0" ftr="0" dt="0"/>
-  <p:txStyles>
-    <p:titleStyle>
-      <a:defPPr marR="0" lvl="0" algn="l" rtl="0">
-        <a:lnSpc>
-          <a:spcPct val="100000"/>
-        </a:lnSpc>
-        <a:spcBef>
-          <a:spcPts val="0"/>
-        </a:spcBef>
-        <a:spcAft>
-          <a:spcPts val="0"/>
-        </a:spcAft>
-      </a:defPPr>
-      <a:lvl1pPr marR="0" lvl="0" algn="l" rtl="0">
-        <a:lnSpc>
-          <a:spcPct val="100000"/>
-        </a:lnSpc>
-        <a:spcBef>
-          <a:spcPts val="0"/>
-        </a:spcBef>
-        <a:spcAft>
-          <a:spcPts val="0"/>
-        </a:spcAft>
-        <a:buClr>
-          <a:srgbClr val="000000"/>
-        </a:buClr>
-        <a:buFont typeface="Arial"/>
-        <a:defRPr sz="1400" b="0" i="0" u="none" strike="noStrike" cap="none">
-          <a:solidFill>
-            <a:srgbClr val="000000"/>
-          </a:solidFill>
-          <a:latin typeface="Arial"/>
-          <a:ea typeface="Arial"/>
-          <a:cs typeface="Arial"/>
-          <a:sym typeface="Arial"/>
-        </a:defRPr>
-      </a:lvl1pPr>
-      <a:lvl2pPr marR="0" lvl="1" algn="l" rtl="0">
-        <a:lnSpc>
-          <a:spcPct val="100000"/>
-        </a:lnSpc>
-        <a:spcBef>
-          <a:spcPts val="0"/>
-        </a:spcBef>
-        <a:spcAft>
-          <a:spcPts val="0"/>
-        </a:spcAft>
-        <a:buClr>
-          <a:srgbClr val="000000"/>
-        </a:buClr>
-        <a:buFont typeface="Arial"/>
-        <a:defRPr sz="1400" b="0" i="0" u="none" strike="noStrike" cap="none">
-          <a:solidFill>
-            <a:srgbClr val="000000"/>
-          </a:solidFill>
-          <a:latin typeface="Arial"/>
-          <a:ea typeface="Arial"/>
-          <a:cs typeface="Arial"/>
-          <a:sym typeface="Arial"/>
-        </a:defRPr>
-      </a:lvl2pPr>
-      <a:lvl3pPr marR="0" lvl="2" algn="l" rtl="0">
-        <a:lnSpc>
-          <a:spcPct val="100000"/>
-        </a:lnSpc>
-        <a:spcBef>
-          <a:spcPts val="0"/>
-        </a:spcBef>
-        <a:spcAft>
-          <a:spcPts val="0"/>
-        </a:spcAft>
-        <a:buClr>
-          <a:srgbClr val="000000"/>
-        </a:buClr>
-        <a:buFont typeface="Arial"/>
-        <a:defRPr sz="1400" b="0" i="0" u="none" strike="noStrike" cap="none">
-          <a:solidFill>
-            <a:srgbClr val="000000"/>
-          </a:solidFill>
-          <a:latin typeface="Arial"/>
-          <a:ea typeface="Arial"/>
-          <a:cs typeface="Arial"/>
-          <a:sym typeface="Arial"/>
-        </a:defRPr>
-      </a:lvl3pPr>
-      <a:lvl4pPr marR="0" lvl="3" algn="l" rtl="0">
-        <a:lnSpc>
-          <a:spcPct val="100000"/>
-        </a:lnSpc>
-        <a:spcBef>
-          <a:spcPts val="0"/>
-        </a:spcBef>
-        <a:spcAft>
-          <a:spcPts val="0"/>
-        </a:spcAft>
-        <a:buClr>
-          <a:srgbClr val="000000"/>
-        </a:buClr>
-        <a:buFont typeface="Arial"/>
-        <a:defRPr sz="1400" b="0" i="0" u="none" strike="noStrike" cap="none">
-          <a:solidFill>
-            <a:srgbClr val="000000"/>
-          </a:solidFill>
-          <a:latin typeface="Arial"/>
-          <a:ea typeface="Arial"/>
-          <a:cs typeface="Arial"/>
-          <a:sym typeface="Arial"/>
-        </a:defRPr>
-      </a:lvl4pPr>
-      <a:lvl5pPr marR="0" lvl="4" algn="l" rtl="0">
-        <a:lnSpc>
-          <a:spcPct val="100000"/>
-        </a:lnSpc>
-        <a:spcBef>
-          <a:spcPts val="0"/>
-        </a:spcBef>
-        <a:spcAft>
-          <a:spcPts val="0"/>
-        </a:spcAft>
-        <a:buClr>
-          <a:srgbClr val="000000"/>
-        </a:buClr>
-        <a:buFont typeface="Arial"/>
-        <a:defRPr sz="1400" b="0" i="0" u="none" strike="noStrike" cap="none">
-          <a:solidFill>
-            <a:srgbClr val="000000"/>
-          </a:solidFill>
-          <a:latin typeface="Arial"/>
-          <a:ea typeface="Arial"/>
-          <a:cs typeface="Arial"/>
-          <a:sym typeface="Arial"/>
-        </a:defRPr>
-      </a:lvl5pPr>
-      <a:lvl6pPr marR="0" lvl="5" algn="l" rtl="0">
-        <a:lnSpc>
-          <a:spcPct val="100000"/>
-        </a:lnSpc>
-        <a:spcBef>
-          <a:spcPts val="0"/>
-        </a:spcBef>
-        <a:spcAft>
-          <a:spcPts val="0"/>
-        </a:spcAft>
-        <a:buClr>
-          <a:srgbClr val="000000"/>
-        </a:buClr>
-        <a:buFont typeface="Arial"/>
-        <a:defRPr sz="1400" b="0" i="0" u="none" strike="noStrike" cap="none">
-          <a:solidFill>
-            <a:srgbClr val="000000"/>
-          </a:solidFill>
-          <a:latin typeface="Arial"/>
-          <a:ea typeface="Arial"/>
-          <a:cs typeface="Arial"/>
-          <a:sym typeface="Arial"/>
-        </a:defRPr>
-      </a:lvl6pPr>
-      <a:lvl7pPr marR="0" lvl="6" algn="l" rtl="0">
-        <a:lnSpc>
-          <a:spcPct val="100000"/>
-        </a:lnSpc>
-        <a:spcBef>
-          <a:spcPts val="0"/>
-        </a:spcBef>
-        <a:spcAft>
-          <a:spcPts val="0"/>
-        </a:spcAft>
-        <a:buClr>
-          <a:srgbClr val="000000"/>
-        </a:buClr>
-        <a:buFont typeface="Arial"/>
-        <a:defRPr sz="1400" b="0" i="0" u="none" strike="noStrike" cap="none">
-          <a:solidFill>
-            <a:srgbClr val="000000"/>
-          </a:solidFill>
-          <a:latin typeface="Arial"/>
-          <a:ea typeface="Arial"/>
-          <a:cs typeface="Arial"/>
-          <a:sym typeface="Arial"/>
-        </a:defRPr>
-      </a:lvl7pPr>
-      <a:lvl8pPr marR="0" lvl="7" algn="l" rtl="0">
-        <a:lnSpc>
-          <a:spcPct val="100000"/>
-        </a:lnSpc>
-        <a:spcBef>
-          <a:spcPts val="0"/>
-        </a:spcBef>
-        <a:spcAft>
-          <a:spcPts val="0"/>
-        </a:spcAft>
-        <a:buClr>
-          <a:srgbClr val="000000"/>
-        </a:buClr>
-        <a:buFont typeface="Arial"/>
-        <a:defRPr sz="1400" b="0" i="0" u="none" strike="noStrike" cap="none">
-          <a:solidFill>
-            <a:srgbClr val="000000"/>
-          </a:solidFill>
-          <a:latin typeface="Arial"/>
-          <a:ea typeface="Arial"/>
-          <a:cs typeface="Arial"/>
-          <a:sym typeface="Arial"/>
-        </a:defRPr>
-      </a:lvl8pPr>
-      <a:lvl9pPr marR="0" lvl="8" algn="l" rtl="0">
-        <a:lnSpc>
-          <a:spcPct val="100000"/>
-        </a:lnSpc>
-        <a:spcBef>
-          <a:spcPts val="0"/>
-        </a:spcBef>
-        <a:spcAft>
-          <a:spcPts val="0"/>
-        </a:spcAft>
-        <a:buClr>
-          <a:srgbClr val="000000"/>
-        </a:buClr>
-        <a:buFont typeface="Arial"/>
-        <a:defRPr sz="1400" b="0" i="0" u="none" strike="noStrike" cap="none">
-          <a:solidFill>
-            <a:srgbClr val="000000"/>
-          </a:solidFill>
-          <a:latin typeface="Arial"/>
-          <a:ea typeface="Arial"/>
-          <a:cs typeface="Arial"/>
-          <a:sym typeface="Arial"/>
-        </a:defRPr>
-      </a:lvl9pPr>
-    </p:titleStyle>
-    <p:bodyStyle>
-      <a:defPPr marR="0" lvl="0" algn="l" rtl="0">
-        <a:lnSpc>
-          <a:spcPct val="100000"/>
-        </a:lnSpc>
-        <a:spcBef>
-          <a:spcPts val="0"/>
-        </a:spcBef>
-        <a:spcAft>
-          <a:spcPts val="0"/>
-        </a:spcAft>
-      </a:defPPr>
-      <a:lvl1pPr marR="0" lvl="0" algn="l" rtl="0">
-        <a:lnSpc>
-          <a:spcPct val="100000"/>
-        </a:lnSpc>
-        <a:spcBef>
-          <a:spcPts val="0"/>
-        </a:spcBef>
-        <a:spcAft>
-          <a:spcPts val="0"/>
-        </a:spcAft>
-        <a:buClr>
-          <a:srgbClr val="000000"/>
-        </a:buClr>
-        <a:buFont typeface="Arial"/>
-        <a:defRPr sz="1400" b="0" i="0" u="none" strike="noStrike" cap="none">
-          <a:solidFill>
-            <a:srgbClr val="000000"/>
-          </a:solidFill>
-          <a:latin typeface="Arial"/>
-          <a:ea typeface="Arial"/>
-          <a:cs typeface="Arial"/>
-          <a:sym typeface="Arial"/>
-        </a:defRPr>
-      </a:lvl1pPr>
-      <a:lvl2pPr marR="0" lvl="1" algn="l" rtl="0">
-        <a:lnSpc>
-          <a:spcPct val="100000"/>
-        </a:lnSpc>
-        <a:spcBef>
-          <a:spcPts val="0"/>
-        </a:spcBef>
-        <a:spcAft>
-          <a:spcPts val="0"/>
-        </a:spcAft>
-        <a:buClr>
-          <a:srgbClr val="000000"/>
-        </a:buClr>
-        <a:buFont typeface="Arial"/>
-        <a:defRPr sz="1400" b="0" i="0" u="none" strike="noStrike" cap="none">
-          <a:solidFill>
-            <a:srgbClr val="000000"/>
-          </a:solidFill>
-          <a:latin typeface="Arial"/>
-          <a:ea typeface="Arial"/>
-          <a:cs typeface="Arial"/>
-          <a:sym typeface="Arial"/>
-        </a:defRPr>
-      </a:lvl2pPr>
-      <a:lvl3pPr marR="0" lvl="2" algn="l" rtl="0">
-        <a:lnSpc>
-          <a:spcPct val="100000"/>
-        </a:lnSpc>
-        <a:spcBef>
-          <a:spcPts val="0"/>
-        </a:spcBef>
-        <a:spcAft>
-          <a:spcPts val="0"/>
-        </a:spcAft>
-        <a:buClr>
-          <a:srgbClr val="000000"/>
-        </a:buClr>
-        <a:buFont typeface="Arial"/>
-        <a:defRPr sz="1400" b="0" i="0" u="none" strike="noStrike" cap="none">
-          <a:solidFill>
-            <a:srgbClr val="000000"/>
-          </a:solidFill>
-          <a:latin typeface="Arial"/>
-          <a:ea typeface="Arial"/>
-          <a:cs typeface="Arial"/>
-          <a:sym typeface="Arial"/>
-        </a:defRPr>
-      </a:lvl3pPr>
-      <a:lvl4pPr marR="0" lvl="3" algn="l" rtl="0">
-        <a:lnSpc>
-          <a:spcPct val="100000"/>
-        </a:lnSpc>
-        <a:spcBef>
-          <a:spcPts val="0"/>
-        </a:spcBef>
-        <a:spcAft>
-          <a:spcPts val="0"/>
-        </a:spcAft>
-        <a:buClr>
-          <a:srgbClr val="000000"/>
-        </a:buClr>
-        <a:buFont typeface="Arial"/>
-        <a:defRPr sz="1400" b="0" i="0" u="none" strike="noStrike" cap="none">
-          <a:solidFill>
-            <a:srgbClr val="000000"/>
-          </a:solidFill>
-          <a:latin typeface="Arial"/>
-          <a:ea typeface="Arial"/>
-          <a:cs typeface="Arial"/>
-          <a:sym typeface="Arial"/>
-        </a:defRPr>
-      </a:lvl4pPr>
-      <a:lvl5pPr marR="0" lvl="4" algn="l" rtl="0">
-        <a:lnSpc>
-          <a:spcPct val="100000"/>
-        </a:lnSpc>
-        <a:spcBef>
-          <a:spcPts val="0"/>
-        </a:spcBef>
-        <a:spcAft>
-          <a:spcPts val="0"/>
-        </a:spcAft>
-        <a:buClr>
-          <a:srgbClr val="000000"/>
-        </a:buClr>
-        <a:buFont typeface="Arial"/>
-        <a:defRPr sz="1400" b="0" i="0" u="none" strike="noStrike" cap="none">
-          <a:solidFill>
-            <a:srgbClr val="000000"/>
-          </a:solidFill>
-          <a:latin typeface="Arial"/>
-          <a:ea typeface="Arial"/>
-          <a:cs typeface="Arial"/>
-          <a:sym typeface="Arial"/>
-        </a:defRPr>
-      </a:lvl5pPr>
-      <a:lvl6pPr marR="0" lvl="5" algn="l" rtl="0">
-        <a:lnSpc>
-          <a:spcPct val="100000"/>
-        </a:lnSpc>
-        <a:spcBef>
-          <a:spcPts val="0"/>
-        </a:spcBef>
-        <a:spcAft>
-          <a:spcPts val="0"/>
-        </a:spcAft>
-        <a:buClr>
-          <a:srgbClr val="000000"/>
-        </a:buClr>
-        <a:buFont typeface="Arial"/>
-        <a:defRPr sz="1400" b="0" i="0" u="none" strike="noStrike" cap="none">
-          <a:solidFill>
-            <a:srgbClr val="000000"/>
-          </a:solidFill>
-          <a:latin typeface="Arial"/>
-          <a:ea typeface="Arial"/>
-          <a:cs typeface="Arial"/>
-          <a:sym typeface="Arial"/>
-        </a:defRPr>
-      </a:lvl6pPr>
-      <a:lvl7pPr marR="0" lvl="6" algn="l" rtl="0">
-        <a:lnSpc>
-          <a:spcPct val="100000"/>
-        </a:lnSpc>
-        <a:spcBef>
-          <a:spcPts val="0"/>
-        </a:spcBef>
-        <a:spcAft>
-          <a:spcPts val="0"/>
-        </a:spcAft>
-        <a:buClr>
-          <a:srgbClr val="000000"/>
-        </a:buClr>
-        <a:buFont typeface="Arial"/>
-        <a:defRPr sz="1400" b="0" i="0" u="none" strike="noStrike" cap="none">
-          <a:solidFill>
-            <a:srgbClr val="000000"/>
-          </a:solidFill>
-          <a:latin typeface="Arial"/>
-          <a:ea typeface="Arial"/>
-          <a:cs typeface="Arial"/>
-          <a:sym typeface="Arial"/>
-        </a:defRPr>
-      </a:lvl7pPr>
-      <a:lvl8pPr marR="0" lvl="7" algn="l" rtl="0">
-        <a:lnSpc>
-          <a:spcPct val="100000"/>
-        </a:lnSpc>
-        <a:spcBef>
-          <a:spcPts val="0"/>
-        </a:spcBef>
-        <a:spcAft>
-          <a:spcPts val="0"/>
-        </a:spcAft>
-        <a:buClr>
-          <a:srgbClr val="000000"/>
-        </a:buClr>
-        <a:buFont typeface="Arial"/>
-        <a:defRPr sz="1400" b="0" i="0" u="none" strike="noStrike" cap="none">
-          <a:solidFill>
-            <a:srgbClr val="000000"/>
-          </a:solidFill>
-          <a:latin typeface="Arial"/>
-          <a:ea typeface="Arial"/>
-          <a:cs typeface="Arial"/>
-          <a:sym typeface="Arial"/>
-        </a:defRPr>
-      </a:lvl8pPr>
-      <a:lvl9pPr marR="0" lvl="8" algn="l" rtl="0">
-        <a:lnSpc>
-          <a:spcPct val="100000"/>
-        </a:lnSpc>
-        <a:spcBef>
-          <a:spcPts val="0"/>
-        </a:spcBef>
-        <a:spcAft>
-          <a:spcPts val="0"/>
-        </a:spcAft>
-        <a:buClr>
-          <a:srgbClr val="000000"/>
-        </a:buClr>
-        <a:buFont typeface="Arial"/>
-        <a:defRPr sz="1400" b="0" i="0" u="none" strike="noStrike" cap="none">
-          <a:solidFill>
-            <a:srgbClr val="000000"/>
-          </a:solidFill>
-          <a:latin typeface="Arial"/>
-          <a:ea typeface="Arial"/>
-          <a:cs typeface="Arial"/>
-          <a:sym typeface="Arial"/>
-        </a:defRPr>
-      </a:lvl9pPr>
-    </p:bodyStyle>
-    <p:otherStyle>
-      <a:defPPr marR="0" lvl="0" algn="l" rtl="0">
-        <a:lnSpc>
-          <a:spcPct val="100000"/>
-        </a:lnSpc>
-        <a:spcBef>
-          <a:spcPts val="0"/>
-        </a:spcBef>
-        <a:spcAft>
-          <a:spcPts val="0"/>
-        </a:spcAft>
-      </a:defPPr>
-      <a:lvl1pPr marR="0" lvl="0" algn="l" rtl="0">
-        <a:lnSpc>
-          <a:spcPct val="100000"/>
-        </a:lnSpc>
-        <a:spcBef>
-          <a:spcPts val="0"/>
-        </a:spcBef>
-        <a:spcAft>
-          <a:spcPts val="0"/>
-        </a:spcAft>
-        <a:buClr>
-          <a:srgbClr val="000000"/>
-        </a:buClr>
-        <a:buFont typeface="Arial"/>
-        <a:defRPr sz="1400" b="0" i="0" u="none" strike="noStrike" cap="none">
-          <a:solidFill>
-            <a:srgbClr val="000000"/>
-          </a:solidFill>
-          <a:latin typeface="Arial"/>
-          <a:ea typeface="Arial"/>
-          <a:cs typeface="Arial"/>
-          <a:sym typeface="Arial"/>
-        </a:defRPr>
-      </a:lvl1pPr>
-      <a:lvl2pPr marR="0" lvl="1" algn="l" rtl="0">
-        <a:lnSpc>
-          <a:spcPct val="100000"/>
-        </a:lnSpc>
-        <a:spcBef>
-          <a:spcPts val="0"/>
-        </a:spcBef>
-        <a:spcAft>
-          <a:spcPts val="0"/>
-        </a:spcAft>
-        <a:buClr>
-          <a:srgbClr val="000000"/>
-        </a:buClr>
-        <a:buFont typeface="Arial"/>
-        <a:defRPr sz="1400" b="0" i="0" u="none" strike="noStrike" cap="none">
-          <a:solidFill>
-            <a:srgbClr val="000000"/>
-          </a:solidFill>
-          <a:latin typeface="Arial"/>
-          <a:ea typeface="Arial"/>
-          <a:cs typeface="Arial"/>
-          <a:sym typeface="Arial"/>
-        </a:defRPr>
-      </a:lvl2pPr>
-      <a:lvl3pPr marR="0" lvl="2" algn="l" rtl="0">
-        <a:lnSpc>
-          <a:spcPct val="100000"/>
-        </a:lnSpc>
-        <a:spcBef>
-          <a:spcPts val="0"/>
-        </a:spcBef>
-        <a:spcAft>
-          <a:spcPts val="0"/>
-        </a:spcAft>
-        <a:buClr>
-          <a:srgbClr val="000000"/>
-        </a:buClr>
-        <a:buFont typeface="Arial"/>
-        <a:defRPr sz="1400" b="0" i="0" u="none" strike="noStrike" cap="none">
-          <a:solidFill>
-            <a:srgbClr val="000000"/>
-          </a:solidFill>
-          <a:latin typeface="Arial"/>
-          <a:ea typeface="Arial"/>
-          <a:cs typeface="Arial"/>
-          <a:sym typeface="Arial"/>
-        </a:defRPr>
-      </a:lvl3pPr>
-      <a:lvl4pPr marR="0" lvl="3" algn="l" rtl="0">
-        <a:lnSpc>
-          <a:spcPct val="100000"/>
-        </a:lnSpc>
-        <a:spcBef>
-          <a:spcPts val="0"/>
-        </a:spcBef>
-        <a:spcAft>
-          <a:spcPts val="0"/>
-        </a:spcAft>
-        <a:buClr>
-          <a:srgbClr val="000000"/>
-        </a:buClr>
-        <a:buFont typeface="Arial"/>
-        <a:defRPr sz="1400" b="0" i="0" u="none" strike="noStrike" cap="none">
-          <a:solidFill>
-            <a:srgbClr val="000000"/>
-          </a:solidFill>
-          <a:latin typeface="Arial"/>
-          <a:ea typeface="Arial"/>
-          <a:cs typeface="Arial"/>
-          <a:sym typeface="Arial"/>
-        </a:defRPr>
-      </a:lvl4pPr>
-      <a:lvl5pPr marR="0" lvl="4" algn="l" rtl="0">
-        <a:lnSpc>
-          <a:spcPct val="100000"/>
-        </a:lnSpc>
-        <a:spcBef>
-          <a:spcPts val="0"/>
-        </a:spcBef>
-        <a:spcAft>
-          <a:spcPts val="0"/>
-        </a:spcAft>
-        <a:buClr>
-          <a:srgbClr val="000000"/>
-        </a:buClr>
-        <a:buFont typeface="Arial"/>
-        <a:defRPr sz="1400" b="0" i="0" u="none" strike="noStrike" cap="none">
-          <a:solidFill>
-            <a:srgbClr val="000000"/>
-          </a:solidFill>
-          <a:latin typeface="Arial"/>
-          <a:ea typeface="Arial"/>
-          <a:cs typeface="Arial"/>
-          <a:sym typeface="Arial"/>
-        </a:defRPr>
-      </a:lvl5pPr>
-      <a:lvl6pPr marR="0" lvl="5" algn="l" rtl="0">
-        <a:lnSpc>
-          <a:spcPct val="100000"/>
-        </a:lnSpc>
-        <a:spcBef>
-          <a:spcPts val="0"/>
-        </a:spcBef>
-        <a:spcAft>
-          <a:spcPts val="0"/>
-        </a:spcAft>
-        <a:buClr>
-          <a:srgbClr val="000000"/>
-        </a:buClr>
-        <a:buFont typeface="Arial"/>
-        <a:defRPr sz="1400" b="0" i="0" u="none" strike="noStrike" cap="none">
-          <a:solidFill>
-            <a:srgbClr val="000000"/>
-          </a:solidFill>
-          <a:latin typeface="Arial"/>
-          <a:ea typeface="Arial"/>
-          <a:cs typeface="Arial"/>
-          <a:sym typeface="Arial"/>
-        </a:defRPr>
-      </a:lvl6pPr>
-      <a:lvl7pPr marR="0" lvl="6" algn="l" rtl="0">
-        <a:lnSpc>
-          <a:spcPct val="100000"/>
-        </a:lnSpc>
-        <a:spcBef>
-          <a:spcPts val="0"/>
-        </a:spcBef>
-        <a:spcAft>
-          <a:spcPts val="0"/>
-        </a:spcAft>
-        <a:buClr>
-          <a:srgbClr val="000000"/>
-        </a:buClr>
-        <a:buFont typeface="Arial"/>
-        <a:defRPr sz="1400" b="0" i="0" u="none" strike="noStrike" cap="none">
-          <a:solidFill>
-            <a:srgbClr val="000000"/>
-          </a:solidFill>
-          <a:latin typeface="Arial"/>
-          <a:ea typeface="Arial"/>
-          <a:cs typeface="Arial"/>
-          <a:sym typeface="Arial"/>
-        </a:defRPr>
-      </a:lvl7pPr>
-      <a:lvl8pPr marR="0" lvl="7" algn="l" rtl="0">
-        <a:lnSpc>
-          <a:spcPct val="100000"/>
-        </a:lnSpc>
-        <a:spcBef>
-          <a:spcPts val="0"/>
-        </a:spcBef>
-        <a:spcAft>
-          <a:spcPts val="0"/>
-        </a:spcAft>
-        <a:buClr>
-          <a:srgbClr val="000000"/>
-        </a:buClr>
-        <a:buFont typeface="Arial"/>
-        <a:defRPr sz="1400" b="0" i="0" u="none" strike="noStrike" cap="none">
-          <a:solidFill>
-            <a:srgbClr val="000000"/>
-          </a:solidFill>
-          <a:latin typeface="Arial"/>
-          <a:ea typeface="Arial"/>
-          <a:cs typeface="Arial"/>
-          <a:sym typeface="Arial"/>
-        </a:defRPr>
-      </a:lvl8pPr>
-      <a:lvl9pPr marR="0" lvl="8" algn="l" rtl="0">
-        <a:lnSpc>
-          <a:spcPct val="100000"/>
-        </a:lnSpc>
-        <a:spcBef>
-          <a:spcPts val="0"/>
-        </a:spcBef>
-        <a:spcAft>
-          <a:spcPts val="0"/>
-        </a:spcAft>
-        <a:buClr>
-          <a:srgbClr val="000000"/>
-        </a:buClr>
-        <a:buFont typeface="Arial"/>
-        <a:defRPr sz="1400" b="0" i="0" u="none" strike="noStrike" cap="none">
-          <a:solidFill>
-            <a:srgbClr val="000000"/>
-          </a:solidFill>
-          <a:latin typeface="Arial"/>
-          <a:ea typeface="Arial"/>
-          <a:cs typeface="Arial"/>
-          <a:sym typeface="Arial"/>
-        </a:defRPr>
-      </a:lvl9pPr>
-    </p:otherStyle>
-  </p:txStyles>
-</p:sldMaster>
-</file>
-
-<file path=ppt/slideMasters/slideMaster2.xml><?xml version="1.0" encoding="utf-8"?>
 <p:sldMaster xmlns:a="http://schemas.openxmlformats.org/drawingml/2006/main" xmlns:r="http://schemas.openxmlformats.org/officeDocument/2006/relationships" xmlns:p="http://schemas.openxmlformats.org/presentationml/2006/main">
   <p:cSld>
     <p:bg>
@@ -9734,7 +4673,7 @@
 </p:sldMaster>
 </file>
 
-<file path=ppt/slideMasters/slideMaster3.xml><?xml version="1.0" encoding="utf-8"?>
+<file path=ppt/slideMasters/slideMaster2.xml><?xml version="1.0" encoding="utf-8"?>
 <p:sldMaster xmlns:a="http://schemas.openxmlformats.org/drawingml/2006/main" xmlns:r="http://schemas.openxmlformats.org/officeDocument/2006/relationships" xmlns:p="http://schemas.openxmlformats.org/presentationml/2006/main">
   <p:cSld>
     <p:bg>
@@ -11127,14 +6066,14 @@
               <a:buAutoNum type="arabicParenR"/>
             </a:pPr>
             <a:r>
-              <a:rPr lang="en-GB" sz="1200" dirty="0">
+              <a:rPr lang="en-GB" sz="1200">
                 <a:solidFill>
                   <a:srgbClr val="666666"/>
                 </a:solidFill>
               </a:rPr>
               <a:t>Introduction and guidance</a:t>
             </a:r>
-            <a:endParaRPr sz="1200" dirty="0">
+            <a:endParaRPr sz="1200">
               <a:solidFill>
                 <a:srgbClr val="666666"/>
               </a:solidFill>
@@ -11165,29 +6104,13 @@
               <a:buAutoNum type="arabicParenR"/>
             </a:pPr>
             <a:r>
-              <a:rPr lang="en-GB" sz="1200" dirty="0">
+              <a:rPr lang="en-GB" sz="1200">
                 <a:solidFill>
                   <a:srgbClr val="666666"/>
                 </a:solidFill>
               </a:rPr>
               <a:t>Roadmap: Early adoption via User Interface (UI)</a:t>
             </a:r>
-            <a:endParaRPr sz="1200" dirty="0">
-              <a:solidFill>
-                <a:srgbClr val="666666"/>
-              </a:solidFill>
-            </a:endParaRPr>
-          </a:p>
-          <a:p>
-            <a:pPr marL="457200" lvl="0" indent="0" algn="l" rtl="0">
-              <a:spcBef>
-                <a:spcPts val="640"/>
-              </a:spcBef>
-              <a:spcAft>
-                <a:spcPts val="0"/>
-              </a:spcAft>
-              <a:buNone/>
-            </a:pPr>
             <a:endParaRPr sz="1200">
               <a:solidFill>
                 <a:srgbClr val="666666"/>
@@ -11195,6 +6118,22 @@
             </a:endParaRPr>
           </a:p>
           <a:p>
+            <a:pPr marL="457200" lvl="0" indent="0" algn="l" rtl="0">
+              <a:spcBef>
+                <a:spcPts val="640"/>
+              </a:spcBef>
+              <a:spcAft>
+                <a:spcPts val="0"/>
+              </a:spcAft>
+              <a:buNone/>
+            </a:pPr>
+            <a:endParaRPr sz="1200">
+              <a:solidFill>
+                <a:srgbClr val="666666"/>
+              </a:solidFill>
+            </a:endParaRPr>
+          </a:p>
+          <a:p>
             <a:pPr marL="457200" lvl="0" indent="-304800" algn="l" rtl="0">
               <a:spcBef>
                 <a:spcPts val="640"/>
@@ -11209,29 +6148,13 @@
               <a:buAutoNum type="arabicParenR"/>
             </a:pPr>
             <a:r>
-              <a:rPr lang="en-GB" sz="1200" dirty="0">
+              <a:rPr lang="en-GB" sz="1200">
                 <a:solidFill>
                   <a:srgbClr val="666666"/>
                 </a:solidFill>
               </a:rPr>
               <a:t>Roadmap: Mid-Public Beta adoption via UI</a:t>
             </a:r>
-            <a:endParaRPr sz="1200" dirty="0">
-              <a:solidFill>
-                <a:srgbClr val="666666"/>
-              </a:solidFill>
-            </a:endParaRPr>
-          </a:p>
-          <a:p>
-            <a:pPr marL="457200" lvl="0" indent="0" algn="l" rtl="0">
-              <a:spcBef>
-                <a:spcPts val="640"/>
-              </a:spcBef>
-              <a:spcAft>
-                <a:spcPts val="0"/>
-              </a:spcAft>
-              <a:buNone/>
-            </a:pPr>
             <a:endParaRPr sz="1200">
               <a:solidFill>
                 <a:srgbClr val="666666"/>
@@ -11239,6 +6162,22 @@
             </a:endParaRPr>
           </a:p>
           <a:p>
+            <a:pPr marL="457200" lvl="0" indent="0" algn="l" rtl="0">
+              <a:spcBef>
+                <a:spcPts val="640"/>
+              </a:spcBef>
+              <a:spcAft>
+                <a:spcPts val="0"/>
+              </a:spcAft>
+              <a:buNone/>
+            </a:pPr>
+            <a:endParaRPr sz="1200">
+              <a:solidFill>
+                <a:srgbClr val="666666"/>
+              </a:solidFill>
+            </a:endParaRPr>
+          </a:p>
+          <a:p>
             <a:pPr marL="457200" lvl="0" indent="-304800" algn="l" rtl="0">
               <a:spcBef>
                 <a:spcPts val="640"/>
@@ -11253,29 +6192,13 @@
               <a:buAutoNum type="arabicParenR"/>
             </a:pPr>
             <a:r>
-              <a:rPr lang="en-GB" sz="1200" dirty="0">
+              <a:rPr lang="en-GB" sz="1200">
                 <a:solidFill>
                   <a:srgbClr val="666666"/>
                 </a:solidFill>
               </a:rPr>
               <a:t>Roadmap: Late adoption via UI</a:t>
             </a:r>
-            <a:endParaRPr sz="1200" dirty="0">
-              <a:solidFill>
-                <a:srgbClr val="666666"/>
-              </a:solidFill>
-            </a:endParaRPr>
-          </a:p>
-          <a:p>
-            <a:pPr marL="457200" lvl="0" indent="0" algn="l" rtl="0">
-              <a:spcBef>
-                <a:spcPts val="640"/>
-              </a:spcBef>
-              <a:spcAft>
-                <a:spcPts val="0"/>
-              </a:spcAft>
-              <a:buNone/>
-            </a:pPr>
             <a:endParaRPr sz="1200">
               <a:solidFill>
                 <a:srgbClr val="666666"/>
@@ -11283,6 +6206,22 @@
             </a:endParaRPr>
           </a:p>
           <a:p>
+            <a:pPr marL="457200" lvl="0" indent="0" algn="l" rtl="0">
+              <a:spcBef>
+                <a:spcPts val="640"/>
+              </a:spcBef>
+              <a:spcAft>
+                <a:spcPts val="0"/>
+              </a:spcAft>
+              <a:buNone/>
+            </a:pPr>
+            <a:endParaRPr sz="1200">
+              <a:solidFill>
+                <a:srgbClr val="666666"/>
+              </a:solidFill>
+            </a:endParaRPr>
+          </a:p>
+          <a:p>
             <a:pPr marL="457200" lvl="0" indent="-304800" algn="l" rtl="0">
               <a:spcBef>
                 <a:spcPts val="640"/>
@@ -11297,29 +6236,13 @@
               <a:buAutoNum type="arabicParenR"/>
             </a:pPr>
             <a:r>
-              <a:rPr lang="en-GB" sz="1200" dirty="0">
+              <a:rPr lang="en-GB" sz="1200">
                 <a:solidFill>
                   <a:srgbClr val="666666"/>
                 </a:solidFill>
               </a:rPr>
               <a:t>Roadmap: Early adoption via API</a:t>
             </a:r>
-            <a:endParaRPr sz="1200" dirty="0">
-              <a:solidFill>
-                <a:srgbClr val="666666"/>
-              </a:solidFill>
-            </a:endParaRPr>
-          </a:p>
-          <a:p>
-            <a:pPr marL="457200" lvl="0" indent="0" algn="l" rtl="0">
-              <a:spcBef>
-                <a:spcPts val="640"/>
-              </a:spcBef>
-              <a:spcAft>
-                <a:spcPts val="0"/>
-              </a:spcAft>
-              <a:buNone/>
-            </a:pPr>
             <a:endParaRPr sz="1200">
               <a:solidFill>
                 <a:srgbClr val="666666"/>
@@ -11327,6 +6250,22 @@
             </a:endParaRPr>
           </a:p>
           <a:p>
+            <a:pPr marL="457200" lvl="0" indent="0" algn="l" rtl="0">
+              <a:spcBef>
+                <a:spcPts val="640"/>
+              </a:spcBef>
+              <a:spcAft>
+                <a:spcPts val="0"/>
+              </a:spcAft>
+              <a:buNone/>
+            </a:pPr>
+            <a:endParaRPr sz="1200">
+              <a:solidFill>
+                <a:srgbClr val="666666"/>
+              </a:solidFill>
+            </a:endParaRPr>
+          </a:p>
+          <a:p>
             <a:pPr marL="457200" lvl="0" indent="-304800" algn="l" rtl="0">
               <a:spcBef>
                 <a:spcPts val="640"/>
@@ -11341,29 +6280,13 @@
               <a:buAutoNum type="arabicParenR"/>
             </a:pPr>
             <a:r>
-              <a:rPr lang="en-GB" sz="1200" dirty="0">
+              <a:rPr lang="en-GB" sz="1200">
                 <a:solidFill>
                   <a:srgbClr val="666666"/>
                 </a:solidFill>
               </a:rPr>
               <a:t>Roadmap: Mid-Public Beta adoption via API</a:t>
             </a:r>
-            <a:endParaRPr sz="1200" dirty="0">
-              <a:solidFill>
-                <a:srgbClr val="666666"/>
-              </a:solidFill>
-            </a:endParaRPr>
-          </a:p>
-          <a:p>
-            <a:pPr marL="457200" lvl="0" indent="0" algn="l" rtl="0">
-              <a:spcBef>
-                <a:spcPts val="640"/>
-              </a:spcBef>
-              <a:spcAft>
-                <a:spcPts val="0"/>
-              </a:spcAft>
-              <a:buNone/>
-            </a:pPr>
             <a:endParaRPr sz="1200">
               <a:solidFill>
                 <a:srgbClr val="666666"/>
@@ -11371,6 +6294,22 @@
             </a:endParaRPr>
           </a:p>
           <a:p>
+            <a:pPr marL="457200" lvl="0" indent="0" algn="l" rtl="0">
+              <a:spcBef>
+                <a:spcPts val="640"/>
+              </a:spcBef>
+              <a:spcAft>
+                <a:spcPts val="0"/>
+              </a:spcAft>
+              <a:buNone/>
+            </a:pPr>
+            <a:endParaRPr sz="1200">
+              <a:solidFill>
+                <a:srgbClr val="666666"/>
+              </a:solidFill>
+            </a:endParaRPr>
+          </a:p>
+          <a:p>
             <a:pPr marL="457200" lvl="0" indent="-304800" algn="l" rtl="0">
               <a:spcBef>
                 <a:spcPts val="640"/>
@@ -11385,14 +6324,14 @@
               <a:buAutoNum type="arabicParenR"/>
             </a:pPr>
             <a:r>
-              <a:rPr lang="en-GB" sz="1200" dirty="0">
+              <a:rPr lang="en-GB" sz="1200">
                 <a:solidFill>
                   <a:srgbClr val="666666"/>
                 </a:solidFill>
               </a:rPr>
               <a:t>Roadmap: Late adoption via API</a:t>
             </a:r>
-            <a:endParaRPr sz="1200" dirty="0">
+            <a:endParaRPr sz="1200">
               <a:solidFill>
                 <a:srgbClr val="666666"/>
               </a:solidFill>
@@ -11512,48 +6451,41 @@
             <a:endParaRPr sz="1400"/>
           </a:p>
           <a:p>
-            <a:pPr marL="0" lvl="0" indent="0" algn="l" rtl="0">
-              <a:spcBef>
-                <a:spcPts val="640"/>
-              </a:spcBef>
-              <a:spcAft>
-                <a:spcPts val="0"/>
-              </a:spcAft>
-              <a:buNone/>
-            </a:pPr>
-            <a:endParaRPr sz="1400" b="1"/>
-          </a:p>
-          <a:p>
-            <a:pPr marL="0" lvl="0" indent="0" algn="l" rtl="0">
-              <a:spcBef>
-                <a:spcPts val="640"/>
-              </a:spcBef>
-              <a:spcAft>
-                <a:spcPts val="0"/>
-              </a:spcAft>
+            <a:pPr marL="0" indent="0">
               <a:buNone/>
             </a:pPr>
             <a:r>
               <a:rPr lang="en-GB" sz="1400" b="1"/>
-              <a:t>Note: </a:t>
+              <a:t>Notes: </a:t>
             </a:r>
+            <a:endParaRPr lang="en-GB" sz="1400"/>
+          </a:p>
+          <a:p>
+            <a:pPr marL="0" indent="0">
+              <a:buNone/>
+            </a:pPr>
+            <a:r>
+              <a:rPr lang="en-GB" sz="1400"/>
+              <a:t>The following slides simply provide examples of indicative timelines, the actual timelines will depend on your organisation's requirements. There is </a:t>
+            </a:r>
+            <a:r>
+              <a:rPr lang="en-GB" sz="1400" b="1"/>
+              <a:t>no set date for Go-live or transition completion – this is entirely up to you, as long as done prior to the March 2020 deadline</a:t>
+            </a:r>
+            <a:r>
+              <a:rPr lang="en-GB" sz="1400"/>
+              <a:t>. </a:t>
+            </a:r>
+          </a:p>
+          <a:p>
+            <a:pPr marL="0" indent="0">
+              <a:buNone/>
+            </a:pPr>
             <a:r>
               <a:rPr lang="en-GB" sz="1400"/>
               <a:t>All of the activities currently listed will need to be performed one way or another to ensure successful transition but how and when is up to you and your organisation.</a:t>
             </a:r>
             <a:endParaRPr sz="1400"/>
-          </a:p>
-          <a:p>
-            <a:pPr marL="0" lvl="0" indent="0" algn="l" rtl="0">
-              <a:spcBef>
-                <a:spcPts val="640"/>
-              </a:spcBef>
-              <a:spcAft>
-                <a:spcPts val="0"/>
-              </a:spcAft>
-              <a:buNone/>
-            </a:pPr>
-            <a:endParaRPr sz="1400" b="1"/>
           </a:p>
           <a:p>
             <a:pPr marL="0" lvl="0" indent="0" algn="l" rtl="0">
@@ -15453,18 +10385,18 @@
               <a:buNone/>
             </a:pPr>
             <a:r>
-              <a:rPr lang="en-GB" sz="800" dirty="0"/>
+              <a:rPr lang="en-GB" sz="800"/>
               <a:t>Provide </a:t>
             </a:r>
             <a:r>
-              <a:rPr lang="en-GB" sz="800" dirty="0" err="1"/>
+              <a:rPr lang="en-GB" sz="800" err="1"/>
               <a:t>DfT</a:t>
             </a:r>
             <a:r>
-              <a:rPr lang="en-GB" sz="800" dirty="0"/>
+              <a:rPr lang="en-GB" sz="800"/>
               <a:t> with user details</a:t>
             </a:r>
-            <a:endParaRPr sz="800" dirty="0"/>
+            <a:endParaRPr sz="800"/>
           </a:p>
         </p:txBody>
       </p:sp>
@@ -22436,18 +17368,18 @@
           <a:lstStyle/>
           <a:p>
             <a:r>
-              <a:rPr lang="en-GB" sz="800" dirty="0"/>
+              <a:rPr lang="en-GB" sz="800"/>
               <a:t>If using an </a:t>
             </a:r>
             <a:r>
-              <a:rPr lang="en-GB" sz="800" dirty="0" err="1"/>
+              <a:rPr lang="en-GB" sz="800" err="1"/>
               <a:t>EToN</a:t>
             </a:r>
             <a:r>
-              <a:rPr lang="en-GB" sz="800" dirty="0"/>
+              <a:rPr lang="en-GB" sz="800"/>
               <a:t> vendor, review options, agree timelines and decide if an upgrade is needed</a:t>
             </a:r>
-            <a:endParaRPr lang="en-US" dirty="0"/>
+            <a:endParaRPr lang="en-US"/>
           </a:p>
         </p:txBody>
       </p:sp>
@@ -25018,18 +19950,18 @@
           <a:lstStyle/>
           <a:p>
             <a:r>
-              <a:rPr lang="en-GB" sz="800" dirty="0"/>
+              <a:rPr lang="en-GB" sz="800"/>
               <a:t>If using an </a:t>
             </a:r>
             <a:r>
-              <a:rPr lang="en-GB" sz="800" dirty="0" err="1"/>
+              <a:rPr lang="en-GB" sz="800" err="1"/>
               <a:t>EToN</a:t>
             </a:r>
             <a:r>
-              <a:rPr lang="en-GB" sz="800" dirty="0"/>
+              <a:rPr lang="en-GB" sz="800"/>
               <a:t> vendor, review options, agree timelines and decide if an upgrade is needed</a:t>
             </a:r>
-            <a:endParaRPr lang="en-US" dirty="0"/>
+            <a:endParaRPr lang="en-US"/>
           </a:p>
         </p:txBody>
       </p:sp>
@@ -25093,10 +20025,10 @@
               <a:buNone/>
             </a:pPr>
             <a:r>
-              <a:rPr lang="en-GB" dirty="0"/>
+              <a:rPr lang="en-GB"/>
               <a:t>Roadmap - API option</a:t>
             </a:r>
-            <a:endParaRPr dirty="0"/>
+            <a:endParaRPr/>
           </a:p>
           <a:p>
             <a:pPr marL="0" lvl="0" indent="0" algn="l" rtl="0">
@@ -25109,10 +20041,10 @@
               <a:buNone/>
             </a:pPr>
             <a:r>
-              <a:rPr lang="en-GB" dirty="0"/>
+              <a:rPr lang="en-GB"/>
               <a:t>Late transition</a:t>
             </a:r>
-            <a:endParaRPr dirty="0"/>
+            <a:endParaRPr/>
           </a:p>
         </p:txBody>
       </p:sp>
@@ -25241,14 +20173,14 @@
                         <a:buNone/>
                       </a:pPr>
                       <a:r>
-                        <a:rPr lang="en-GB" sz="1200" b="1" dirty="0">
+                        <a:rPr lang="en-GB" sz="1200" b="1">
                           <a:solidFill>
                             <a:srgbClr val="FFFFFF"/>
                           </a:solidFill>
                         </a:rPr>
                         <a:t>Stream</a:t>
                       </a:r>
-                      <a:endParaRPr sz="1200" b="1" dirty="0">
+                      <a:endParaRPr sz="1200" b="1">
                         <a:solidFill>
                           <a:srgbClr val="FFFFFF"/>
                         </a:solidFill>
@@ -25276,14 +20208,14 @@
                         <a:buNone/>
                       </a:pPr>
                       <a:r>
-                        <a:rPr lang="en-GB" sz="1200" b="1" dirty="0">
+                        <a:rPr lang="en-GB" sz="1200" b="1">
                           <a:solidFill>
                             <a:srgbClr val="FFFFFF"/>
                           </a:solidFill>
                         </a:rPr>
                         <a:t>Private beta</a:t>
                       </a:r>
-                      <a:endParaRPr sz="1200" b="1" dirty="0">
+                      <a:endParaRPr sz="1200" b="1">
                         <a:solidFill>
                           <a:srgbClr val="FFFFFF"/>
                         </a:solidFill>
@@ -25361,14 +20293,14 @@
                         <a:buNone/>
                       </a:pPr>
                       <a:r>
-                        <a:rPr lang="en-GB" sz="1200" b="1" dirty="0">
+                        <a:rPr lang="en-GB" sz="1200" b="1">
                           <a:solidFill>
                             <a:srgbClr val="FFFFFF"/>
                           </a:solidFill>
                         </a:rPr>
                         <a:t>Public beta</a:t>
                       </a:r>
-                      <a:endParaRPr sz="1200" b="1" dirty="0">
+                      <a:endParaRPr sz="1200" b="1">
                         <a:solidFill>
                           <a:srgbClr val="FFFFFF"/>
                         </a:solidFill>
@@ -25453,10 +20385,10 @@
                         <a:buNone/>
                       </a:pPr>
                       <a:r>
-                        <a:rPr lang="en-GB" sz="1100" i="1" dirty="0"/>
+                        <a:rPr lang="en-GB" sz="1100" i="1"/>
                         <a:t>May</a:t>
                       </a:r>
-                      <a:endParaRPr sz="1100" i="1" dirty="0"/>
+                      <a:endParaRPr sz="1100" i="1"/>
                     </a:p>
                   </a:txBody>
                   <a:tcPr marL="91425" marR="91425" marT="91425" marB="91425">
@@ -25480,10 +20412,10 @@
                         <a:buNone/>
                       </a:pPr>
                       <a:r>
-                        <a:rPr lang="en-GB" sz="1100" i="1" dirty="0"/>
+                        <a:rPr lang="en-GB" sz="1100" i="1"/>
                         <a:t>Jun</a:t>
                       </a:r>
-                      <a:endParaRPr sz="1100" i="1" dirty="0"/>
+                      <a:endParaRPr sz="1100" i="1"/>
                     </a:p>
                   </a:txBody>
                   <a:tcPr marL="91425" marR="91425" marT="91425" marB="91425">
@@ -25507,10 +20439,10 @@
                         <a:buNone/>
                       </a:pPr>
                       <a:r>
-                        <a:rPr lang="en-GB" sz="1100" i="1" dirty="0"/>
+                        <a:rPr lang="en-GB" sz="1100" i="1"/>
                         <a:t>Jul</a:t>
                       </a:r>
-                      <a:endParaRPr sz="1100" i="1" dirty="0"/>
+                      <a:endParaRPr sz="1100" i="1"/>
                     </a:p>
                   </a:txBody>
                   <a:tcPr marL="91425" marR="91425" marT="91425" marB="91425">
@@ -25534,10 +20466,10 @@
                         <a:buNone/>
                       </a:pPr>
                       <a:r>
-                        <a:rPr lang="en-GB" sz="1100" i="1" dirty="0"/>
+                        <a:rPr lang="en-GB" sz="1100" i="1"/>
                         <a:t>Aug</a:t>
                       </a:r>
-                      <a:endParaRPr sz="1100" i="1" dirty="0"/>
+                      <a:endParaRPr sz="1100" i="1"/>
                     </a:p>
                   </a:txBody>
                   <a:tcPr marL="91425" marR="91425" marT="91425" marB="91425">
@@ -25561,10 +20493,10 @@
                         <a:buNone/>
                       </a:pPr>
                       <a:r>
-                        <a:rPr lang="en-GB" sz="1100" i="1" dirty="0"/>
+                        <a:rPr lang="en-GB" sz="1100" i="1"/>
                         <a:t>Sep</a:t>
                       </a:r>
-                      <a:endParaRPr sz="1100" i="1" dirty="0"/>
+                      <a:endParaRPr sz="1100" i="1"/>
                     </a:p>
                   </a:txBody>
                   <a:tcPr marL="91425" marR="91425" marT="91425" marB="91425">
@@ -25588,10 +20520,10 @@
                         <a:buNone/>
                       </a:pPr>
                       <a:r>
-                        <a:rPr lang="en-GB" sz="1100" i="1" dirty="0"/>
+                        <a:rPr lang="en-GB" sz="1100" i="1"/>
                         <a:t>Oct</a:t>
                       </a:r>
-                      <a:endParaRPr sz="1100" i="1" dirty="0"/>
+                      <a:endParaRPr sz="1100" i="1"/>
                     </a:p>
                   </a:txBody>
                   <a:tcPr marL="91425" marR="91425" marT="91425" marB="91425">
@@ -25615,10 +20547,10 @@
                         <a:buNone/>
                       </a:pPr>
                       <a:r>
-                        <a:rPr lang="en-GB" sz="1100" i="1" dirty="0"/>
+                        <a:rPr lang="en-GB" sz="1100" i="1"/>
                         <a:t>Nov</a:t>
                       </a:r>
-                      <a:endParaRPr sz="1100" i="1" dirty="0"/>
+                      <a:endParaRPr sz="1100" i="1"/>
                     </a:p>
                   </a:txBody>
                   <a:tcPr marL="91425" marR="91425" marT="91425" marB="91425">
@@ -25642,10 +20574,10 @@
                         <a:buNone/>
                       </a:pPr>
                       <a:r>
-                        <a:rPr lang="en-GB" sz="1100" i="1" dirty="0"/>
+                        <a:rPr lang="en-GB" sz="1100" i="1"/>
                         <a:t>Dec</a:t>
                       </a:r>
-                      <a:endParaRPr sz="1100" i="1" dirty="0"/>
+                      <a:endParaRPr sz="1100" i="1"/>
                     </a:p>
                   </a:txBody>
                   <a:tcPr marL="91425" marR="91425" marT="91425" marB="91425">
@@ -25669,10 +20601,10 @@
                         <a:buNone/>
                       </a:pPr>
                       <a:r>
-                        <a:rPr lang="en-GB" sz="1100" i="1" dirty="0"/>
+                        <a:rPr lang="en-GB" sz="1100" i="1"/>
                         <a:t>Jan</a:t>
                       </a:r>
-                      <a:endParaRPr sz="1100" i="1" dirty="0"/>
+                      <a:endParaRPr sz="1100" i="1"/>
                     </a:p>
                   </a:txBody>
                   <a:tcPr marL="91425" marR="91425" marT="91425" marB="91425">
@@ -25696,10 +20628,10 @@
                         <a:buNone/>
                       </a:pPr>
                       <a:r>
-                        <a:rPr lang="en-GB" sz="1100" i="1" dirty="0"/>
+                        <a:rPr lang="en-GB" sz="1100" i="1"/>
                         <a:t>Feb</a:t>
                       </a:r>
-                      <a:endParaRPr sz="1100" i="1" dirty="0"/>
+                      <a:endParaRPr sz="1100" i="1"/>
                     </a:p>
                   </a:txBody>
                   <a:tcPr marL="91425" marR="91425" marT="91425" marB="91425">
@@ -25723,10 +20655,10 @@
                         <a:buNone/>
                       </a:pPr>
                       <a:r>
-                        <a:rPr lang="en-GB" sz="1100" i="1" dirty="0"/>
+                        <a:rPr lang="en-GB" sz="1100" i="1"/>
                         <a:t>Mar</a:t>
                       </a:r>
-                      <a:endParaRPr sz="1100" i="1" dirty="0"/>
+                      <a:endParaRPr sz="1100" i="1"/>
                     </a:p>
                   </a:txBody>
                   <a:tcPr marL="91425" marR="91425" marT="91425" marB="91425">
@@ -25757,10 +20689,10 @@
                         <a:buNone/>
                       </a:pPr>
                       <a:r>
-                        <a:rPr lang="en-GB" sz="1100" dirty="0"/>
+                        <a:rPr lang="en-GB" sz="1100"/>
                         <a:t>Technical adoption</a:t>
                       </a:r>
-                      <a:endParaRPr sz="1100" dirty="0"/>
+                      <a:endParaRPr sz="1100"/>
                     </a:p>
                   </a:txBody>
                   <a:tcPr marL="91425" marR="91425" marT="91425" marB="91425">
@@ -26044,10 +20976,10 @@
                         <a:buNone/>
                       </a:pPr>
                       <a:r>
-                        <a:rPr lang="en-GB" sz="1100" dirty="0"/>
+                        <a:rPr lang="en-GB" sz="1100"/>
                         <a:t>Business change</a:t>
                       </a:r>
-                      <a:endParaRPr sz="1100" dirty="0"/>
+                      <a:endParaRPr sz="1100"/>
                     </a:p>
                   </a:txBody>
                   <a:tcPr marL="91425" marR="91425" marT="91425" marB="91425">
@@ -26354,14 +21286,14 @@
               <a:buNone/>
             </a:pPr>
             <a:r>
-              <a:rPr lang="en-GB" sz="1300" b="1" dirty="0">
+              <a:rPr lang="en-GB" sz="1300" b="1">
                 <a:solidFill>
                   <a:srgbClr val="980000"/>
                 </a:solidFill>
               </a:rPr>
               <a:t>Indicative roadmap - move around and edit activities and their duration where needed to align to your individual circumstances  </a:t>
             </a:r>
-            <a:endParaRPr sz="1300" b="1" dirty="0">
+            <a:endParaRPr sz="1300" b="1">
               <a:solidFill>
                 <a:srgbClr val="980000"/>
               </a:solidFill>
@@ -26448,14 +21380,14 @@
               <a:buNone/>
             </a:pPr>
             <a:r>
-              <a:rPr lang="en-GB" sz="800" dirty="0">
+              <a:rPr lang="en-GB" sz="800">
                 <a:solidFill>
                   <a:srgbClr val="FFFFFF"/>
                 </a:solidFill>
               </a:rPr>
               <a:t>Complete</a:t>
             </a:r>
-            <a:endParaRPr sz="800" dirty="0">
+            <a:endParaRPr sz="800">
               <a:solidFill>
                 <a:srgbClr val="FFFFFF"/>
               </a:solidFill>
@@ -26508,10 +21440,10 @@
               <a:buNone/>
             </a:pPr>
             <a:r>
-              <a:rPr lang="en-GB" sz="800" dirty="0"/>
+              <a:rPr lang="en-GB" sz="800"/>
               <a:t>In progress</a:t>
             </a:r>
-            <a:endParaRPr sz="800" dirty="0"/>
+            <a:endParaRPr sz="800"/>
           </a:p>
         </p:txBody>
       </p:sp>
@@ -26560,10 +21492,10 @@
               <a:buNone/>
             </a:pPr>
             <a:r>
-              <a:rPr lang="en-GB" sz="800" dirty="0"/>
+              <a:rPr lang="en-GB" sz="800"/>
               <a:t>Tech dependency</a:t>
             </a:r>
-            <a:endParaRPr sz="800" dirty="0"/>
+            <a:endParaRPr sz="800"/>
           </a:p>
         </p:txBody>
       </p:sp>
@@ -26612,10 +21544,10 @@
               <a:buNone/>
             </a:pPr>
             <a:r>
-              <a:rPr lang="en-GB" sz="800" dirty="0"/>
+              <a:rPr lang="en-GB" sz="800"/>
               <a:t>Not started</a:t>
             </a:r>
-            <a:endParaRPr sz="800" dirty="0"/>
+            <a:endParaRPr sz="800"/>
           </a:p>
         </p:txBody>
       </p:sp>
@@ -26664,10 +21596,10 @@
               <a:buNone/>
             </a:pPr>
             <a:r>
-              <a:rPr lang="en-GB" sz="800" dirty="0"/>
+              <a:rPr lang="en-GB" sz="800"/>
               <a:t>Familiarise yourself with the API docs</a:t>
             </a:r>
-            <a:endParaRPr sz="800" dirty="0"/>
+            <a:endParaRPr sz="800"/>
           </a:p>
         </p:txBody>
       </p:sp>
@@ -26716,10 +21648,10 @@
               <a:buNone/>
             </a:pPr>
             <a:r>
-              <a:rPr lang="en-GB" sz="800" dirty="0"/>
+              <a:rPr lang="en-GB" sz="800"/>
               <a:t>Plan how to make systems API compatible</a:t>
             </a:r>
-            <a:endParaRPr sz="800" dirty="0"/>
+            <a:endParaRPr sz="800"/>
           </a:p>
         </p:txBody>
       </p:sp>
@@ -26768,14 +21700,14 @@
               <a:buNone/>
             </a:pPr>
             <a:r>
-              <a:rPr lang="en-GB" sz="800" dirty="0"/>
+              <a:rPr lang="en-GB" sz="800"/>
               <a:t>Request API access from </a:t>
             </a:r>
             <a:r>
-              <a:rPr lang="en-GB" sz="800" dirty="0" err="1"/>
+              <a:rPr lang="en-GB" sz="800" err="1"/>
               <a:t>DfT</a:t>
             </a:r>
-            <a:endParaRPr sz="800" dirty="0" err="1"/>
+            <a:endParaRPr sz="800" err="1"/>
           </a:p>
         </p:txBody>
       </p:sp>
@@ -26824,10 +21756,10 @@
               <a:buNone/>
             </a:pPr>
             <a:r>
-              <a:rPr lang="en-GB" sz="800" dirty="0"/>
+              <a:rPr lang="en-GB" sz="800"/>
               <a:t>Agree T&amp;C for sandbox</a:t>
             </a:r>
-            <a:endParaRPr sz="800" dirty="0"/>
+            <a:endParaRPr sz="800"/>
           </a:p>
         </p:txBody>
       </p:sp>
@@ -26876,18 +21808,18 @@
               <a:buNone/>
             </a:pPr>
             <a:r>
-              <a:rPr lang="en-GB" sz="800" dirty="0"/>
+              <a:rPr lang="en-GB" sz="800"/>
               <a:t>Inform </a:t>
             </a:r>
             <a:r>
-              <a:rPr lang="en-GB" sz="800" dirty="0" err="1"/>
+              <a:rPr lang="en-GB" sz="800" err="1"/>
               <a:t>DfT</a:t>
             </a:r>
             <a:r>
-              <a:rPr lang="en-GB" sz="800" dirty="0"/>
+              <a:rPr lang="en-GB" sz="800"/>
               <a:t> when you want to move to production</a:t>
             </a:r>
-            <a:endParaRPr sz="800" dirty="0"/>
+            <a:endParaRPr sz="800"/>
           </a:p>
         </p:txBody>
       </p:sp>
@@ -26936,14 +21868,14 @@
               <a:buNone/>
             </a:pPr>
             <a:r>
-              <a:rPr lang="en-GB" sz="800" dirty="0">
+              <a:rPr lang="en-GB" sz="800">
                 <a:solidFill>
                   <a:schemeClr val="dk1"/>
                 </a:solidFill>
               </a:rPr>
               <a:t>Move to production and ensure accuracy of data submitted</a:t>
             </a:r>
-            <a:endParaRPr sz="800" dirty="0"/>
+            <a:endParaRPr sz="800"/>
           </a:p>
         </p:txBody>
       </p:sp>
@@ -26992,14 +21924,14 @@
               <a:buNone/>
             </a:pPr>
             <a:r>
-              <a:rPr lang="en-GB" sz="800" dirty="0">
+              <a:rPr lang="en-GB" sz="800">
                 <a:solidFill>
                   <a:schemeClr val="dk1"/>
                 </a:solidFill>
               </a:rPr>
               <a:t>Agree T&amp;C and charging model</a:t>
             </a:r>
-            <a:endParaRPr sz="800" dirty="0"/>
+            <a:endParaRPr sz="800"/>
           </a:p>
         </p:txBody>
       </p:sp>
@@ -27048,10 +21980,10 @@
               <a:buNone/>
             </a:pPr>
             <a:r>
-              <a:rPr lang="en-GB" sz="800" dirty="0"/>
+              <a:rPr lang="en-GB" sz="800"/>
               <a:t>Test API in sandbox environment</a:t>
             </a:r>
-            <a:endParaRPr sz="800" dirty="0"/>
+            <a:endParaRPr sz="800"/>
           </a:p>
         </p:txBody>
       </p:sp>
@@ -27136,7 +22068,7 @@
               <a:buNone/>
             </a:pPr>
             <a:r>
-              <a:rPr lang="en-GB" sz="800" b="1" dirty="0"/>
+              <a:rPr lang="en-GB" sz="800" b="1"/>
               <a:t>GO-</a:t>
             </a:r>
             <a:endParaRPr sz="800" b="1"/>
@@ -27152,10 +22084,10 @@
               <a:buNone/>
             </a:pPr>
             <a:r>
-              <a:rPr lang="en-GB" sz="800" b="1" dirty="0"/>
+              <a:rPr lang="en-GB" sz="800" b="1"/>
               <a:t>LIVE</a:t>
             </a:r>
-            <a:endParaRPr sz="800" b="1" dirty="0"/>
+            <a:endParaRPr sz="800" b="1"/>
           </a:p>
         </p:txBody>
       </p:sp>
@@ -27204,10 +22136,10 @@
               <a:buNone/>
             </a:pPr>
             <a:r>
-              <a:rPr lang="en-GB" sz="800" dirty="0"/>
+              <a:rPr lang="en-GB" sz="800"/>
               <a:t>Impact and readiness assessment</a:t>
             </a:r>
-            <a:endParaRPr sz="800" dirty="0"/>
+            <a:endParaRPr sz="800"/>
           </a:p>
         </p:txBody>
       </p:sp>
@@ -27256,10 +22188,10 @@
               <a:buNone/>
             </a:pPr>
             <a:r>
-              <a:rPr lang="en-GB" sz="800" dirty="0"/>
+              <a:rPr lang="en-GB" sz="800"/>
               <a:t>Business case sign-off</a:t>
             </a:r>
-            <a:endParaRPr sz="800" dirty="0"/>
+            <a:endParaRPr sz="800"/>
           </a:p>
         </p:txBody>
       </p:sp>
@@ -27308,10 +22240,10 @@
               <a:buNone/>
             </a:pPr>
             <a:r>
-              <a:rPr lang="en-GB" sz="800" dirty="0"/>
+              <a:rPr lang="en-GB" sz="800"/>
               <a:t>Develop delivery plan</a:t>
             </a:r>
-            <a:endParaRPr sz="800" dirty="0"/>
+            <a:endParaRPr sz="800"/>
           </a:p>
         </p:txBody>
       </p:sp>
@@ -27360,10 +22292,10 @@
               <a:buNone/>
             </a:pPr>
             <a:r>
-              <a:rPr lang="en-GB" sz="800" dirty="0"/>
+              <a:rPr lang="en-GB" sz="800"/>
               <a:t>Define benefits and KPIs</a:t>
             </a:r>
-            <a:endParaRPr sz="800" dirty="0"/>
+            <a:endParaRPr sz="800"/>
           </a:p>
         </p:txBody>
       </p:sp>
@@ -27412,10 +22344,10 @@
               <a:buNone/>
             </a:pPr>
             <a:r>
-              <a:rPr lang="en-GB" sz="800" dirty="0"/>
+              <a:rPr lang="en-GB" sz="800"/>
               <a:t>Monitor delivery against plan, manage risks and issues and track benefits and KPIs</a:t>
             </a:r>
-            <a:endParaRPr sz="800" dirty="0"/>
+            <a:endParaRPr sz="800"/>
           </a:p>
         </p:txBody>
       </p:sp>
@@ -27464,10 +22396,10 @@
               <a:buNone/>
             </a:pPr>
             <a:r>
-              <a:rPr lang="en-GB" sz="800" dirty="0"/>
+              <a:rPr lang="en-GB" sz="800"/>
               <a:t>Stakeholder analysis</a:t>
             </a:r>
-            <a:endParaRPr sz="800" dirty="0"/>
+            <a:endParaRPr sz="800"/>
           </a:p>
         </p:txBody>
       </p:sp>
@@ -27516,10 +22448,10 @@
               <a:buNone/>
             </a:pPr>
             <a:r>
-              <a:rPr lang="en-GB" sz="800" dirty="0"/>
+              <a:rPr lang="en-GB" sz="800"/>
               <a:t>Develop stakeholder strategy</a:t>
             </a:r>
-            <a:endParaRPr sz="800" dirty="0"/>
+            <a:endParaRPr sz="800"/>
           </a:p>
         </p:txBody>
       </p:sp>
@@ -27568,10 +22500,10 @@
               <a:buNone/>
             </a:pPr>
             <a:r>
-              <a:rPr lang="en-GB" sz="800" dirty="0"/>
+              <a:rPr lang="en-GB" sz="800"/>
               <a:t>Engage key stakeholders</a:t>
             </a:r>
-            <a:endParaRPr sz="800" dirty="0"/>
+            <a:endParaRPr sz="800"/>
           </a:p>
         </p:txBody>
       </p:sp>
@@ -27620,10 +22552,10 @@
               <a:buNone/>
             </a:pPr>
             <a:r>
-              <a:rPr lang="en-GB" sz="800" dirty="0"/>
+              <a:rPr lang="en-GB" sz="800"/>
               <a:t>Engage key stakeholders to secure buy-in and support</a:t>
             </a:r>
-            <a:endParaRPr sz="800" dirty="0"/>
+            <a:endParaRPr sz="800"/>
           </a:p>
         </p:txBody>
       </p:sp>
@@ -27672,10 +22604,10 @@
               <a:buNone/>
             </a:pPr>
             <a:r>
-              <a:rPr lang="en-GB" sz="800" dirty="0"/>
+              <a:rPr lang="en-GB" sz="800"/>
               <a:t>Deliver training to testers</a:t>
             </a:r>
-            <a:endParaRPr sz="800" dirty="0"/>
+            <a:endParaRPr sz="800"/>
           </a:p>
         </p:txBody>
       </p:sp>
@@ -27724,10 +22656,10 @@
               <a:buNone/>
             </a:pPr>
             <a:r>
-              <a:rPr lang="en-GB" sz="800" dirty="0"/>
+              <a:rPr lang="en-GB" sz="800"/>
               <a:t>Review sentiments</a:t>
             </a:r>
-            <a:endParaRPr sz="800" dirty="0"/>
+            <a:endParaRPr sz="800"/>
           </a:p>
         </p:txBody>
       </p:sp>
@@ -27776,10 +22708,10 @@
               <a:buNone/>
             </a:pPr>
             <a:r>
-              <a:rPr lang="en-GB" sz="800" dirty="0"/>
+              <a:rPr lang="en-GB" sz="800"/>
               <a:t>Second iteration of readiness assessment</a:t>
             </a:r>
-            <a:endParaRPr sz="800" dirty="0"/>
+            <a:endParaRPr sz="800"/>
           </a:p>
         </p:txBody>
       </p:sp>
@@ -27828,10 +22760,10 @@
               <a:buNone/>
             </a:pPr>
             <a:r>
-              <a:rPr lang="en-GB" sz="800" dirty="0"/>
+              <a:rPr lang="en-GB" sz="800"/>
               <a:t>Final  readiness assessment</a:t>
             </a:r>
-            <a:endParaRPr sz="800" dirty="0"/>
+            <a:endParaRPr sz="800"/>
           </a:p>
         </p:txBody>
       </p:sp>
@@ -27880,14 +22812,14 @@
               <a:buNone/>
             </a:pPr>
             <a:r>
-              <a:rPr lang="en-GB" sz="800" dirty="0">
+              <a:rPr lang="en-GB" sz="800">
                 <a:solidFill>
                   <a:schemeClr val="dk1"/>
                 </a:solidFill>
               </a:rPr>
               <a:t>Engage all stakeholders to ensure they are aware of the changes, their role and what that means to them</a:t>
             </a:r>
-            <a:endParaRPr sz="800" dirty="0"/>
+            <a:endParaRPr sz="800"/>
           </a:p>
         </p:txBody>
       </p:sp>
@@ -27936,14 +22868,14 @@
               <a:buNone/>
             </a:pPr>
             <a:r>
-              <a:rPr lang="en-GB" sz="800" dirty="0">
+              <a:rPr lang="en-GB" sz="800">
                 <a:solidFill>
                   <a:schemeClr val="dk1"/>
                 </a:solidFill>
               </a:rPr>
               <a:t>Deliver training to all users: system, processes and ways of working</a:t>
             </a:r>
-            <a:endParaRPr sz="800" dirty="0"/>
+            <a:endParaRPr sz="800"/>
           </a:p>
         </p:txBody>
       </p:sp>
@@ -27992,10 +22924,10 @@
               <a:buNone/>
             </a:pPr>
             <a:r>
-              <a:rPr lang="en-GB" sz="800" dirty="0"/>
+              <a:rPr lang="en-GB" sz="800"/>
               <a:t>Develop IT in-house / engage with IT supplier</a:t>
             </a:r>
-            <a:endParaRPr sz="800" dirty="0"/>
+            <a:endParaRPr sz="800"/>
           </a:p>
         </p:txBody>
       </p:sp>
@@ -28044,10 +22976,10 @@
               <a:buNone/>
             </a:pPr>
             <a:r>
-              <a:rPr lang="en-GB" sz="800" dirty="0"/>
+              <a:rPr lang="en-GB" sz="800"/>
               <a:t>Update processes where needed</a:t>
             </a:r>
-            <a:endParaRPr sz="800" dirty="0"/>
+            <a:endParaRPr sz="800"/>
           </a:p>
         </p:txBody>
       </p:sp>
@@ -28093,18 +23025,18 @@
           <a:lstStyle/>
           <a:p>
             <a:r>
-              <a:rPr lang="en-GB" sz="800" dirty="0"/>
+              <a:rPr lang="en-GB" sz="800"/>
               <a:t>If using an </a:t>
             </a:r>
             <a:r>
-              <a:rPr lang="en-GB" sz="800" dirty="0" err="1"/>
+              <a:rPr lang="en-GB" sz="800" err="1"/>
               <a:t>EToN</a:t>
             </a:r>
             <a:r>
-              <a:rPr lang="en-GB" sz="800" dirty="0"/>
+              <a:rPr lang="en-GB" sz="800"/>
               <a:t> vendor, review options, agree timelines and decide if an upgrade is needed</a:t>
             </a:r>
-            <a:endParaRPr lang="en-US" dirty="0"/>
+            <a:endParaRPr lang="en-US"/>
           </a:p>
         </p:txBody>
       </p:sp>
@@ -28117,287 +23049,6 @@
 </file>
 
 <file path=ppt/theme/theme1.xml><?xml version="1.0" encoding="utf-8"?>
-<a:theme xmlns:a="http://schemas.openxmlformats.org/drawingml/2006/main" name="Simple Light">
-  <a:themeElements>
-    <a:clrScheme name="Simple Light">
-      <a:dk1>
-        <a:srgbClr val="000000"/>
-      </a:dk1>
-      <a:lt1>
-        <a:srgbClr val="FFFFFF"/>
-      </a:lt1>
-      <a:dk2>
-        <a:srgbClr val="595959"/>
-      </a:dk2>
-      <a:lt2>
-        <a:srgbClr val="EEEEEE"/>
-      </a:lt2>
-      <a:accent1>
-        <a:srgbClr val="FFAB40"/>
-      </a:accent1>
-      <a:accent2>
-        <a:srgbClr val="212121"/>
-      </a:accent2>
-      <a:accent3>
-        <a:srgbClr val="78909C"/>
-      </a:accent3>
-      <a:accent4>
-        <a:srgbClr val="FFAB40"/>
-      </a:accent4>
-      <a:accent5>
-        <a:srgbClr val="0097A7"/>
-      </a:accent5>
-      <a:accent6>
-        <a:srgbClr val="EEFF41"/>
-      </a:accent6>
-      <a:hlink>
-        <a:srgbClr val="0097A7"/>
-      </a:hlink>
-      <a:folHlink>
-        <a:srgbClr val="0097A7"/>
-      </a:folHlink>
-    </a:clrScheme>
-    <a:fontScheme name="Office">
-      <a:majorFont>
-        <a:latin typeface="Arial"/>
-        <a:ea typeface=""/>
-        <a:cs typeface=""/>
-        <a:font script="Jpan" typeface="ＭＳ Ｐゴシック"/>
-        <a:font script="Hang" typeface="맑은 고딕"/>
-        <a:font script="Hans" typeface="宋体"/>
-        <a:font script="Hant" typeface="新細明體"/>
-        <a:font script="Arab" typeface="Times New Roman"/>
-        <a:font script="Hebr" typeface="Times New Roman"/>
-        <a:font script="Thai" typeface="Angsana New"/>
-        <a:font script="Ethi" typeface="Nyala"/>
-        <a:font script="Beng" typeface="Vrinda"/>
-        <a:font script="Gujr" typeface="Shruti"/>
-        <a:font script="Khmr" typeface="MoolBoran"/>
-        <a:font script="Knda" typeface="Tunga"/>
-        <a:font script="Guru" typeface="Raavi"/>
-        <a:font script="Cans" typeface="Euphemia"/>
-        <a:font script="Cher" typeface="Plantagenet Cherokee"/>
-        <a:font script="Yiii" typeface="Microsoft Yi Baiti"/>
-        <a:font script="Tibt" typeface="Microsoft Himalaya"/>
-        <a:font script="Thaa" typeface="MV Boli"/>
-        <a:font script="Deva" typeface="Mangal"/>
-        <a:font script="Telu" typeface="Gautami"/>
-        <a:font script="Taml" typeface="Latha"/>
-        <a:font script="Syrc" typeface="Estrangelo Edessa"/>
-        <a:font script="Orya" typeface="Kalinga"/>
-        <a:font script="Mlym" typeface="Kartika"/>
-        <a:font script="Laoo" typeface="DokChampa"/>
-        <a:font script="Sinh" typeface="Iskoola Pota"/>
-        <a:font script="Mong" typeface="Mongolian Baiti"/>
-        <a:font script="Viet" typeface="Times New Roman"/>
-        <a:font script="Uigh" typeface="Microsoft Uighur"/>
-        <a:font script="Geor" typeface="Sylfaen"/>
-      </a:majorFont>
-      <a:minorFont>
-        <a:latin typeface="Arial"/>
-        <a:ea typeface=""/>
-        <a:cs typeface=""/>
-        <a:font script="Jpan" typeface="ＭＳ Ｐゴシック"/>
-        <a:font script="Hang" typeface="맑은 고딕"/>
-        <a:font script="Hans" typeface="宋体"/>
-        <a:font script="Hant" typeface="新細明體"/>
-        <a:font script="Arab" typeface="Arial"/>
-        <a:font script="Hebr" typeface="Arial"/>
-        <a:font script="Thai" typeface="Cordia New"/>
-        <a:font script="Ethi" typeface="Nyala"/>
-        <a:font script="Beng" typeface="Vrinda"/>
-        <a:font script="Gujr" typeface="Shruti"/>
-        <a:font script="Khmr" typeface="DaunPenh"/>
-        <a:font script="Knda" typeface="Tunga"/>
-        <a:font script="Guru" typeface="Raavi"/>
-        <a:font script="Cans" typeface="Euphemia"/>
-        <a:font script="Cher" typeface="Plantagenet Cherokee"/>
-        <a:font script="Yiii" typeface="Microsoft Yi Baiti"/>
-        <a:font script="Tibt" typeface="Microsoft Himalaya"/>
-        <a:font script="Thaa" typeface="MV Boli"/>
-        <a:font script="Deva" typeface="Mangal"/>
-        <a:font script="Telu" typeface="Gautami"/>
-        <a:font script="Taml" typeface="Latha"/>
-        <a:font script="Syrc" typeface="Estrangelo Edessa"/>
-        <a:font script="Orya" typeface="Kalinga"/>
-        <a:font script="Mlym" typeface="Kartika"/>
-        <a:font script="Laoo" typeface="DokChampa"/>
-        <a:font script="Sinh" typeface="Iskoola Pota"/>
-        <a:font script="Mong" typeface="Mongolian Baiti"/>
-        <a:font script="Viet" typeface="Arial"/>
-        <a:font script="Uigh" typeface="Microsoft Uighur"/>
-        <a:font script="Geor" typeface="Sylfaen"/>
-      </a:minorFont>
-    </a:fontScheme>
-    <a:fmtScheme name="Office">
-      <a:fillStyleLst>
-        <a:solidFill>
-          <a:schemeClr val="phClr"/>
-        </a:solidFill>
-        <a:gradFill rotWithShape="1">
-          <a:gsLst>
-            <a:gs pos="0">
-              <a:schemeClr val="phClr">
-                <a:tint val="50000"/>
-                <a:satMod val="300000"/>
-              </a:schemeClr>
-            </a:gs>
-            <a:gs pos="35000">
-              <a:schemeClr val="phClr">
-                <a:tint val="37000"/>
-                <a:satMod val="300000"/>
-              </a:schemeClr>
-            </a:gs>
-            <a:gs pos="100000">
-              <a:schemeClr val="phClr">
-                <a:tint val="15000"/>
-                <a:satMod val="350000"/>
-              </a:schemeClr>
-            </a:gs>
-          </a:gsLst>
-          <a:lin ang="16200000" scaled="1"/>
-        </a:gradFill>
-        <a:gradFill rotWithShape="1">
-          <a:gsLst>
-            <a:gs pos="0">
-              <a:schemeClr val="phClr">
-                <a:tint val="100000"/>
-                <a:shade val="100000"/>
-                <a:satMod val="130000"/>
-              </a:schemeClr>
-            </a:gs>
-            <a:gs pos="100000">
-              <a:schemeClr val="phClr">
-                <a:tint val="50000"/>
-                <a:shade val="100000"/>
-                <a:satMod val="350000"/>
-              </a:schemeClr>
-            </a:gs>
-          </a:gsLst>
-          <a:lin ang="16200000" scaled="0"/>
-        </a:gradFill>
-      </a:fillStyleLst>
-      <a:lnStyleLst>
-        <a:ln w="9525" cap="flat" cmpd="sng" algn="ctr">
-          <a:solidFill>
-            <a:schemeClr val="phClr">
-              <a:shade val="95000"/>
-              <a:satMod val="105000"/>
-            </a:schemeClr>
-          </a:solidFill>
-          <a:prstDash val="solid"/>
-        </a:ln>
-        <a:ln w="25400" cap="flat" cmpd="sng" algn="ctr">
-          <a:solidFill>
-            <a:schemeClr val="phClr"/>
-          </a:solidFill>
-          <a:prstDash val="solid"/>
-        </a:ln>
-        <a:ln w="38100" cap="flat" cmpd="sng" algn="ctr">
-          <a:solidFill>
-            <a:schemeClr val="phClr"/>
-          </a:solidFill>
-          <a:prstDash val="solid"/>
-        </a:ln>
-      </a:lnStyleLst>
-      <a:effectStyleLst>
-        <a:effectStyle>
-          <a:effectLst>
-            <a:outerShdw blurRad="40000" dist="20000" dir="5400000" rotWithShape="0">
-              <a:srgbClr val="000000">
-                <a:alpha val="38000"/>
-              </a:srgbClr>
-            </a:outerShdw>
-          </a:effectLst>
-        </a:effectStyle>
-        <a:effectStyle>
-          <a:effectLst>
-            <a:outerShdw blurRad="40000" dist="23000" dir="5400000" rotWithShape="0">
-              <a:srgbClr val="000000">
-                <a:alpha val="35000"/>
-              </a:srgbClr>
-            </a:outerShdw>
-          </a:effectLst>
-        </a:effectStyle>
-        <a:effectStyle>
-          <a:effectLst>
-            <a:outerShdw blurRad="40000" dist="23000" dir="5400000" rotWithShape="0">
-              <a:srgbClr val="000000">
-                <a:alpha val="35000"/>
-              </a:srgbClr>
-            </a:outerShdw>
-          </a:effectLst>
-          <a:scene3d>
-            <a:camera prst="orthographicFront">
-              <a:rot lat="0" lon="0" rev="0"/>
-            </a:camera>
-            <a:lightRig rig="threePt" dir="t">
-              <a:rot lat="0" lon="0" rev="1200000"/>
-            </a:lightRig>
-          </a:scene3d>
-          <a:sp3d>
-            <a:bevelT w="63500" h="25400"/>
-          </a:sp3d>
-        </a:effectStyle>
-      </a:effectStyleLst>
-      <a:bgFillStyleLst>
-        <a:solidFill>
-          <a:schemeClr val="phClr"/>
-        </a:solidFill>
-        <a:gradFill rotWithShape="1">
-          <a:gsLst>
-            <a:gs pos="0">
-              <a:schemeClr val="phClr">
-                <a:tint val="40000"/>
-                <a:satMod val="350000"/>
-              </a:schemeClr>
-            </a:gs>
-            <a:gs pos="40000">
-              <a:schemeClr val="phClr">
-                <a:tint val="45000"/>
-                <a:shade val="99000"/>
-                <a:satMod val="350000"/>
-              </a:schemeClr>
-            </a:gs>
-            <a:gs pos="100000">
-              <a:schemeClr val="phClr">
-                <a:shade val="20000"/>
-                <a:satMod val="255000"/>
-              </a:schemeClr>
-            </a:gs>
-          </a:gsLst>
-          <a:path path="circle">
-            <a:fillToRect l="50000" t="-80000" r="50000" b="180000"/>
-          </a:path>
-        </a:gradFill>
-        <a:gradFill rotWithShape="1">
-          <a:gsLst>
-            <a:gs pos="0">
-              <a:schemeClr val="phClr">
-                <a:tint val="80000"/>
-                <a:satMod val="300000"/>
-              </a:schemeClr>
-            </a:gs>
-            <a:gs pos="100000">
-              <a:schemeClr val="phClr">
-                <a:shade val="30000"/>
-                <a:satMod val="200000"/>
-              </a:schemeClr>
-            </a:gs>
-          </a:gsLst>
-          <a:path path="circle">
-            <a:fillToRect l="50000" t="50000" r="50000" b="50000"/>
-          </a:path>
-        </a:gradFill>
-      </a:bgFillStyleLst>
-    </a:fmtScheme>
-  </a:themeElements>
-  <a:objectDefaults/>
-  <a:extraClrSchemeLst/>
-</a:theme>
-</file>
-
-<file path=ppt/theme/theme2.xml><?xml version="1.0" encoding="utf-8"?>
 <a:theme xmlns:a="http://schemas.openxmlformats.org/drawingml/2006/main" name="Default Design">
   <a:themeElements>
     <a:clrScheme name="Custom 1">
@@ -28678,7 +23329,7 @@
 </a:theme>
 </file>
 
-<file path=ppt/theme/theme3.xml><?xml version="1.0" encoding="utf-8"?>
+<file path=ppt/theme/theme2.xml><?xml version="1.0" encoding="utf-8"?>
 <a:theme xmlns:a="http://schemas.openxmlformats.org/drawingml/2006/main" name="Default Design">
   <a:themeElements>
     <a:clrScheme name="Default Design 1">
@@ -28959,7 +23610,7 @@
 </a:theme>
 </file>
 
-<file path=ppt/theme/theme4.xml><?xml version="1.0" encoding="utf-8"?>
+<file path=ppt/theme/theme3.xml><?xml version="1.0" encoding="utf-8"?>
 <a:theme xmlns:a="http://schemas.openxmlformats.org/drawingml/2006/main">
   <a:themeElements>
     <a:clrScheme name="Default">
@@ -29241,21 +23892,6 @@
 </file>
 
 <file path=customXml/item1.xml><?xml version="1.0" encoding="utf-8"?>
-<?mso-contentType ?>
-<FormTemplates xmlns="http://schemas.microsoft.com/sharepoint/v3/contenttype/forms">
-  <Display>DocumentLibraryForm</Display>
-  <Edit>DocumentLibraryForm</Edit>
-  <New>DocumentLibraryForm</New>
-</FormTemplates>
-</file>
-
-<file path=customXml/item2.xml><?xml version="1.0" encoding="utf-8"?>
-<p:properties xmlns:p="http://schemas.microsoft.com/office/2006/metadata/properties" xmlns:xsi="http://www.w3.org/2001/XMLSchema-instance" xmlns:pc="http://schemas.microsoft.com/office/infopath/2007/PartnerControls">
-  <documentManagement/>
-</p:properties>
-</file>
-
-<file path=customXml/item3.xml><?xml version="1.0" encoding="utf-8"?>
 <ct:contentTypeSchema xmlns:ct="http://schemas.microsoft.com/office/2006/metadata/contentType" xmlns:ma="http://schemas.microsoft.com/office/2006/metadata/properties/metaAttributes" ct:_="" ma:_="" ma:contentTypeName="Document" ma:contentTypeID="0x0101003029BB8E3779674C990F1B9EC9E2DCF0" ma:contentTypeVersion="10" ma:contentTypeDescription="Create a new document." ma:contentTypeScope="" ma:versionID="82d1d8934e05b88950a20bcfe9854ac7">
   <xsd:schema xmlns:xsd="http://www.w3.org/2001/XMLSchema" xmlns:xs="http://www.w3.org/2001/XMLSchema" xmlns:p="http://schemas.microsoft.com/office/2006/metadata/properties" xmlns:ns2="f764b324-afff-45d0-a2e4-4747da733eb8" xmlns:ns3="ee88558a-8df4-4dc2-8278-52d7053ebc22" targetNamespace="http://schemas.microsoft.com/office/2006/metadata/properties" ma:root="true" ma:fieldsID="2507ad04630dc505d390d75ecba9bcf9" ns2:_="" ns3:_="">
     <xsd:import namespace="f764b324-afff-45d0-a2e4-4747da733eb8"/>
@@ -29458,24 +24094,22 @@
 </ct:contentTypeSchema>
 </file>
 
-<file path=customXml/itemProps1.xml><?xml version="1.0" encoding="utf-8"?>
-<ds:datastoreItem xmlns:ds="http://schemas.openxmlformats.org/officeDocument/2006/customXml" ds:itemID="{7D895F40-F03D-489D-BC0C-AE3D52079DDD}">
-  <ds:schemaRefs>
-    <ds:schemaRef ds:uri="http://schemas.microsoft.com/sharepoint/v3/contenttype/forms"/>
-  </ds:schemaRefs>
-</ds:datastoreItem>
+<file path=customXml/item2.xml><?xml version="1.0" encoding="utf-8"?>
+<p:properties xmlns:p="http://schemas.microsoft.com/office/2006/metadata/properties" xmlns:xsi="http://www.w3.org/2001/XMLSchema-instance" xmlns:pc="http://schemas.microsoft.com/office/infopath/2007/PartnerControls">
+  <documentManagement/>
+</p:properties>
 </file>
 
-<file path=customXml/itemProps2.xml><?xml version="1.0" encoding="utf-8"?>
-<ds:datastoreItem xmlns:ds="http://schemas.openxmlformats.org/officeDocument/2006/customXml" ds:itemID="{9DEE5512-5E9D-4380-946E-12B58B3D2D85}">
-  <ds:schemaRefs>
-    <ds:schemaRef ds:uri="http://schemas.microsoft.com/office/2006/metadata/properties"/>
-    <ds:schemaRef ds:uri="http://schemas.microsoft.com/office/infopath/2007/PartnerControls"/>
-  </ds:schemaRefs>
-</ds:datastoreItem>
+<file path=customXml/item3.xml><?xml version="1.0" encoding="utf-8"?>
+<?mso-contentType ?>
+<FormTemplates xmlns="http://schemas.microsoft.com/sharepoint/v3/contenttype/forms">
+  <Display>DocumentLibraryForm</Display>
+  <Edit>DocumentLibraryForm</Edit>
+  <New>DocumentLibraryForm</New>
+</FormTemplates>
 </file>
 
-<file path=customXml/itemProps3.xml><?xml version="1.0" encoding="utf-8"?>
+<file path=customXml/itemProps1.xml><?xml version="1.0" encoding="utf-8"?>
 <ds:datastoreItem xmlns:ds="http://schemas.openxmlformats.org/officeDocument/2006/customXml" ds:itemID="{0E1A3BD4-71FD-4196-A713-F9902517A345}">
   <ds:schemaRefs>
     <ds:schemaRef ds:uri="http://schemas.microsoft.com/office/2006/metadata/contentType"/>
@@ -29492,4 +24126,21 @@
     <ds:schemaRef ds:uri="http://schemas.microsoft.com/internal/obd"/>
   </ds:schemaRefs>
 </ds:datastoreItem>
+</file>
+
+<file path=customXml/itemProps2.xml><?xml version="1.0" encoding="utf-8"?>
+<ds:datastoreItem xmlns:ds="http://schemas.openxmlformats.org/officeDocument/2006/customXml" ds:itemID="{9DEE5512-5E9D-4380-946E-12B58B3D2D85}">
+  <ds:schemaRefs>
+    <ds:schemaRef ds:uri="http://schemas.microsoft.com/office/2006/metadata/properties"/>
+    <ds:schemaRef ds:uri="http://schemas.microsoft.com/office/infopath/2007/PartnerControls"/>
+  </ds:schemaRefs>
+</ds:datastoreItem>
+</file>
+
+<file path=customXml/itemProps3.xml><?xml version="1.0" encoding="utf-8"?>
+<ds:datastoreItem xmlns:ds="http://schemas.openxmlformats.org/officeDocument/2006/customXml" ds:itemID="{7D895F40-F03D-489D-BC0C-AE3D52079DDD}">
+  <ds:schemaRefs>
+    <ds:schemaRef ds:uri="http://schemas.microsoft.com/sharepoint/v3/contenttype/forms"/>
+  </ds:schemaRefs>
+</ds:datastoreItem>
 </file>